--- a/Topic B Programming Skills/B.4 Lesson - Python More Variables.pptx
+++ b/Topic B Programming Skills/B.4 Lesson - Python More Variables.pptx
@@ -7,39 +7,47 @@
   <p:sldIdLst>
     <p:sldId id="256" r:id="rId2"/>
     <p:sldId id="291" r:id="rId3"/>
-    <p:sldId id="282" r:id="rId4"/>
-    <p:sldId id="283" r:id="rId5"/>
-    <p:sldId id="293" r:id="rId6"/>
-    <p:sldId id="284" r:id="rId7"/>
-    <p:sldId id="294" r:id="rId8"/>
-    <p:sldId id="288" r:id="rId9"/>
-    <p:sldId id="289" r:id="rId10"/>
-    <p:sldId id="290" r:id="rId11"/>
-    <p:sldId id="285" r:id="rId12"/>
-    <p:sldId id="286" r:id="rId13"/>
-    <p:sldId id="287" r:id="rId14"/>
-    <p:sldId id="279" r:id="rId15"/>
-    <p:sldId id="280" r:id="rId16"/>
-    <p:sldId id="281" r:id="rId17"/>
-    <p:sldId id="292" r:id="rId18"/>
-    <p:sldId id="257" r:id="rId19"/>
-    <p:sldId id="269" r:id="rId20"/>
-    <p:sldId id="270" r:id="rId21"/>
-    <p:sldId id="259" r:id="rId22"/>
-    <p:sldId id="271" r:id="rId23"/>
-    <p:sldId id="272" r:id="rId24"/>
-    <p:sldId id="260" r:id="rId25"/>
-    <p:sldId id="262" r:id="rId26"/>
-    <p:sldId id="274" r:id="rId27"/>
-    <p:sldId id="275" r:id="rId28"/>
-    <p:sldId id="276" r:id="rId29"/>
-    <p:sldId id="277" r:id="rId30"/>
-    <p:sldId id="278" r:id="rId31"/>
-    <p:sldId id="273" r:id="rId32"/>
-    <p:sldId id="265" r:id="rId33"/>
-    <p:sldId id="266" r:id="rId34"/>
-    <p:sldId id="263" r:id="rId35"/>
-    <p:sldId id="264" r:id="rId36"/>
+    <p:sldId id="301" r:id="rId4"/>
+    <p:sldId id="282" r:id="rId5"/>
+    <p:sldId id="283" r:id="rId6"/>
+    <p:sldId id="293" r:id="rId7"/>
+    <p:sldId id="284" r:id="rId8"/>
+    <p:sldId id="302" r:id="rId9"/>
+    <p:sldId id="288" r:id="rId10"/>
+    <p:sldId id="289" r:id="rId11"/>
+    <p:sldId id="295" r:id="rId12"/>
+    <p:sldId id="296" r:id="rId13"/>
+    <p:sldId id="297" r:id="rId14"/>
+    <p:sldId id="298" r:id="rId15"/>
+    <p:sldId id="299" r:id="rId16"/>
+    <p:sldId id="303" r:id="rId17"/>
+    <p:sldId id="300" r:id="rId18"/>
+    <p:sldId id="285" r:id="rId19"/>
+    <p:sldId id="290" r:id="rId20"/>
+    <p:sldId id="286" r:id="rId21"/>
+    <p:sldId id="287" r:id="rId22"/>
+    <p:sldId id="279" r:id="rId23"/>
+    <p:sldId id="280" r:id="rId24"/>
+    <p:sldId id="281" r:id="rId25"/>
+    <p:sldId id="292" r:id="rId26"/>
+    <p:sldId id="257" r:id="rId27"/>
+    <p:sldId id="269" r:id="rId28"/>
+    <p:sldId id="270" r:id="rId29"/>
+    <p:sldId id="259" r:id="rId30"/>
+    <p:sldId id="271" r:id="rId31"/>
+    <p:sldId id="272" r:id="rId32"/>
+    <p:sldId id="260" r:id="rId33"/>
+    <p:sldId id="262" r:id="rId34"/>
+    <p:sldId id="274" r:id="rId35"/>
+    <p:sldId id="275" r:id="rId36"/>
+    <p:sldId id="276" r:id="rId37"/>
+    <p:sldId id="277" r:id="rId38"/>
+    <p:sldId id="278" r:id="rId39"/>
+    <p:sldId id="273" r:id="rId40"/>
+    <p:sldId id="265" r:id="rId41"/>
+    <p:sldId id="266" r:id="rId42"/>
+    <p:sldId id="263" r:id="rId43"/>
+    <p:sldId id="264" r:id="rId44"/>
   </p:sldIdLst>
   <p:sldSz cx="9144000" cy="6858000" type="screen4x3"/>
   <p:notesSz cx="6858000" cy="9144000"/>
@@ -277,7 +285,7 @@
           <a:p>
             <a:fld id="{033E5389-43CE-4475-8AC5-F7A03157C002}" type="datetimeFigureOut">
               <a:rPr lang="en-US" smtClean="0"/>
-              <a:t>10/8/2019</a:t>
+              <a:t>10/9/2019</a:t>
             </a:fld>
             <a:endParaRPr lang="en-US"/>
           </a:p>
@@ -447,7 +455,7 @@
           <a:p>
             <a:fld id="{033E5389-43CE-4475-8AC5-F7A03157C002}" type="datetimeFigureOut">
               <a:rPr lang="en-US" smtClean="0"/>
-              <a:t>10/8/2019</a:t>
+              <a:t>10/9/2019</a:t>
             </a:fld>
             <a:endParaRPr lang="en-US"/>
           </a:p>
@@ -627,7 +635,7 @@
           <a:p>
             <a:fld id="{033E5389-43CE-4475-8AC5-F7A03157C002}" type="datetimeFigureOut">
               <a:rPr lang="en-US" smtClean="0"/>
-              <a:t>10/8/2019</a:t>
+              <a:t>10/9/2019</a:t>
             </a:fld>
             <a:endParaRPr lang="en-US"/>
           </a:p>
@@ -797,7 +805,7 @@
           <a:p>
             <a:fld id="{033E5389-43CE-4475-8AC5-F7A03157C002}" type="datetimeFigureOut">
               <a:rPr lang="en-US" smtClean="0"/>
-              <a:t>10/8/2019</a:t>
+              <a:t>10/9/2019</a:t>
             </a:fld>
             <a:endParaRPr lang="en-US"/>
           </a:p>
@@ -1041,7 +1049,7 @@
           <a:p>
             <a:fld id="{033E5389-43CE-4475-8AC5-F7A03157C002}" type="datetimeFigureOut">
               <a:rPr lang="en-US" smtClean="0"/>
-              <a:t>10/8/2019</a:t>
+              <a:t>10/9/2019</a:t>
             </a:fld>
             <a:endParaRPr lang="en-US"/>
           </a:p>
@@ -1273,7 +1281,7 @@
           <a:p>
             <a:fld id="{033E5389-43CE-4475-8AC5-F7A03157C002}" type="datetimeFigureOut">
               <a:rPr lang="en-US" smtClean="0"/>
-              <a:t>10/8/2019</a:t>
+              <a:t>10/9/2019</a:t>
             </a:fld>
             <a:endParaRPr lang="en-US"/>
           </a:p>
@@ -1640,7 +1648,7 @@
           <a:p>
             <a:fld id="{033E5389-43CE-4475-8AC5-F7A03157C002}" type="datetimeFigureOut">
               <a:rPr lang="en-US" smtClean="0"/>
-              <a:t>10/8/2019</a:t>
+              <a:t>10/9/2019</a:t>
             </a:fld>
             <a:endParaRPr lang="en-US"/>
           </a:p>
@@ -1758,7 +1766,7 @@
           <a:p>
             <a:fld id="{033E5389-43CE-4475-8AC5-F7A03157C002}" type="datetimeFigureOut">
               <a:rPr lang="en-US" smtClean="0"/>
-              <a:t>10/8/2019</a:t>
+              <a:t>10/9/2019</a:t>
             </a:fld>
             <a:endParaRPr lang="en-US"/>
           </a:p>
@@ -1853,7 +1861,7 @@
           <a:p>
             <a:fld id="{033E5389-43CE-4475-8AC5-F7A03157C002}" type="datetimeFigureOut">
               <a:rPr lang="en-US" smtClean="0"/>
-              <a:t>10/8/2019</a:t>
+              <a:t>10/9/2019</a:t>
             </a:fld>
             <a:endParaRPr lang="en-US"/>
           </a:p>
@@ -2130,7 +2138,7 @@
           <a:p>
             <a:fld id="{033E5389-43CE-4475-8AC5-F7A03157C002}" type="datetimeFigureOut">
               <a:rPr lang="en-US" smtClean="0"/>
-              <a:t>10/8/2019</a:t>
+              <a:t>10/9/2019</a:t>
             </a:fld>
             <a:endParaRPr lang="en-US"/>
           </a:p>
@@ -2387,7 +2395,7 @@
           <a:p>
             <a:fld id="{033E5389-43CE-4475-8AC5-F7A03157C002}" type="datetimeFigureOut">
               <a:rPr lang="en-US" smtClean="0"/>
-              <a:t>10/8/2019</a:t>
+              <a:t>10/9/2019</a:t>
             </a:fld>
             <a:endParaRPr lang="en-US"/>
           </a:p>
@@ -2600,7 +2608,7 @@
           <a:p>
             <a:fld id="{033E5389-43CE-4475-8AC5-F7A03157C002}" type="datetimeFigureOut">
               <a:rPr lang="en-US" smtClean="0"/>
-              <a:t>10/8/2019</a:t>
+              <a:t>10/9/2019</a:t>
             </a:fld>
             <a:endParaRPr lang="en-US"/>
           </a:p>
@@ -3105,7 +3113,7 @@
           <a:p>
             <a:r>
               <a:rPr lang="en-CA" dirty="0" smtClean="0"/>
-              <a:t>Booleans &amp; Python Control</a:t>
+              <a:t>Logical AND Operator</a:t>
             </a:r>
             <a:endParaRPr lang="en-US" dirty="0"/>
           </a:p>
@@ -3123,17 +3131,578 @@
         </p:nvSpPr>
         <p:spPr/>
         <p:txBody>
-          <a:bodyPr/>
-          <a:lstStyle/>
-          <a:p>
-            <a:endParaRPr lang="en-US"/>
+          <a:bodyPr>
+            <a:normAutofit/>
+          </a:bodyPr>
+          <a:lstStyle/>
+          <a:p>
+            <a:r>
+              <a:rPr lang="en-CA" sz="2400" dirty="0" smtClean="0"/>
+              <a:t>Is </a:t>
+            </a:r>
+            <a:r>
+              <a:rPr lang="en-CA" sz="2400" dirty="0" smtClean="0">
+                <a:solidFill>
+                  <a:srgbClr val="0070C0"/>
+                </a:solidFill>
+              </a:rPr>
+              <a:t>True</a:t>
+            </a:r>
+            <a:r>
+              <a:rPr lang="en-CA" sz="2400" dirty="0" smtClean="0"/>
+              <a:t> only if </a:t>
+            </a:r>
+            <a:r>
+              <a:rPr lang="en-CA" sz="2400" dirty="0" smtClean="0">
+                <a:solidFill>
+                  <a:srgbClr val="0070C0"/>
+                </a:solidFill>
+              </a:rPr>
+              <a:t>both</a:t>
+            </a:r>
+            <a:r>
+              <a:rPr lang="en-CA" sz="2400" dirty="0" smtClean="0"/>
+              <a:t> </a:t>
+            </a:r>
+            <a:r>
+              <a:rPr lang="en-CA" sz="2400" dirty="0" err="1" smtClean="0"/>
+              <a:t>StatementA</a:t>
+            </a:r>
+            <a:r>
+              <a:rPr lang="en-CA" sz="2400" dirty="0" smtClean="0"/>
+              <a:t> </a:t>
+            </a:r>
+            <a:r>
+              <a:rPr lang="en-CA" sz="2400" dirty="0" smtClean="0">
+                <a:solidFill>
+                  <a:srgbClr val="0070C0"/>
+                </a:solidFill>
+              </a:rPr>
+              <a:t>AND</a:t>
+            </a:r>
+            <a:r>
+              <a:rPr lang="en-CA" sz="2400" dirty="0" smtClean="0"/>
+              <a:t> </a:t>
+            </a:r>
+            <a:r>
+              <a:rPr lang="en-CA" sz="2400" dirty="0" err="1" smtClean="0"/>
+              <a:t>StatementB</a:t>
+            </a:r>
+            <a:r>
+              <a:rPr lang="en-CA" sz="2400" dirty="0" smtClean="0"/>
+              <a:t> are </a:t>
+            </a:r>
+            <a:r>
+              <a:rPr lang="en-CA" sz="2400" dirty="0" smtClean="0">
+                <a:solidFill>
+                  <a:srgbClr val="0070C0"/>
+                </a:solidFill>
+              </a:rPr>
+              <a:t>True</a:t>
+            </a:r>
+          </a:p>
+          <a:p>
+            <a:endParaRPr lang="en-CA" sz="2400" dirty="0">
+              <a:solidFill>
+                <a:srgbClr val="0070C0"/>
+              </a:solidFill>
+            </a:endParaRPr>
+          </a:p>
+          <a:p>
+            <a:endParaRPr lang="en-US" sz="2400" dirty="0">
+              <a:solidFill>
+                <a:srgbClr val="0070C0"/>
+              </a:solidFill>
+            </a:endParaRPr>
+          </a:p>
+        </p:txBody>
+      </p:sp>
+      <p:graphicFrame>
+        <p:nvGraphicFramePr>
+          <p:cNvPr id="4" name="Table 3"/>
+          <p:cNvGraphicFramePr>
+            <a:graphicFrameLocks noGrp="1"/>
+          </p:cNvGraphicFramePr>
+          <p:nvPr>
+            <p:extLst>
+              <p:ext uri="{D42A27DB-BD31-4B8C-83A1-F6EECF244321}">
+                <p14:modId xmlns:p14="http://schemas.microsoft.com/office/powerpoint/2010/main" val="1550164453"/>
+              </p:ext>
+            </p:extLst>
+          </p:nvPr>
+        </p:nvGraphicFramePr>
+        <p:xfrm>
+          <a:off x="965200" y="2555240"/>
+          <a:ext cx="3484881" cy="1879600"/>
+        </p:xfrm>
+        <a:graphic>
+          <a:graphicData uri="http://schemas.openxmlformats.org/drawingml/2006/table">
+            <a:tbl>
+              <a:tblPr firstRow="1" bandRow="1">
+                <a:tableStyleId>{5940675A-B579-460E-94D1-54222C63F5DA}</a:tableStyleId>
+              </a:tblPr>
+              <a:tblGrid>
+                <a:gridCol w="1161627">
+                  <a:extLst>
+                    <a:ext uri="{9D8B030D-6E8A-4147-A177-3AD203B41FA5}">
+                      <a16:colId xmlns:a16="http://schemas.microsoft.com/office/drawing/2014/main" val="4041415630"/>
+                    </a:ext>
+                  </a:extLst>
+                </a:gridCol>
+                <a:gridCol w="1161627">
+                  <a:extLst>
+                    <a:ext uri="{9D8B030D-6E8A-4147-A177-3AD203B41FA5}">
+                      <a16:colId xmlns:a16="http://schemas.microsoft.com/office/drawing/2014/main" val="3110064033"/>
+                    </a:ext>
+                  </a:extLst>
+                </a:gridCol>
+                <a:gridCol w="1161627">
+                  <a:extLst>
+                    <a:ext uri="{9D8B030D-6E8A-4147-A177-3AD203B41FA5}">
+                      <a16:colId xmlns:a16="http://schemas.microsoft.com/office/drawing/2014/main" val="3676257102"/>
+                    </a:ext>
+                  </a:extLst>
+                </a:gridCol>
+              </a:tblGrid>
+              <a:tr h="370840">
+                <a:tc>
+                  <a:txBody>
+                    <a:bodyPr/>
+                    <a:lstStyle/>
+                    <a:p>
+                      <a:pPr algn="ctr"/>
+                      <a:r>
+                        <a:rPr lang="en-CA" sz="2000" b="1" dirty="0" smtClean="0"/>
+                        <a:t>A</a:t>
+                      </a:r>
+                      <a:endParaRPr lang="en-US" sz="2000" b="1" dirty="0"/>
+                    </a:p>
+                  </a:txBody>
+                  <a:tcPr/>
+                </a:tc>
+                <a:tc>
+                  <a:txBody>
+                    <a:bodyPr/>
+                    <a:lstStyle/>
+                    <a:p>
+                      <a:pPr algn="ctr"/>
+                      <a:r>
+                        <a:rPr lang="en-CA" sz="2000" b="1" dirty="0" smtClean="0"/>
+                        <a:t>B</a:t>
+                      </a:r>
+                      <a:endParaRPr lang="en-US" sz="2000" b="1" dirty="0"/>
+                    </a:p>
+                  </a:txBody>
+                  <a:tcPr/>
+                </a:tc>
+                <a:tc>
+                  <a:txBody>
+                    <a:bodyPr/>
+                    <a:lstStyle/>
+                    <a:p>
+                      <a:pPr algn="ctr"/>
+                      <a:r>
+                        <a:rPr lang="en-CA" sz="2000" b="1" dirty="0" smtClean="0"/>
+                        <a:t>A and B</a:t>
+                      </a:r>
+                      <a:endParaRPr lang="en-US" sz="2000" b="1" dirty="0"/>
+                    </a:p>
+                  </a:txBody>
+                  <a:tcPr/>
+                </a:tc>
+                <a:extLst>
+                  <a:ext uri="{0D108BD9-81ED-4DB2-BD59-A6C34878D82A}">
+                    <a16:rowId xmlns:a16="http://schemas.microsoft.com/office/drawing/2014/main" val="14648379"/>
+                  </a:ext>
+                </a:extLst>
+              </a:tr>
+              <a:tr h="370840">
+                <a:tc>
+                  <a:txBody>
+                    <a:bodyPr/>
+                    <a:lstStyle/>
+                    <a:p>
+                      <a:pPr algn="ctr"/>
+                      <a:r>
+                        <a:rPr lang="en-CA" dirty="0" smtClean="0"/>
+                        <a:t>True</a:t>
+                      </a:r>
+                      <a:endParaRPr lang="en-US" dirty="0"/>
+                    </a:p>
+                  </a:txBody>
+                  <a:tcPr/>
+                </a:tc>
+                <a:tc>
+                  <a:txBody>
+                    <a:bodyPr/>
+                    <a:lstStyle/>
+                    <a:p>
+                      <a:pPr algn="ctr"/>
+                      <a:r>
+                        <a:rPr lang="en-CA" dirty="0" smtClean="0"/>
+                        <a:t>True</a:t>
+                      </a:r>
+                      <a:endParaRPr lang="en-US" dirty="0"/>
+                    </a:p>
+                  </a:txBody>
+                  <a:tcPr/>
+                </a:tc>
+                <a:tc>
+                  <a:txBody>
+                    <a:bodyPr/>
+                    <a:lstStyle/>
+                    <a:p>
+                      <a:pPr algn="ctr"/>
+                      <a:r>
+                        <a:rPr lang="en-CA" dirty="0" smtClean="0"/>
+                        <a:t>True</a:t>
+                      </a:r>
+                      <a:endParaRPr lang="en-US" dirty="0"/>
+                    </a:p>
+                  </a:txBody>
+                  <a:tcPr/>
+                </a:tc>
+                <a:extLst>
+                  <a:ext uri="{0D108BD9-81ED-4DB2-BD59-A6C34878D82A}">
+                    <a16:rowId xmlns:a16="http://schemas.microsoft.com/office/drawing/2014/main" val="150059858"/>
+                  </a:ext>
+                </a:extLst>
+              </a:tr>
+              <a:tr h="370840">
+                <a:tc>
+                  <a:txBody>
+                    <a:bodyPr/>
+                    <a:lstStyle/>
+                    <a:p>
+                      <a:pPr algn="ctr"/>
+                      <a:r>
+                        <a:rPr lang="en-CA" dirty="0" smtClean="0"/>
+                        <a:t>True</a:t>
+                      </a:r>
+                      <a:endParaRPr lang="en-US" dirty="0"/>
+                    </a:p>
+                  </a:txBody>
+                  <a:tcPr/>
+                </a:tc>
+                <a:tc>
+                  <a:txBody>
+                    <a:bodyPr/>
+                    <a:lstStyle/>
+                    <a:p>
+                      <a:pPr algn="ctr"/>
+                      <a:r>
+                        <a:rPr lang="en-CA" dirty="0" smtClean="0"/>
+                        <a:t>False</a:t>
+                      </a:r>
+                      <a:endParaRPr lang="en-US" dirty="0"/>
+                    </a:p>
+                  </a:txBody>
+                  <a:tcPr/>
+                </a:tc>
+                <a:tc>
+                  <a:txBody>
+                    <a:bodyPr/>
+                    <a:lstStyle/>
+                    <a:p>
+                      <a:pPr algn="ctr"/>
+                      <a:r>
+                        <a:rPr lang="en-CA" dirty="0" smtClean="0"/>
+                        <a:t>False</a:t>
+                      </a:r>
+                      <a:endParaRPr lang="en-US" dirty="0"/>
+                    </a:p>
+                  </a:txBody>
+                  <a:tcPr/>
+                </a:tc>
+                <a:extLst>
+                  <a:ext uri="{0D108BD9-81ED-4DB2-BD59-A6C34878D82A}">
+                    <a16:rowId xmlns:a16="http://schemas.microsoft.com/office/drawing/2014/main" val="2173900125"/>
+                  </a:ext>
+                </a:extLst>
+              </a:tr>
+              <a:tr h="370840">
+                <a:tc>
+                  <a:txBody>
+                    <a:bodyPr/>
+                    <a:lstStyle/>
+                    <a:p>
+                      <a:pPr algn="ctr"/>
+                      <a:r>
+                        <a:rPr lang="en-CA" dirty="0" smtClean="0"/>
+                        <a:t>False</a:t>
+                      </a:r>
+                      <a:endParaRPr lang="en-US" dirty="0"/>
+                    </a:p>
+                  </a:txBody>
+                  <a:tcPr/>
+                </a:tc>
+                <a:tc>
+                  <a:txBody>
+                    <a:bodyPr/>
+                    <a:lstStyle/>
+                    <a:p>
+                      <a:pPr algn="ctr"/>
+                      <a:r>
+                        <a:rPr lang="en-CA" dirty="0" smtClean="0"/>
+                        <a:t>True</a:t>
+                      </a:r>
+                      <a:endParaRPr lang="en-US" dirty="0"/>
+                    </a:p>
+                  </a:txBody>
+                  <a:tcPr/>
+                </a:tc>
+                <a:tc>
+                  <a:txBody>
+                    <a:bodyPr/>
+                    <a:lstStyle/>
+                    <a:p>
+                      <a:pPr algn="ctr"/>
+                      <a:r>
+                        <a:rPr lang="en-CA" dirty="0" smtClean="0"/>
+                        <a:t>False</a:t>
+                      </a:r>
+                      <a:endParaRPr lang="en-US" dirty="0"/>
+                    </a:p>
+                  </a:txBody>
+                  <a:tcPr/>
+                </a:tc>
+                <a:extLst>
+                  <a:ext uri="{0D108BD9-81ED-4DB2-BD59-A6C34878D82A}">
+                    <a16:rowId xmlns:a16="http://schemas.microsoft.com/office/drawing/2014/main" val="1972846690"/>
+                  </a:ext>
+                </a:extLst>
+              </a:tr>
+              <a:tr h="370840">
+                <a:tc>
+                  <a:txBody>
+                    <a:bodyPr/>
+                    <a:lstStyle/>
+                    <a:p>
+                      <a:pPr algn="ctr"/>
+                      <a:r>
+                        <a:rPr lang="en-CA" dirty="0" smtClean="0"/>
+                        <a:t>False</a:t>
+                      </a:r>
+                      <a:endParaRPr lang="en-US" dirty="0"/>
+                    </a:p>
+                  </a:txBody>
+                  <a:tcPr/>
+                </a:tc>
+                <a:tc>
+                  <a:txBody>
+                    <a:bodyPr/>
+                    <a:lstStyle/>
+                    <a:p>
+                      <a:pPr algn="ctr"/>
+                      <a:r>
+                        <a:rPr lang="en-CA" dirty="0" smtClean="0"/>
+                        <a:t>False</a:t>
+                      </a:r>
+                      <a:endParaRPr lang="en-US" dirty="0"/>
+                    </a:p>
+                  </a:txBody>
+                  <a:tcPr/>
+                </a:tc>
+                <a:tc>
+                  <a:txBody>
+                    <a:bodyPr/>
+                    <a:lstStyle/>
+                    <a:p>
+                      <a:pPr algn="ctr"/>
+                      <a:r>
+                        <a:rPr lang="en-CA" dirty="0" smtClean="0"/>
+                        <a:t>False</a:t>
+                      </a:r>
+                      <a:endParaRPr lang="en-US" dirty="0"/>
+                    </a:p>
+                  </a:txBody>
+                  <a:tcPr/>
+                </a:tc>
+                <a:extLst>
+                  <a:ext uri="{0D108BD9-81ED-4DB2-BD59-A6C34878D82A}">
+                    <a16:rowId xmlns:a16="http://schemas.microsoft.com/office/drawing/2014/main" val="1120348492"/>
+                  </a:ext>
+                </a:extLst>
+              </a:tr>
+            </a:tbl>
+          </a:graphicData>
+        </a:graphic>
+      </p:graphicFrame>
+      <p:sp>
+        <p:nvSpPr>
+          <p:cNvPr id="5" name="TextBox 4"/>
+          <p:cNvSpPr txBox="1"/>
+          <p:nvPr/>
+        </p:nvSpPr>
+        <p:spPr>
+          <a:xfrm>
+            <a:off x="5096435" y="2555240"/>
+            <a:ext cx="3513567" cy="1877437"/>
+          </a:xfrm>
+          <a:prstGeom prst="rect">
+            <a:avLst/>
+          </a:prstGeom>
+          <a:noFill/>
+          <a:ln>
+            <a:solidFill>
+              <a:srgbClr val="FF0000"/>
+            </a:solidFill>
+          </a:ln>
+        </p:spPr>
+        <p:txBody>
+          <a:bodyPr wrap="square" rtlCol="0">
+            <a:spAutoFit/>
+          </a:bodyPr>
+          <a:lstStyle/>
+          <a:p>
+            <a:r>
+              <a:rPr lang="en-US" b="1" u="sng" dirty="0" smtClean="0">
+                <a:latin typeface="Arial" panose="020B0604020202020204" pitchFamily="34" charset="0"/>
+                <a:cs typeface="Arial" panose="020B0604020202020204" pitchFamily="34" charset="0"/>
+              </a:rPr>
+              <a:t>Sample Program:</a:t>
+            </a:r>
+          </a:p>
+          <a:p>
+            <a:endParaRPr lang="en-US" sz="1400" dirty="0">
+              <a:solidFill>
+                <a:srgbClr val="FF0000"/>
+              </a:solidFill>
+              <a:latin typeface="Arial" panose="020B0604020202020204" pitchFamily="34" charset="0"/>
+              <a:cs typeface="Arial" panose="020B0604020202020204" pitchFamily="34" charset="0"/>
+            </a:endParaRPr>
+          </a:p>
+          <a:p>
+            <a:r>
+              <a:rPr lang="en-US" sz="1400" dirty="0" err="1">
+                <a:solidFill>
+                  <a:srgbClr val="FF0000"/>
+                </a:solidFill>
+              </a:rPr>
+              <a:t>myGrade</a:t>
+            </a:r>
+            <a:r>
+              <a:rPr lang="en-US" sz="1400" dirty="0">
+                <a:solidFill>
+                  <a:srgbClr val="FF0000"/>
+                </a:solidFill>
+              </a:rPr>
+              <a:t> = 75</a:t>
+            </a:r>
+          </a:p>
+          <a:p>
+            <a:r>
+              <a:rPr lang="en-US" sz="1400" dirty="0">
+                <a:solidFill>
+                  <a:srgbClr val="FF0000"/>
+                </a:solidFill>
+              </a:rPr>
+              <a:t/>
+            </a:r>
+            <a:br>
+              <a:rPr lang="en-US" sz="1400" dirty="0">
+                <a:solidFill>
+                  <a:srgbClr val="FF0000"/>
+                </a:solidFill>
+              </a:rPr>
+            </a:br>
+            <a:r>
+              <a:rPr lang="en-US" sz="1400" dirty="0">
+                <a:solidFill>
+                  <a:srgbClr val="FF0000"/>
+                </a:solidFill>
+              </a:rPr>
+              <a:t>isLevel3 = (</a:t>
+            </a:r>
+            <a:r>
+              <a:rPr lang="en-US" sz="1400" dirty="0" err="1">
+                <a:solidFill>
+                  <a:srgbClr val="FF0000"/>
+                </a:solidFill>
+              </a:rPr>
+              <a:t>myGrade</a:t>
+            </a:r>
+            <a:r>
+              <a:rPr lang="en-US" sz="1400" dirty="0">
+                <a:solidFill>
+                  <a:srgbClr val="FF0000"/>
+                </a:solidFill>
+              </a:rPr>
+              <a:t> &gt; 70) </a:t>
+            </a:r>
+            <a:r>
+              <a:rPr lang="en-US" sz="1400" dirty="0">
+                <a:solidFill>
+                  <a:srgbClr val="0070C0"/>
+                </a:solidFill>
+              </a:rPr>
+              <a:t>and</a:t>
+            </a:r>
+            <a:r>
+              <a:rPr lang="en-US" sz="1400" dirty="0">
+                <a:solidFill>
+                  <a:srgbClr val="FF0000"/>
+                </a:solidFill>
+              </a:rPr>
+              <a:t> (</a:t>
+            </a:r>
+            <a:r>
+              <a:rPr lang="en-US" sz="1400" dirty="0" err="1">
+                <a:solidFill>
+                  <a:srgbClr val="FF0000"/>
+                </a:solidFill>
+              </a:rPr>
+              <a:t>myGrade</a:t>
+            </a:r>
+            <a:r>
+              <a:rPr lang="en-US" sz="1400" dirty="0">
+                <a:solidFill>
+                  <a:srgbClr val="FF0000"/>
+                </a:solidFill>
+              </a:rPr>
+              <a:t> &lt; 80)</a:t>
+            </a:r>
+          </a:p>
+          <a:p>
+            <a:r>
+              <a:rPr lang="en-US" sz="1400" dirty="0">
+                <a:solidFill>
+                  <a:srgbClr val="FF0000"/>
+                </a:solidFill>
+              </a:rPr>
+              <a:t/>
+            </a:r>
+            <a:br>
+              <a:rPr lang="en-US" sz="1400" dirty="0">
+                <a:solidFill>
+                  <a:srgbClr val="FF0000"/>
+                </a:solidFill>
+              </a:rPr>
+            </a:br>
+            <a:r>
+              <a:rPr lang="en-US" sz="1400" dirty="0">
+                <a:solidFill>
+                  <a:srgbClr val="FF0000"/>
+                </a:solidFill>
+              </a:rPr>
+              <a:t>print("I have a Level 3 is:",isLevel3)</a:t>
+            </a:r>
+          </a:p>
+          <a:p>
+            <a:endParaRPr lang="en-US" sz="1400" dirty="0">
+              <a:solidFill>
+                <a:srgbClr val="FF0000"/>
+              </a:solidFill>
+              <a:latin typeface="Arial" panose="020B0604020202020204" pitchFamily="34" charset="0"/>
+              <a:cs typeface="Arial" panose="020B0604020202020204" pitchFamily="34" charset="0"/>
+            </a:endParaRPr>
           </a:p>
         </p:txBody>
       </p:sp>
     </p:spTree>
     <p:extLst>
       <p:ext uri="{BB962C8B-B14F-4D97-AF65-F5344CB8AC3E}">
-        <p14:creationId xmlns:p14="http://schemas.microsoft.com/office/powerpoint/2010/main" val="2687704567"/>
+        <p14:creationId xmlns:p14="http://schemas.microsoft.com/office/powerpoint/2010/main" val="3027253941"/>
       </p:ext>
     </p:extLst>
   </p:cSld>
@@ -3177,7 +3746,7 @@
           <a:p>
             <a:r>
               <a:rPr lang="en-CA" dirty="0" smtClean="0"/>
-              <a:t>String Variable Type</a:t>
+              <a:t>Logical OR Operator</a:t>
             </a:r>
             <a:endParaRPr lang="en-US" dirty="0"/>
           </a:p>
@@ -3195,17 +3764,602 @@
         </p:nvSpPr>
         <p:spPr/>
         <p:txBody>
-          <a:bodyPr/>
-          <a:lstStyle/>
-          <a:p>
-            <a:endParaRPr lang="en-US" dirty="0"/>
+          <a:bodyPr>
+            <a:normAutofit/>
+          </a:bodyPr>
+          <a:lstStyle/>
+          <a:p>
+            <a:r>
+              <a:rPr lang="en-CA" sz="2400" dirty="0" smtClean="0"/>
+              <a:t>Is </a:t>
+            </a:r>
+            <a:r>
+              <a:rPr lang="en-CA" sz="2400" dirty="0" smtClean="0">
+                <a:solidFill>
+                  <a:srgbClr val="0070C0"/>
+                </a:solidFill>
+              </a:rPr>
+              <a:t>True</a:t>
+            </a:r>
+            <a:r>
+              <a:rPr lang="en-CA" sz="2400" dirty="0" smtClean="0"/>
+              <a:t> only if </a:t>
+            </a:r>
+            <a:r>
+              <a:rPr lang="en-CA" sz="2400" dirty="0" smtClean="0">
+                <a:solidFill>
+                  <a:srgbClr val="0070C0"/>
+                </a:solidFill>
+              </a:rPr>
+              <a:t>either</a:t>
+            </a:r>
+            <a:r>
+              <a:rPr lang="en-CA" sz="2400" dirty="0" smtClean="0"/>
+              <a:t> </a:t>
+            </a:r>
+            <a:r>
+              <a:rPr lang="en-CA" sz="2400" dirty="0" err="1" smtClean="0"/>
+              <a:t>StatementA</a:t>
+            </a:r>
+            <a:r>
+              <a:rPr lang="en-CA" sz="2400" dirty="0" smtClean="0"/>
+              <a:t> </a:t>
+            </a:r>
+            <a:r>
+              <a:rPr lang="en-CA" sz="2400" dirty="0" smtClean="0">
+                <a:solidFill>
+                  <a:srgbClr val="0070C0"/>
+                </a:solidFill>
+              </a:rPr>
+              <a:t>OR</a:t>
+            </a:r>
+            <a:r>
+              <a:rPr lang="en-CA" sz="2400" dirty="0" smtClean="0"/>
+              <a:t> </a:t>
+            </a:r>
+            <a:r>
+              <a:rPr lang="en-CA" sz="2400" dirty="0" err="1" smtClean="0"/>
+              <a:t>StatementB</a:t>
+            </a:r>
+            <a:r>
+              <a:rPr lang="en-CA" sz="2400" dirty="0" smtClean="0"/>
+              <a:t> are </a:t>
+            </a:r>
+            <a:r>
+              <a:rPr lang="en-CA" sz="2400" dirty="0" smtClean="0">
+                <a:solidFill>
+                  <a:srgbClr val="0070C0"/>
+                </a:solidFill>
+              </a:rPr>
+              <a:t>True</a:t>
+            </a:r>
+          </a:p>
+          <a:p>
+            <a:endParaRPr lang="en-CA" sz="2400" dirty="0">
+              <a:solidFill>
+                <a:srgbClr val="0070C0"/>
+              </a:solidFill>
+            </a:endParaRPr>
+          </a:p>
+          <a:p>
+            <a:endParaRPr lang="en-US" sz="2400" dirty="0">
+              <a:solidFill>
+                <a:srgbClr val="0070C0"/>
+              </a:solidFill>
+            </a:endParaRPr>
+          </a:p>
+        </p:txBody>
+      </p:sp>
+      <p:graphicFrame>
+        <p:nvGraphicFramePr>
+          <p:cNvPr id="4" name="Table 3"/>
+          <p:cNvGraphicFramePr>
+            <a:graphicFrameLocks noGrp="1"/>
+          </p:cNvGraphicFramePr>
+          <p:nvPr>
+            <p:extLst>
+              <p:ext uri="{D42A27DB-BD31-4B8C-83A1-F6EECF244321}">
+                <p14:modId xmlns:p14="http://schemas.microsoft.com/office/powerpoint/2010/main" val="2561972021"/>
+              </p:ext>
+            </p:extLst>
+          </p:nvPr>
+        </p:nvGraphicFramePr>
+        <p:xfrm>
+          <a:off x="965200" y="2555240"/>
+          <a:ext cx="3484881" cy="1879600"/>
+        </p:xfrm>
+        <a:graphic>
+          <a:graphicData uri="http://schemas.openxmlformats.org/drawingml/2006/table">
+            <a:tbl>
+              <a:tblPr firstRow="1" bandRow="1">
+                <a:tableStyleId>{5940675A-B579-460E-94D1-54222C63F5DA}</a:tableStyleId>
+              </a:tblPr>
+              <a:tblGrid>
+                <a:gridCol w="1161627">
+                  <a:extLst>
+                    <a:ext uri="{9D8B030D-6E8A-4147-A177-3AD203B41FA5}">
+                      <a16:colId xmlns:a16="http://schemas.microsoft.com/office/drawing/2014/main" val="4041415630"/>
+                    </a:ext>
+                  </a:extLst>
+                </a:gridCol>
+                <a:gridCol w="1161627">
+                  <a:extLst>
+                    <a:ext uri="{9D8B030D-6E8A-4147-A177-3AD203B41FA5}">
+                      <a16:colId xmlns:a16="http://schemas.microsoft.com/office/drawing/2014/main" val="3110064033"/>
+                    </a:ext>
+                  </a:extLst>
+                </a:gridCol>
+                <a:gridCol w="1161627">
+                  <a:extLst>
+                    <a:ext uri="{9D8B030D-6E8A-4147-A177-3AD203B41FA5}">
+                      <a16:colId xmlns:a16="http://schemas.microsoft.com/office/drawing/2014/main" val="3676257102"/>
+                    </a:ext>
+                  </a:extLst>
+                </a:gridCol>
+              </a:tblGrid>
+              <a:tr h="370840">
+                <a:tc>
+                  <a:txBody>
+                    <a:bodyPr/>
+                    <a:lstStyle/>
+                    <a:p>
+                      <a:pPr algn="ctr"/>
+                      <a:r>
+                        <a:rPr lang="en-CA" sz="2000" b="1" dirty="0" smtClean="0"/>
+                        <a:t>A</a:t>
+                      </a:r>
+                      <a:endParaRPr lang="en-US" sz="2000" b="1" dirty="0"/>
+                    </a:p>
+                  </a:txBody>
+                  <a:tcPr/>
+                </a:tc>
+                <a:tc>
+                  <a:txBody>
+                    <a:bodyPr/>
+                    <a:lstStyle/>
+                    <a:p>
+                      <a:pPr algn="ctr"/>
+                      <a:r>
+                        <a:rPr lang="en-CA" sz="2000" b="1" dirty="0" smtClean="0"/>
+                        <a:t>B</a:t>
+                      </a:r>
+                      <a:endParaRPr lang="en-US" sz="2000" b="1" dirty="0"/>
+                    </a:p>
+                  </a:txBody>
+                  <a:tcPr/>
+                </a:tc>
+                <a:tc>
+                  <a:txBody>
+                    <a:bodyPr/>
+                    <a:lstStyle/>
+                    <a:p>
+                      <a:pPr algn="ctr"/>
+                      <a:r>
+                        <a:rPr lang="en-CA" sz="2000" b="1" dirty="0" smtClean="0"/>
+                        <a:t>A or B</a:t>
+                      </a:r>
+                      <a:endParaRPr lang="en-US" sz="2000" b="1" dirty="0"/>
+                    </a:p>
+                  </a:txBody>
+                  <a:tcPr/>
+                </a:tc>
+                <a:extLst>
+                  <a:ext uri="{0D108BD9-81ED-4DB2-BD59-A6C34878D82A}">
+                    <a16:rowId xmlns:a16="http://schemas.microsoft.com/office/drawing/2014/main" val="14648379"/>
+                  </a:ext>
+                </a:extLst>
+              </a:tr>
+              <a:tr h="370840">
+                <a:tc>
+                  <a:txBody>
+                    <a:bodyPr/>
+                    <a:lstStyle/>
+                    <a:p>
+                      <a:pPr algn="ctr"/>
+                      <a:r>
+                        <a:rPr lang="en-CA" dirty="0" smtClean="0"/>
+                        <a:t>True</a:t>
+                      </a:r>
+                      <a:endParaRPr lang="en-US" dirty="0"/>
+                    </a:p>
+                  </a:txBody>
+                  <a:tcPr/>
+                </a:tc>
+                <a:tc>
+                  <a:txBody>
+                    <a:bodyPr/>
+                    <a:lstStyle/>
+                    <a:p>
+                      <a:pPr algn="ctr"/>
+                      <a:r>
+                        <a:rPr lang="en-CA" dirty="0" smtClean="0"/>
+                        <a:t>True</a:t>
+                      </a:r>
+                      <a:endParaRPr lang="en-US" dirty="0"/>
+                    </a:p>
+                  </a:txBody>
+                  <a:tcPr/>
+                </a:tc>
+                <a:tc>
+                  <a:txBody>
+                    <a:bodyPr/>
+                    <a:lstStyle/>
+                    <a:p>
+                      <a:pPr algn="ctr"/>
+                      <a:r>
+                        <a:rPr lang="en-CA" dirty="0" smtClean="0"/>
+                        <a:t>True</a:t>
+                      </a:r>
+                      <a:endParaRPr lang="en-US" dirty="0"/>
+                    </a:p>
+                  </a:txBody>
+                  <a:tcPr/>
+                </a:tc>
+                <a:extLst>
+                  <a:ext uri="{0D108BD9-81ED-4DB2-BD59-A6C34878D82A}">
+                    <a16:rowId xmlns:a16="http://schemas.microsoft.com/office/drawing/2014/main" val="150059858"/>
+                  </a:ext>
+                </a:extLst>
+              </a:tr>
+              <a:tr h="370840">
+                <a:tc>
+                  <a:txBody>
+                    <a:bodyPr/>
+                    <a:lstStyle/>
+                    <a:p>
+                      <a:pPr algn="ctr"/>
+                      <a:r>
+                        <a:rPr lang="en-CA" dirty="0" smtClean="0"/>
+                        <a:t>True</a:t>
+                      </a:r>
+                      <a:endParaRPr lang="en-US" dirty="0"/>
+                    </a:p>
+                  </a:txBody>
+                  <a:tcPr/>
+                </a:tc>
+                <a:tc>
+                  <a:txBody>
+                    <a:bodyPr/>
+                    <a:lstStyle/>
+                    <a:p>
+                      <a:pPr algn="ctr"/>
+                      <a:r>
+                        <a:rPr lang="en-CA" dirty="0" smtClean="0"/>
+                        <a:t>False</a:t>
+                      </a:r>
+                      <a:endParaRPr lang="en-US" dirty="0"/>
+                    </a:p>
+                  </a:txBody>
+                  <a:tcPr/>
+                </a:tc>
+                <a:tc>
+                  <a:txBody>
+                    <a:bodyPr/>
+                    <a:lstStyle/>
+                    <a:p>
+                      <a:pPr algn="ctr"/>
+                      <a:r>
+                        <a:rPr lang="en-CA" dirty="0" smtClean="0"/>
+                        <a:t>True</a:t>
+                      </a:r>
+                      <a:endParaRPr lang="en-US" dirty="0"/>
+                    </a:p>
+                  </a:txBody>
+                  <a:tcPr/>
+                </a:tc>
+                <a:extLst>
+                  <a:ext uri="{0D108BD9-81ED-4DB2-BD59-A6C34878D82A}">
+                    <a16:rowId xmlns:a16="http://schemas.microsoft.com/office/drawing/2014/main" val="2173900125"/>
+                  </a:ext>
+                </a:extLst>
+              </a:tr>
+              <a:tr h="370840">
+                <a:tc>
+                  <a:txBody>
+                    <a:bodyPr/>
+                    <a:lstStyle/>
+                    <a:p>
+                      <a:pPr algn="ctr"/>
+                      <a:r>
+                        <a:rPr lang="en-CA" dirty="0" smtClean="0"/>
+                        <a:t>False</a:t>
+                      </a:r>
+                      <a:endParaRPr lang="en-US" dirty="0"/>
+                    </a:p>
+                  </a:txBody>
+                  <a:tcPr/>
+                </a:tc>
+                <a:tc>
+                  <a:txBody>
+                    <a:bodyPr/>
+                    <a:lstStyle/>
+                    <a:p>
+                      <a:pPr algn="ctr"/>
+                      <a:r>
+                        <a:rPr lang="en-CA" dirty="0" smtClean="0"/>
+                        <a:t>True</a:t>
+                      </a:r>
+                      <a:endParaRPr lang="en-US" dirty="0"/>
+                    </a:p>
+                  </a:txBody>
+                  <a:tcPr/>
+                </a:tc>
+                <a:tc>
+                  <a:txBody>
+                    <a:bodyPr/>
+                    <a:lstStyle/>
+                    <a:p>
+                      <a:pPr algn="ctr"/>
+                      <a:r>
+                        <a:rPr lang="en-CA" dirty="0" smtClean="0"/>
+                        <a:t>True</a:t>
+                      </a:r>
+                      <a:endParaRPr lang="en-US" dirty="0"/>
+                    </a:p>
+                  </a:txBody>
+                  <a:tcPr/>
+                </a:tc>
+                <a:extLst>
+                  <a:ext uri="{0D108BD9-81ED-4DB2-BD59-A6C34878D82A}">
+                    <a16:rowId xmlns:a16="http://schemas.microsoft.com/office/drawing/2014/main" val="1972846690"/>
+                  </a:ext>
+                </a:extLst>
+              </a:tr>
+              <a:tr h="370840">
+                <a:tc>
+                  <a:txBody>
+                    <a:bodyPr/>
+                    <a:lstStyle/>
+                    <a:p>
+                      <a:pPr algn="ctr"/>
+                      <a:r>
+                        <a:rPr lang="en-CA" dirty="0" smtClean="0"/>
+                        <a:t>False</a:t>
+                      </a:r>
+                      <a:endParaRPr lang="en-US" dirty="0"/>
+                    </a:p>
+                  </a:txBody>
+                  <a:tcPr/>
+                </a:tc>
+                <a:tc>
+                  <a:txBody>
+                    <a:bodyPr/>
+                    <a:lstStyle/>
+                    <a:p>
+                      <a:pPr algn="ctr"/>
+                      <a:r>
+                        <a:rPr lang="en-CA" dirty="0" smtClean="0"/>
+                        <a:t>False</a:t>
+                      </a:r>
+                      <a:endParaRPr lang="en-US" dirty="0"/>
+                    </a:p>
+                  </a:txBody>
+                  <a:tcPr/>
+                </a:tc>
+                <a:tc>
+                  <a:txBody>
+                    <a:bodyPr/>
+                    <a:lstStyle/>
+                    <a:p>
+                      <a:pPr algn="ctr"/>
+                      <a:r>
+                        <a:rPr lang="en-CA" dirty="0" smtClean="0"/>
+                        <a:t>False</a:t>
+                      </a:r>
+                      <a:endParaRPr lang="en-US" dirty="0"/>
+                    </a:p>
+                  </a:txBody>
+                  <a:tcPr/>
+                </a:tc>
+                <a:extLst>
+                  <a:ext uri="{0D108BD9-81ED-4DB2-BD59-A6C34878D82A}">
+                    <a16:rowId xmlns:a16="http://schemas.microsoft.com/office/drawing/2014/main" val="1120348492"/>
+                  </a:ext>
+                </a:extLst>
+              </a:tr>
+            </a:tbl>
+          </a:graphicData>
+        </a:graphic>
+      </p:graphicFrame>
+      <p:sp>
+        <p:nvSpPr>
+          <p:cNvPr id="6" name="TextBox 5"/>
+          <p:cNvSpPr txBox="1"/>
+          <p:nvPr/>
+        </p:nvSpPr>
+        <p:spPr>
+          <a:xfrm>
+            <a:off x="5096435" y="2555240"/>
+            <a:ext cx="3513567" cy="1877437"/>
+          </a:xfrm>
+          <a:prstGeom prst="rect">
+            <a:avLst/>
+          </a:prstGeom>
+          <a:noFill/>
+          <a:ln>
+            <a:solidFill>
+              <a:srgbClr val="FF0000"/>
+            </a:solidFill>
+          </a:ln>
+        </p:spPr>
+        <p:txBody>
+          <a:bodyPr wrap="square" rtlCol="0">
+            <a:spAutoFit/>
+          </a:bodyPr>
+          <a:lstStyle/>
+          <a:p>
+            <a:r>
+              <a:rPr lang="en-US" b="1" u="sng" dirty="0" smtClean="0">
+                <a:latin typeface="Arial" panose="020B0604020202020204" pitchFamily="34" charset="0"/>
+                <a:cs typeface="Arial" panose="020B0604020202020204" pitchFamily="34" charset="0"/>
+              </a:rPr>
+              <a:t>Sample Program:</a:t>
+            </a:r>
+          </a:p>
+          <a:p>
+            <a:endParaRPr lang="en-US" sz="1400" dirty="0">
+              <a:solidFill>
+                <a:srgbClr val="FF0000"/>
+              </a:solidFill>
+              <a:latin typeface="Arial" panose="020B0604020202020204" pitchFamily="34" charset="0"/>
+              <a:cs typeface="Arial" panose="020B0604020202020204" pitchFamily="34" charset="0"/>
+            </a:endParaRPr>
+          </a:p>
+          <a:p>
+            <a:r>
+              <a:rPr lang="en-US" sz="1400" dirty="0" err="1">
+                <a:solidFill>
+                  <a:srgbClr val="FF0000"/>
+                </a:solidFill>
+              </a:rPr>
+              <a:t>myGrade</a:t>
+            </a:r>
+            <a:r>
+              <a:rPr lang="en-US" sz="1400" dirty="0">
+                <a:solidFill>
+                  <a:srgbClr val="FF0000"/>
+                </a:solidFill>
+              </a:rPr>
+              <a:t> = 75</a:t>
+            </a:r>
+          </a:p>
+          <a:p>
+            <a:r>
+              <a:rPr lang="en-US" sz="1400" dirty="0">
+                <a:solidFill>
+                  <a:srgbClr val="FF0000"/>
+                </a:solidFill>
+              </a:rPr>
+              <a:t/>
+            </a:r>
+            <a:br>
+              <a:rPr lang="en-US" sz="1400" dirty="0">
+                <a:solidFill>
+                  <a:srgbClr val="FF0000"/>
+                </a:solidFill>
+              </a:rPr>
+            </a:br>
+            <a:r>
+              <a:rPr lang="en-US" sz="1400" dirty="0" err="1">
+                <a:solidFill>
+                  <a:srgbClr val="FF0000"/>
+                </a:solidFill>
+              </a:rPr>
+              <a:t>notValid</a:t>
+            </a:r>
+            <a:r>
+              <a:rPr lang="en-US" sz="1400" dirty="0">
+                <a:solidFill>
+                  <a:srgbClr val="FF0000"/>
+                </a:solidFill>
+              </a:rPr>
+              <a:t> = (</a:t>
+            </a:r>
+            <a:r>
+              <a:rPr lang="en-US" sz="1400" dirty="0" err="1">
+                <a:solidFill>
+                  <a:srgbClr val="FF0000"/>
+                </a:solidFill>
+              </a:rPr>
+              <a:t>myGrade</a:t>
+            </a:r>
+            <a:r>
+              <a:rPr lang="en-US" sz="1400" dirty="0">
+                <a:solidFill>
+                  <a:srgbClr val="FF0000"/>
+                </a:solidFill>
+              </a:rPr>
+              <a:t> &gt; 100) </a:t>
+            </a:r>
+            <a:r>
+              <a:rPr lang="en-US" sz="1400" dirty="0">
+                <a:solidFill>
+                  <a:srgbClr val="0070C0"/>
+                </a:solidFill>
+              </a:rPr>
+              <a:t>or</a:t>
+            </a:r>
+            <a:r>
+              <a:rPr lang="en-US" sz="1400" dirty="0">
+                <a:solidFill>
+                  <a:srgbClr val="FF0000"/>
+                </a:solidFill>
+              </a:rPr>
+              <a:t> (</a:t>
+            </a:r>
+            <a:r>
+              <a:rPr lang="en-US" sz="1400" dirty="0" err="1">
+                <a:solidFill>
+                  <a:srgbClr val="FF0000"/>
+                </a:solidFill>
+              </a:rPr>
+              <a:t>myGrade</a:t>
+            </a:r>
+            <a:r>
+              <a:rPr lang="en-US" sz="1400" dirty="0">
+                <a:solidFill>
+                  <a:srgbClr val="FF0000"/>
+                </a:solidFill>
+              </a:rPr>
+              <a:t> &lt; 0)</a:t>
+            </a:r>
+          </a:p>
+          <a:p>
+            <a:r>
+              <a:rPr lang="en-US" sz="1400" dirty="0">
+                <a:solidFill>
+                  <a:srgbClr val="FF0000"/>
+                </a:solidFill>
+              </a:rPr>
+              <a:t/>
+            </a:r>
+            <a:br>
+              <a:rPr lang="en-US" sz="1400" dirty="0">
+                <a:solidFill>
+                  <a:srgbClr val="FF0000"/>
+                </a:solidFill>
+              </a:rPr>
+            </a:br>
+            <a:r>
+              <a:rPr lang="en-US" sz="1400" dirty="0">
+                <a:solidFill>
+                  <a:srgbClr val="FF0000"/>
+                </a:solidFill>
+              </a:rPr>
+              <a:t>print("Grade is not valid is:",</a:t>
+            </a:r>
+            <a:r>
+              <a:rPr lang="en-US" sz="1400" dirty="0" err="1">
+                <a:solidFill>
+                  <a:srgbClr val="FF0000"/>
+                </a:solidFill>
+              </a:rPr>
+              <a:t>notValid</a:t>
+            </a:r>
+            <a:r>
+              <a:rPr lang="en-US" sz="1400" dirty="0">
+                <a:solidFill>
+                  <a:srgbClr val="FF0000"/>
+                </a:solidFill>
+              </a:rPr>
+              <a:t>)</a:t>
+            </a:r>
+          </a:p>
+          <a:p>
+            <a:endParaRPr lang="en-US" sz="1400" dirty="0">
+              <a:solidFill>
+                <a:srgbClr val="FF0000"/>
+              </a:solidFill>
+              <a:latin typeface="Arial" panose="020B0604020202020204" pitchFamily="34" charset="0"/>
+              <a:cs typeface="Arial" panose="020B0604020202020204" pitchFamily="34" charset="0"/>
+            </a:endParaRPr>
           </a:p>
         </p:txBody>
       </p:sp>
     </p:spTree>
     <p:extLst>
       <p:ext uri="{BB962C8B-B14F-4D97-AF65-F5344CB8AC3E}">
-        <p14:creationId xmlns:p14="http://schemas.microsoft.com/office/powerpoint/2010/main" val="805878361"/>
+        <p14:creationId xmlns:p14="http://schemas.microsoft.com/office/powerpoint/2010/main" val="681252315"/>
       </p:ext>
     </p:extLst>
   </p:cSld>
@@ -3249,7 +4403,7 @@
           <a:p>
             <a:r>
               <a:rPr lang="en-CA" dirty="0" smtClean="0"/>
-              <a:t>String Operators</a:t>
+              <a:t>Logical XOR Operator</a:t>
             </a:r>
             <a:endParaRPr lang="en-US" dirty="0"/>
           </a:p>
@@ -3267,17 +4421,722 @@
         </p:nvSpPr>
         <p:spPr/>
         <p:txBody>
-          <a:bodyPr/>
-          <a:lstStyle/>
-          <a:p>
-            <a:endParaRPr lang="en-US"/>
+          <a:bodyPr>
+            <a:normAutofit/>
+          </a:bodyPr>
+          <a:lstStyle/>
+          <a:p>
+            <a:r>
+              <a:rPr lang="en-CA" sz="2400" dirty="0" smtClean="0"/>
+              <a:t>Is </a:t>
+            </a:r>
+            <a:r>
+              <a:rPr lang="en-CA" sz="2400" dirty="0" smtClean="0">
+                <a:solidFill>
+                  <a:srgbClr val="0070C0"/>
+                </a:solidFill>
+              </a:rPr>
+              <a:t>True</a:t>
+            </a:r>
+            <a:r>
+              <a:rPr lang="en-CA" sz="2400" dirty="0" smtClean="0"/>
+              <a:t> only if </a:t>
+            </a:r>
+            <a:r>
+              <a:rPr lang="en-CA" sz="2400" dirty="0" smtClean="0">
+                <a:solidFill>
+                  <a:srgbClr val="0070C0"/>
+                </a:solidFill>
+              </a:rPr>
+              <a:t>either</a:t>
+            </a:r>
+            <a:r>
+              <a:rPr lang="en-CA" sz="2400" dirty="0" smtClean="0"/>
+              <a:t> </a:t>
+            </a:r>
+            <a:r>
+              <a:rPr lang="en-CA" sz="2400" dirty="0" err="1" smtClean="0"/>
+              <a:t>StatementA</a:t>
+            </a:r>
+            <a:r>
+              <a:rPr lang="en-CA" sz="2400" dirty="0" smtClean="0"/>
+              <a:t> </a:t>
+            </a:r>
+            <a:r>
+              <a:rPr lang="en-CA" sz="2400" dirty="0" smtClean="0">
+                <a:solidFill>
+                  <a:srgbClr val="0070C0"/>
+                </a:solidFill>
+              </a:rPr>
+              <a:t>XO</a:t>
+            </a:r>
+            <a:r>
+              <a:rPr lang="en-CA" sz="2400" dirty="0" smtClean="0">
+                <a:solidFill>
+                  <a:srgbClr val="0070C0"/>
+                </a:solidFill>
+              </a:rPr>
+              <a:t>R</a:t>
+            </a:r>
+            <a:r>
+              <a:rPr lang="en-CA" sz="2400" dirty="0" smtClean="0"/>
+              <a:t> </a:t>
+            </a:r>
+            <a:r>
+              <a:rPr lang="en-CA" sz="2400" dirty="0" err="1" smtClean="0"/>
+              <a:t>StatementB</a:t>
+            </a:r>
+            <a:r>
+              <a:rPr lang="en-CA" sz="2400" dirty="0" smtClean="0"/>
+              <a:t> are </a:t>
+            </a:r>
+            <a:r>
+              <a:rPr lang="en-CA" sz="2400" dirty="0" smtClean="0">
+                <a:solidFill>
+                  <a:srgbClr val="0070C0"/>
+                </a:solidFill>
+              </a:rPr>
+              <a:t>False</a:t>
+            </a:r>
+          </a:p>
+          <a:p>
+            <a:pPr lvl="1"/>
+            <a:r>
+              <a:rPr lang="en-CA" sz="2000" dirty="0" smtClean="0"/>
+              <a:t>But NOT both True or </a:t>
+            </a:r>
+            <a:r>
+              <a:rPr lang="en-CA" sz="2000" dirty="0" smtClean="0"/>
+              <a:t>False</a:t>
+            </a:r>
+          </a:p>
+          <a:p>
+            <a:r>
+              <a:rPr lang="en-CA" sz="2400" dirty="0" smtClean="0">
+                <a:solidFill>
+                  <a:srgbClr val="FF0000"/>
+                </a:solidFill>
+              </a:rPr>
+              <a:t>Note: Python uses != to mean XOR</a:t>
+            </a:r>
+            <a:endParaRPr lang="en-CA" sz="2400" dirty="0" smtClean="0">
+              <a:solidFill>
+                <a:srgbClr val="FF0000"/>
+              </a:solidFill>
+            </a:endParaRPr>
+          </a:p>
+          <a:p>
+            <a:endParaRPr lang="en-CA" sz="2400" dirty="0">
+              <a:solidFill>
+                <a:srgbClr val="0070C0"/>
+              </a:solidFill>
+            </a:endParaRPr>
+          </a:p>
+          <a:p>
+            <a:endParaRPr lang="en-US" sz="2400" dirty="0">
+              <a:solidFill>
+                <a:srgbClr val="0070C0"/>
+              </a:solidFill>
+            </a:endParaRPr>
+          </a:p>
+        </p:txBody>
+      </p:sp>
+      <p:graphicFrame>
+        <p:nvGraphicFramePr>
+          <p:cNvPr id="4" name="Table 3"/>
+          <p:cNvGraphicFramePr>
+            <a:graphicFrameLocks noGrp="1"/>
+          </p:cNvGraphicFramePr>
+          <p:nvPr>
+            <p:extLst>
+              <p:ext uri="{D42A27DB-BD31-4B8C-83A1-F6EECF244321}">
+                <p14:modId xmlns:p14="http://schemas.microsoft.com/office/powerpoint/2010/main" val="2214953452"/>
+              </p:ext>
+            </p:extLst>
+          </p:nvPr>
+        </p:nvGraphicFramePr>
+        <p:xfrm>
+          <a:off x="1005840" y="3313436"/>
+          <a:ext cx="3484881" cy="1879600"/>
+        </p:xfrm>
+        <a:graphic>
+          <a:graphicData uri="http://schemas.openxmlformats.org/drawingml/2006/table">
+            <a:tbl>
+              <a:tblPr firstRow="1" bandRow="1">
+                <a:tableStyleId>{5940675A-B579-460E-94D1-54222C63F5DA}</a:tableStyleId>
+              </a:tblPr>
+              <a:tblGrid>
+                <a:gridCol w="1161627">
+                  <a:extLst>
+                    <a:ext uri="{9D8B030D-6E8A-4147-A177-3AD203B41FA5}">
+                      <a16:colId xmlns:a16="http://schemas.microsoft.com/office/drawing/2014/main" val="4041415630"/>
+                    </a:ext>
+                  </a:extLst>
+                </a:gridCol>
+                <a:gridCol w="1161627">
+                  <a:extLst>
+                    <a:ext uri="{9D8B030D-6E8A-4147-A177-3AD203B41FA5}">
+                      <a16:colId xmlns:a16="http://schemas.microsoft.com/office/drawing/2014/main" val="3110064033"/>
+                    </a:ext>
+                  </a:extLst>
+                </a:gridCol>
+                <a:gridCol w="1161627">
+                  <a:extLst>
+                    <a:ext uri="{9D8B030D-6E8A-4147-A177-3AD203B41FA5}">
+                      <a16:colId xmlns:a16="http://schemas.microsoft.com/office/drawing/2014/main" val="3676257102"/>
+                    </a:ext>
+                  </a:extLst>
+                </a:gridCol>
+              </a:tblGrid>
+              <a:tr h="370840">
+                <a:tc>
+                  <a:txBody>
+                    <a:bodyPr/>
+                    <a:lstStyle/>
+                    <a:p>
+                      <a:pPr algn="ctr"/>
+                      <a:r>
+                        <a:rPr lang="en-CA" sz="2000" b="1" dirty="0" smtClean="0"/>
+                        <a:t>A</a:t>
+                      </a:r>
+                      <a:endParaRPr lang="en-US" sz="2000" b="1" dirty="0"/>
+                    </a:p>
+                  </a:txBody>
+                  <a:tcPr/>
+                </a:tc>
+                <a:tc>
+                  <a:txBody>
+                    <a:bodyPr/>
+                    <a:lstStyle/>
+                    <a:p>
+                      <a:pPr algn="ctr"/>
+                      <a:r>
+                        <a:rPr lang="en-CA" sz="2000" b="1" dirty="0" smtClean="0"/>
+                        <a:t>B</a:t>
+                      </a:r>
+                      <a:endParaRPr lang="en-US" sz="2000" b="1" dirty="0"/>
+                    </a:p>
+                  </a:txBody>
+                  <a:tcPr/>
+                </a:tc>
+                <a:tc>
+                  <a:txBody>
+                    <a:bodyPr/>
+                    <a:lstStyle/>
+                    <a:p>
+                      <a:pPr algn="ctr"/>
+                      <a:r>
+                        <a:rPr lang="en-CA" sz="2000" b="1" dirty="0" smtClean="0"/>
+                        <a:t>A </a:t>
+                      </a:r>
+                      <a:r>
+                        <a:rPr lang="en-CA" sz="2000" b="1" dirty="0" err="1" smtClean="0"/>
+                        <a:t>xor</a:t>
+                      </a:r>
+                      <a:r>
+                        <a:rPr lang="en-CA" sz="2000" b="1" dirty="0" smtClean="0"/>
+                        <a:t> B</a:t>
+                      </a:r>
+                      <a:endParaRPr lang="en-US" sz="2000" b="1" dirty="0"/>
+                    </a:p>
+                  </a:txBody>
+                  <a:tcPr/>
+                </a:tc>
+                <a:extLst>
+                  <a:ext uri="{0D108BD9-81ED-4DB2-BD59-A6C34878D82A}">
+                    <a16:rowId xmlns:a16="http://schemas.microsoft.com/office/drawing/2014/main" val="14648379"/>
+                  </a:ext>
+                </a:extLst>
+              </a:tr>
+              <a:tr h="370840">
+                <a:tc>
+                  <a:txBody>
+                    <a:bodyPr/>
+                    <a:lstStyle/>
+                    <a:p>
+                      <a:pPr algn="ctr"/>
+                      <a:r>
+                        <a:rPr lang="en-CA" dirty="0" smtClean="0"/>
+                        <a:t>True</a:t>
+                      </a:r>
+                      <a:endParaRPr lang="en-US" dirty="0"/>
+                    </a:p>
+                  </a:txBody>
+                  <a:tcPr/>
+                </a:tc>
+                <a:tc>
+                  <a:txBody>
+                    <a:bodyPr/>
+                    <a:lstStyle/>
+                    <a:p>
+                      <a:pPr algn="ctr"/>
+                      <a:r>
+                        <a:rPr lang="en-CA" dirty="0" smtClean="0"/>
+                        <a:t>True</a:t>
+                      </a:r>
+                      <a:endParaRPr lang="en-US" dirty="0"/>
+                    </a:p>
+                  </a:txBody>
+                  <a:tcPr/>
+                </a:tc>
+                <a:tc>
+                  <a:txBody>
+                    <a:bodyPr/>
+                    <a:lstStyle/>
+                    <a:p>
+                      <a:pPr algn="ctr"/>
+                      <a:r>
+                        <a:rPr lang="en-CA" dirty="0" smtClean="0"/>
+                        <a:t>False</a:t>
+                      </a:r>
+                      <a:endParaRPr lang="en-US" dirty="0"/>
+                    </a:p>
+                  </a:txBody>
+                  <a:tcPr/>
+                </a:tc>
+                <a:extLst>
+                  <a:ext uri="{0D108BD9-81ED-4DB2-BD59-A6C34878D82A}">
+                    <a16:rowId xmlns:a16="http://schemas.microsoft.com/office/drawing/2014/main" val="150059858"/>
+                  </a:ext>
+                </a:extLst>
+              </a:tr>
+              <a:tr h="370840">
+                <a:tc>
+                  <a:txBody>
+                    <a:bodyPr/>
+                    <a:lstStyle/>
+                    <a:p>
+                      <a:pPr algn="ctr"/>
+                      <a:r>
+                        <a:rPr lang="en-CA" dirty="0" smtClean="0"/>
+                        <a:t>True</a:t>
+                      </a:r>
+                      <a:endParaRPr lang="en-US" dirty="0"/>
+                    </a:p>
+                  </a:txBody>
+                  <a:tcPr/>
+                </a:tc>
+                <a:tc>
+                  <a:txBody>
+                    <a:bodyPr/>
+                    <a:lstStyle/>
+                    <a:p>
+                      <a:pPr algn="ctr"/>
+                      <a:r>
+                        <a:rPr lang="en-CA" dirty="0" smtClean="0"/>
+                        <a:t>False</a:t>
+                      </a:r>
+                      <a:endParaRPr lang="en-US" dirty="0"/>
+                    </a:p>
+                  </a:txBody>
+                  <a:tcPr/>
+                </a:tc>
+                <a:tc>
+                  <a:txBody>
+                    <a:bodyPr/>
+                    <a:lstStyle/>
+                    <a:p>
+                      <a:pPr algn="ctr"/>
+                      <a:r>
+                        <a:rPr lang="en-CA" dirty="0" smtClean="0"/>
+                        <a:t>True</a:t>
+                      </a:r>
+                      <a:endParaRPr lang="en-US" dirty="0"/>
+                    </a:p>
+                  </a:txBody>
+                  <a:tcPr/>
+                </a:tc>
+                <a:extLst>
+                  <a:ext uri="{0D108BD9-81ED-4DB2-BD59-A6C34878D82A}">
+                    <a16:rowId xmlns:a16="http://schemas.microsoft.com/office/drawing/2014/main" val="2173900125"/>
+                  </a:ext>
+                </a:extLst>
+              </a:tr>
+              <a:tr h="370840">
+                <a:tc>
+                  <a:txBody>
+                    <a:bodyPr/>
+                    <a:lstStyle/>
+                    <a:p>
+                      <a:pPr algn="ctr"/>
+                      <a:r>
+                        <a:rPr lang="en-CA" dirty="0" smtClean="0"/>
+                        <a:t>False</a:t>
+                      </a:r>
+                      <a:endParaRPr lang="en-US" dirty="0"/>
+                    </a:p>
+                  </a:txBody>
+                  <a:tcPr/>
+                </a:tc>
+                <a:tc>
+                  <a:txBody>
+                    <a:bodyPr/>
+                    <a:lstStyle/>
+                    <a:p>
+                      <a:pPr algn="ctr"/>
+                      <a:r>
+                        <a:rPr lang="en-CA" dirty="0" smtClean="0"/>
+                        <a:t>True</a:t>
+                      </a:r>
+                      <a:endParaRPr lang="en-US" dirty="0"/>
+                    </a:p>
+                  </a:txBody>
+                  <a:tcPr/>
+                </a:tc>
+                <a:tc>
+                  <a:txBody>
+                    <a:bodyPr/>
+                    <a:lstStyle/>
+                    <a:p>
+                      <a:pPr algn="ctr"/>
+                      <a:r>
+                        <a:rPr lang="en-CA" dirty="0" smtClean="0"/>
+                        <a:t>True</a:t>
+                      </a:r>
+                      <a:endParaRPr lang="en-US" dirty="0"/>
+                    </a:p>
+                  </a:txBody>
+                  <a:tcPr/>
+                </a:tc>
+                <a:extLst>
+                  <a:ext uri="{0D108BD9-81ED-4DB2-BD59-A6C34878D82A}">
+                    <a16:rowId xmlns:a16="http://schemas.microsoft.com/office/drawing/2014/main" val="1972846690"/>
+                  </a:ext>
+                </a:extLst>
+              </a:tr>
+              <a:tr h="370840">
+                <a:tc>
+                  <a:txBody>
+                    <a:bodyPr/>
+                    <a:lstStyle/>
+                    <a:p>
+                      <a:pPr algn="ctr"/>
+                      <a:r>
+                        <a:rPr lang="en-CA" dirty="0" smtClean="0"/>
+                        <a:t>False</a:t>
+                      </a:r>
+                      <a:endParaRPr lang="en-US" dirty="0"/>
+                    </a:p>
+                  </a:txBody>
+                  <a:tcPr/>
+                </a:tc>
+                <a:tc>
+                  <a:txBody>
+                    <a:bodyPr/>
+                    <a:lstStyle/>
+                    <a:p>
+                      <a:pPr algn="ctr"/>
+                      <a:r>
+                        <a:rPr lang="en-CA" dirty="0" smtClean="0"/>
+                        <a:t>False</a:t>
+                      </a:r>
+                      <a:endParaRPr lang="en-US" dirty="0"/>
+                    </a:p>
+                  </a:txBody>
+                  <a:tcPr/>
+                </a:tc>
+                <a:tc>
+                  <a:txBody>
+                    <a:bodyPr/>
+                    <a:lstStyle/>
+                    <a:p>
+                      <a:pPr algn="ctr"/>
+                      <a:r>
+                        <a:rPr lang="en-CA" dirty="0" smtClean="0"/>
+                        <a:t>False</a:t>
+                      </a:r>
+                      <a:endParaRPr lang="en-US" dirty="0"/>
+                    </a:p>
+                  </a:txBody>
+                  <a:tcPr/>
+                </a:tc>
+                <a:extLst>
+                  <a:ext uri="{0D108BD9-81ED-4DB2-BD59-A6C34878D82A}">
+                    <a16:rowId xmlns:a16="http://schemas.microsoft.com/office/drawing/2014/main" val="1120348492"/>
+                  </a:ext>
+                </a:extLst>
+              </a:tr>
+            </a:tbl>
+          </a:graphicData>
+        </a:graphic>
+      </p:graphicFrame>
+      <p:sp>
+        <p:nvSpPr>
+          <p:cNvPr id="6" name="TextBox 5"/>
+          <p:cNvSpPr txBox="1"/>
+          <p:nvPr/>
+        </p:nvSpPr>
+        <p:spPr>
+          <a:xfrm>
+            <a:off x="5130203" y="3320014"/>
+            <a:ext cx="3513567" cy="1877437"/>
+          </a:xfrm>
+          <a:prstGeom prst="rect">
+            <a:avLst/>
+          </a:prstGeom>
+          <a:noFill/>
+          <a:ln>
+            <a:solidFill>
+              <a:srgbClr val="FF0000"/>
+            </a:solidFill>
+          </a:ln>
+        </p:spPr>
+        <p:txBody>
+          <a:bodyPr wrap="square" rtlCol="0">
+            <a:spAutoFit/>
+          </a:bodyPr>
+          <a:lstStyle/>
+          <a:p>
+            <a:r>
+              <a:rPr lang="en-US" b="1" u="sng" dirty="0" smtClean="0">
+                <a:latin typeface="Arial" panose="020B0604020202020204" pitchFamily="34" charset="0"/>
+                <a:cs typeface="Arial" panose="020B0604020202020204" pitchFamily="34" charset="0"/>
+              </a:rPr>
+              <a:t>Sample Program:</a:t>
+            </a:r>
+          </a:p>
+          <a:p>
+            <a:endParaRPr lang="en-US" sz="1400" dirty="0">
+              <a:solidFill>
+                <a:srgbClr val="FF0000"/>
+              </a:solidFill>
+              <a:latin typeface="Arial" panose="020B0604020202020204" pitchFamily="34" charset="0"/>
+              <a:cs typeface="Arial" panose="020B0604020202020204" pitchFamily="34" charset="0"/>
+            </a:endParaRPr>
+          </a:p>
+          <a:p>
+            <a:r>
+              <a:rPr lang="en-US" sz="1400" dirty="0" err="1">
+                <a:solidFill>
+                  <a:srgbClr val="FF0000"/>
+                </a:solidFill>
+              </a:rPr>
+              <a:t>myGrade</a:t>
+            </a:r>
+            <a:r>
+              <a:rPr lang="en-US" sz="1400" dirty="0">
+                <a:solidFill>
+                  <a:srgbClr val="FF0000"/>
+                </a:solidFill>
+              </a:rPr>
+              <a:t> = 75</a:t>
+            </a:r>
+          </a:p>
+          <a:p>
+            <a:r>
+              <a:rPr lang="en-US" sz="1400" dirty="0">
+                <a:solidFill>
+                  <a:srgbClr val="FF0000"/>
+                </a:solidFill>
+              </a:rPr>
+              <a:t/>
+            </a:r>
+            <a:br>
+              <a:rPr lang="en-US" sz="1400" dirty="0">
+                <a:solidFill>
+                  <a:srgbClr val="FF0000"/>
+                </a:solidFill>
+              </a:rPr>
+            </a:br>
+            <a:r>
+              <a:rPr lang="en-US" sz="1400" dirty="0" err="1">
+                <a:solidFill>
+                  <a:srgbClr val="FF0000"/>
+                </a:solidFill>
+              </a:rPr>
+              <a:t>notValid</a:t>
+            </a:r>
+            <a:r>
+              <a:rPr lang="en-US" sz="1400" dirty="0">
+                <a:solidFill>
+                  <a:srgbClr val="FF0000"/>
+                </a:solidFill>
+              </a:rPr>
+              <a:t> = (</a:t>
+            </a:r>
+            <a:r>
+              <a:rPr lang="en-US" sz="1400" dirty="0" err="1">
+                <a:solidFill>
+                  <a:srgbClr val="FF0000"/>
+                </a:solidFill>
+              </a:rPr>
+              <a:t>myGrade</a:t>
+            </a:r>
+            <a:r>
+              <a:rPr lang="en-US" sz="1400" dirty="0">
+                <a:solidFill>
+                  <a:srgbClr val="FF0000"/>
+                </a:solidFill>
+              </a:rPr>
+              <a:t> </a:t>
+            </a:r>
+            <a:r>
+              <a:rPr lang="en-US" sz="1400" dirty="0" smtClean="0">
+                <a:solidFill>
+                  <a:srgbClr val="FF0000"/>
+                </a:solidFill>
+              </a:rPr>
+              <a:t>&lt; </a:t>
+            </a:r>
+            <a:r>
+              <a:rPr lang="en-US" sz="1400" dirty="0">
+                <a:solidFill>
+                  <a:srgbClr val="FF0000"/>
+                </a:solidFill>
+              </a:rPr>
+              <a:t>100) </a:t>
+            </a:r>
+            <a:r>
+              <a:rPr lang="en-US" sz="1400" dirty="0" smtClean="0">
+                <a:solidFill>
+                  <a:srgbClr val="0070C0"/>
+                </a:solidFill>
+              </a:rPr>
+              <a:t>!=</a:t>
+            </a:r>
+            <a:r>
+              <a:rPr lang="en-US" sz="1400" dirty="0" smtClean="0">
+                <a:solidFill>
+                  <a:srgbClr val="FF0000"/>
+                </a:solidFill>
+              </a:rPr>
+              <a:t> </a:t>
+            </a:r>
+            <a:r>
+              <a:rPr lang="en-US" sz="1400" dirty="0">
+                <a:solidFill>
+                  <a:srgbClr val="FF0000"/>
+                </a:solidFill>
+              </a:rPr>
+              <a:t>(</a:t>
+            </a:r>
+            <a:r>
+              <a:rPr lang="en-US" sz="1400" dirty="0" err="1">
+                <a:solidFill>
+                  <a:srgbClr val="FF0000"/>
+                </a:solidFill>
+              </a:rPr>
+              <a:t>myGrade</a:t>
+            </a:r>
+            <a:r>
+              <a:rPr lang="en-US" sz="1400" dirty="0">
+                <a:solidFill>
+                  <a:srgbClr val="FF0000"/>
+                </a:solidFill>
+              </a:rPr>
+              <a:t> </a:t>
+            </a:r>
+            <a:r>
+              <a:rPr lang="en-US" sz="1400" dirty="0" smtClean="0">
+                <a:solidFill>
+                  <a:srgbClr val="FF0000"/>
+                </a:solidFill>
+              </a:rPr>
+              <a:t>&gt; </a:t>
+            </a:r>
+            <a:r>
+              <a:rPr lang="en-US" sz="1400" dirty="0">
+                <a:solidFill>
+                  <a:srgbClr val="FF0000"/>
+                </a:solidFill>
+              </a:rPr>
+              <a:t>0)</a:t>
+            </a:r>
+          </a:p>
+          <a:p>
+            <a:r>
+              <a:rPr lang="en-US" sz="1400" dirty="0">
+                <a:solidFill>
+                  <a:srgbClr val="FF0000"/>
+                </a:solidFill>
+              </a:rPr>
+              <a:t/>
+            </a:r>
+            <a:br>
+              <a:rPr lang="en-US" sz="1400" dirty="0">
+                <a:solidFill>
+                  <a:srgbClr val="FF0000"/>
+                </a:solidFill>
+              </a:rPr>
+            </a:br>
+            <a:r>
+              <a:rPr lang="en-US" sz="1400" dirty="0">
+                <a:solidFill>
+                  <a:srgbClr val="FF0000"/>
+                </a:solidFill>
+              </a:rPr>
+              <a:t>print("Grade is not valid is:",</a:t>
+            </a:r>
+            <a:r>
+              <a:rPr lang="en-US" sz="1400" dirty="0" err="1">
+                <a:solidFill>
+                  <a:srgbClr val="FF0000"/>
+                </a:solidFill>
+              </a:rPr>
+              <a:t>notValid</a:t>
+            </a:r>
+            <a:r>
+              <a:rPr lang="en-US" sz="1400" dirty="0">
+                <a:solidFill>
+                  <a:srgbClr val="FF0000"/>
+                </a:solidFill>
+              </a:rPr>
+              <a:t>)</a:t>
+            </a:r>
+          </a:p>
+          <a:p>
+            <a:endParaRPr lang="en-US" sz="1400" dirty="0">
+              <a:solidFill>
+                <a:srgbClr val="FF0000"/>
+              </a:solidFill>
+              <a:latin typeface="Arial" panose="020B0604020202020204" pitchFamily="34" charset="0"/>
+              <a:cs typeface="Arial" panose="020B0604020202020204" pitchFamily="34" charset="0"/>
+            </a:endParaRPr>
+          </a:p>
+        </p:txBody>
+      </p:sp>
+      <p:sp>
+        <p:nvSpPr>
+          <p:cNvPr id="7" name="TextBox 6"/>
+          <p:cNvSpPr txBox="1"/>
+          <p:nvPr/>
+        </p:nvSpPr>
+        <p:spPr>
+          <a:xfrm>
+            <a:off x="927847" y="5446059"/>
+            <a:ext cx="4483471" cy="461665"/>
+          </a:xfrm>
+          <a:prstGeom prst="rect">
+            <a:avLst/>
+          </a:prstGeom>
+          <a:noFill/>
+        </p:spPr>
+        <p:txBody>
+          <a:bodyPr wrap="none" rtlCol="0">
+            <a:spAutoFit/>
+          </a:bodyPr>
+          <a:lstStyle/>
+          <a:p>
+            <a:r>
+              <a:rPr lang="en-CA" sz="2400" dirty="0" smtClean="0"/>
+              <a:t>NOTE: XOR stands for </a:t>
+            </a:r>
+            <a:r>
+              <a:rPr lang="en-CA" sz="2400" i="1" dirty="0" smtClean="0"/>
+              <a:t>Exclusive</a:t>
+            </a:r>
+            <a:r>
+              <a:rPr lang="en-CA" sz="2400" dirty="0" smtClean="0"/>
+              <a:t> OR</a:t>
+            </a:r>
+            <a:endParaRPr lang="en-US" sz="2400" dirty="0"/>
           </a:p>
         </p:txBody>
       </p:sp>
     </p:spTree>
     <p:extLst>
       <p:ext uri="{BB962C8B-B14F-4D97-AF65-F5344CB8AC3E}">
-        <p14:creationId xmlns:p14="http://schemas.microsoft.com/office/powerpoint/2010/main" val="3870084472"/>
+        <p14:creationId xmlns:p14="http://schemas.microsoft.com/office/powerpoint/2010/main" val="1050417243"/>
       </p:ext>
     </p:extLst>
   </p:cSld>
@@ -3321,7 +5180,7 @@
           <a:p>
             <a:r>
               <a:rPr lang="en-CA" dirty="0" smtClean="0"/>
-              <a:t>Strings &amp; Python Control</a:t>
+              <a:t>Logical NOT Operator</a:t>
             </a:r>
             <a:endParaRPr lang="en-US" dirty="0"/>
           </a:p>
@@ -3339,17 +5198,470 @@
         </p:nvSpPr>
         <p:spPr/>
         <p:txBody>
-          <a:bodyPr/>
-          <a:lstStyle/>
-          <a:p>
-            <a:endParaRPr lang="en-US"/>
+          <a:bodyPr>
+            <a:normAutofit/>
+          </a:bodyPr>
+          <a:lstStyle/>
+          <a:p>
+            <a:r>
+              <a:rPr lang="en-CA" sz="2400" dirty="0" smtClean="0"/>
+              <a:t>Is the</a:t>
+            </a:r>
+            <a:r>
+              <a:rPr lang="en-CA" sz="2400" dirty="0" smtClean="0">
+                <a:solidFill>
+                  <a:srgbClr val="0070C0"/>
+                </a:solidFill>
+              </a:rPr>
+              <a:t> Opposite </a:t>
+            </a:r>
+            <a:r>
+              <a:rPr lang="en-CA" sz="2400" dirty="0" smtClean="0"/>
+              <a:t>of</a:t>
+            </a:r>
+            <a:r>
+              <a:rPr lang="en-CA" sz="2400" dirty="0" smtClean="0">
+                <a:solidFill>
+                  <a:srgbClr val="0070C0"/>
+                </a:solidFill>
+              </a:rPr>
+              <a:t> </a:t>
+            </a:r>
+            <a:r>
+              <a:rPr lang="en-CA" sz="2400" dirty="0" err="1" smtClean="0"/>
+              <a:t>StatementA</a:t>
+            </a:r>
+            <a:endParaRPr lang="en-CA" sz="2400" dirty="0" smtClean="0">
+              <a:solidFill>
+                <a:srgbClr val="0070C0"/>
+              </a:solidFill>
+            </a:endParaRPr>
+          </a:p>
+          <a:p>
+            <a:endParaRPr lang="en-CA" sz="2400" dirty="0">
+              <a:solidFill>
+                <a:srgbClr val="0070C0"/>
+              </a:solidFill>
+            </a:endParaRPr>
+          </a:p>
+          <a:p>
+            <a:endParaRPr lang="en-US" sz="2400" dirty="0">
+              <a:solidFill>
+                <a:srgbClr val="0070C0"/>
+              </a:solidFill>
+            </a:endParaRPr>
+          </a:p>
+        </p:txBody>
+      </p:sp>
+      <p:graphicFrame>
+        <p:nvGraphicFramePr>
+          <p:cNvPr id="4" name="Table 3"/>
+          <p:cNvGraphicFramePr>
+            <a:graphicFrameLocks noGrp="1"/>
+          </p:cNvGraphicFramePr>
+          <p:nvPr>
+            <p:extLst>
+              <p:ext uri="{D42A27DB-BD31-4B8C-83A1-F6EECF244321}">
+                <p14:modId xmlns:p14="http://schemas.microsoft.com/office/powerpoint/2010/main" val="1915092670"/>
+              </p:ext>
+            </p:extLst>
+          </p:nvPr>
+        </p:nvGraphicFramePr>
+        <p:xfrm>
+          <a:off x="1422400" y="2994461"/>
+          <a:ext cx="2323254" cy="1137920"/>
+        </p:xfrm>
+        <a:graphic>
+          <a:graphicData uri="http://schemas.openxmlformats.org/drawingml/2006/table">
+            <a:tbl>
+              <a:tblPr firstRow="1" bandRow="1">
+                <a:tableStyleId>{5940675A-B579-460E-94D1-54222C63F5DA}</a:tableStyleId>
+              </a:tblPr>
+              <a:tblGrid>
+                <a:gridCol w="1161627">
+                  <a:extLst>
+                    <a:ext uri="{9D8B030D-6E8A-4147-A177-3AD203B41FA5}">
+                      <a16:colId xmlns:a16="http://schemas.microsoft.com/office/drawing/2014/main" val="4041415630"/>
+                    </a:ext>
+                  </a:extLst>
+                </a:gridCol>
+                <a:gridCol w="1161627">
+                  <a:extLst>
+                    <a:ext uri="{9D8B030D-6E8A-4147-A177-3AD203B41FA5}">
+                      <a16:colId xmlns:a16="http://schemas.microsoft.com/office/drawing/2014/main" val="3676257102"/>
+                    </a:ext>
+                  </a:extLst>
+                </a:gridCol>
+              </a:tblGrid>
+              <a:tr h="370840">
+                <a:tc>
+                  <a:txBody>
+                    <a:bodyPr/>
+                    <a:lstStyle/>
+                    <a:p>
+                      <a:pPr algn="ctr"/>
+                      <a:r>
+                        <a:rPr lang="en-CA" sz="2000" b="1" dirty="0" smtClean="0"/>
+                        <a:t>A</a:t>
+                      </a:r>
+                      <a:endParaRPr lang="en-US" sz="2000" b="1" dirty="0"/>
+                    </a:p>
+                  </a:txBody>
+                  <a:tcPr/>
+                </a:tc>
+                <a:tc>
+                  <a:txBody>
+                    <a:bodyPr/>
+                    <a:lstStyle/>
+                    <a:p>
+                      <a:pPr algn="ctr"/>
+                      <a:r>
+                        <a:rPr lang="en-CA" sz="2000" b="1" dirty="0" smtClean="0"/>
+                        <a:t>not A</a:t>
+                      </a:r>
+                      <a:endParaRPr lang="en-US" sz="2000" b="1" dirty="0"/>
+                    </a:p>
+                  </a:txBody>
+                  <a:tcPr/>
+                </a:tc>
+                <a:extLst>
+                  <a:ext uri="{0D108BD9-81ED-4DB2-BD59-A6C34878D82A}">
+                    <a16:rowId xmlns:a16="http://schemas.microsoft.com/office/drawing/2014/main" val="14648379"/>
+                  </a:ext>
+                </a:extLst>
+              </a:tr>
+              <a:tr h="370840">
+                <a:tc>
+                  <a:txBody>
+                    <a:bodyPr/>
+                    <a:lstStyle/>
+                    <a:p>
+                      <a:pPr algn="ctr"/>
+                      <a:r>
+                        <a:rPr lang="en-CA" dirty="0" smtClean="0"/>
+                        <a:t>True</a:t>
+                      </a:r>
+                      <a:endParaRPr lang="en-US" dirty="0"/>
+                    </a:p>
+                  </a:txBody>
+                  <a:tcPr/>
+                </a:tc>
+                <a:tc>
+                  <a:txBody>
+                    <a:bodyPr/>
+                    <a:lstStyle/>
+                    <a:p>
+                      <a:pPr algn="ctr"/>
+                      <a:r>
+                        <a:rPr lang="en-CA" dirty="0" smtClean="0"/>
+                        <a:t>False</a:t>
+                      </a:r>
+                      <a:endParaRPr lang="en-US" dirty="0"/>
+                    </a:p>
+                  </a:txBody>
+                  <a:tcPr/>
+                </a:tc>
+                <a:extLst>
+                  <a:ext uri="{0D108BD9-81ED-4DB2-BD59-A6C34878D82A}">
+                    <a16:rowId xmlns:a16="http://schemas.microsoft.com/office/drawing/2014/main" val="150059858"/>
+                  </a:ext>
+                </a:extLst>
+              </a:tr>
+              <a:tr h="370840">
+                <a:tc>
+                  <a:txBody>
+                    <a:bodyPr/>
+                    <a:lstStyle/>
+                    <a:p>
+                      <a:pPr algn="ctr"/>
+                      <a:r>
+                        <a:rPr lang="en-CA" dirty="0" smtClean="0"/>
+                        <a:t>False</a:t>
+                      </a:r>
+                      <a:endParaRPr lang="en-US" dirty="0"/>
+                    </a:p>
+                  </a:txBody>
+                  <a:tcPr/>
+                </a:tc>
+                <a:tc>
+                  <a:txBody>
+                    <a:bodyPr/>
+                    <a:lstStyle/>
+                    <a:p>
+                      <a:pPr algn="ctr"/>
+                      <a:r>
+                        <a:rPr lang="en-CA" dirty="0" smtClean="0"/>
+                        <a:t>True</a:t>
+                      </a:r>
+                      <a:endParaRPr lang="en-US" dirty="0"/>
+                    </a:p>
+                  </a:txBody>
+                  <a:tcPr/>
+                </a:tc>
+                <a:extLst>
+                  <a:ext uri="{0D108BD9-81ED-4DB2-BD59-A6C34878D82A}">
+                    <a16:rowId xmlns:a16="http://schemas.microsoft.com/office/drawing/2014/main" val="2173900125"/>
+                  </a:ext>
+                </a:extLst>
+              </a:tr>
+            </a:tbl>
+          </a:graphicData>
+        </a:graphic>
+      </p:graphicFrame>
+      <p:sp>
+        <p:nvSpPr>
+          <p:cNvPr id="6" name="TextBox 5"/>
+          <p:cNvSpPr txBox="1"/>
+          <p:nvPr/>
+        </p:nvSpPr>
+        <p:spPr>
+          <a:xfrm>
+            <a:off x="4773707" y="2555240"/>
+            <a:ext cx="3836296" cy="2092881"/>
+          </a:xfrm>
+          <a:prstGeom prst="rect">
+            <a:avLst/>
+          </a:prstGeom>
+          <a:noFill/>
+          <a:ln>
+            <a:solidFill>
+              <a:srgbClr val="FF0000"/>
+            </a:solidFill>
+          </a:ln>
+        </p:spPr>
+        <p:txBody>
+          <a:bodyPr wrap="square" rtlCol="0">
+            <a:spAutoFit/>
+          </a:bodyPr>
+          <a:lstStyle/>
+          <a:p>
+            <a:r>
+              <a:rPr lang="en-US" b="1" u="sng" dirty="0" smtClean="0">
+                <a:latin typeface="Arial" panose="020B0604020202020204" pitchFamily="34" charset="0"/>
+                <a:cs typeface="Arial" panose="020B0604020202020204" pitchFamily="34" charset="0"/>
+              </a:rPr>
+              <a:t>Sample Program:</a:t>
+            </a:r>
+          </a:p>
+          <a:p>
+            <a:endParaRPr lang="en-US" sz="1400" dirty="0">
+              <a:solidFill>
+                <a:srgbClr val="FF0000"/>
+              </a:solidFill>
+              <a:latin typeface="Arial" panose="020B0604020202020204" pitchFamily="34" charset="0"/>
+              <a:cs typeface="Arial" panose="020B0604020202020204" pitchFamily="34" charset="0"/>
+            </a:endParaRPr>
+          </a:p>
+          <a:p>
+            <a:r>
+              <a:rPr lang="en-US" sz="1400" dirty="0" err="1">
+                <a:solidFill>
+                  <a:srgbClr val="FF0000"/>
+                </a:solidFill>
+              </a:rPr>
+              <a:t>myGrade</a:t>
+            </a:r>
+            <a:r>
+              <a:rPr lang="en-US" sz="1400" dirty="0">
+                <a:solidFill>
+                  <a:srgbClr val="FF0000"/>
+                </a:solidFill>
+              </a:rPr>
+              <a:t> = 75</a:t>
+            </a:r>
+          </a:p>
+          <a:p>
+            <a:r>
+              <a:rPr lang="en-US" sz="1400" dirty="0">
+                <a:solidFill>
+                  <a:srgbClr val="FF0000"/>
+                </a:solidFill>
+              </a:rPr>
+              <a:t/>
+            </a:r>
+            <a:br>
+              <a:rPr lang="en-US" sz="1400" dirty="0">
+                <a:solidFill>
+                  <a:srgbClr val="FF0000"/>
+                </a:solidFill>
+              </a:rPr>
+            </a:br>
+            <a:r>
+              <a:rPr lang="en-US" sz="1400" dirty="0" err="1" smtClean="0">
+                <a:solidFill>
+                  <a:srgbClr val="FF0000"/>
+                </a:solidFill>
+              </a:rPr>
+              <a:t>isValid</a:t>
+            </a:r>
+            <a:r>
+              <a:rPr lang="en-US" sz="1400" dirty="0" smtClean="0">
+                <a:solidFill>
+                  <a:srgbClr val="FF0000"/>
+                </a:solidFill>
+              </a:rPr>
+              <a:t> </a:t>
+            </a:r>
+            <a:r>
+              <a:rPr lang="en-US" sz="1400" dirty="0">
+                <a:solidFill>
+                  <a:srgbClr val="FF0000"/>
+                </a:solidFill>
+              </a:rPr>
+              <a:t>= </a:t>
+            </a:r>
+            <a:r>
+              <a:rPr lang="en-US" sz="1400" dirty="0" smtClean="0">
+                <a:solidFill>
+                  <a:srgbClr val="0070C0"/>
+                </a:solidFill>
+              </a:rPr>
+              <a:t>not</a:t>
+            </a:r>
+            <a:r>
+              <a:rPr lang="en-US" sz="1400" dirty="0" smtClean="0">
+                <a:solidFill>
+                  <a:srgbClr val="FF0000"/>
+                </a:solidFill>
+              </a:rPr>
+              <a:t>( (</a:t>
+            </a:r>
+            <a:r>
+              <a:rPr lang="en-US" sz="1400" dirty="0" err="1" smtClean="0">
+                <a:solidFill>
+                  <a:srgbClr val="FF0000"/>
+                </a:solidFill>
+              </a:rPr>
+              <a:t>myGrade</a:t>
+            </a:r>
+            <a:r>
+              <a:rPr lang="en-US" sz="1400" dirty="0" smtClean="0">
+                <a:solidFill>
+                  <a:srgbClr val="FF0000"/>
+                </a:solidFill>
+              </a:rPr>
+              <a:t> </a:t>
+            </a:r>
+            <a:r>
+              <a:rPr lang="en-US" sz="1400" dirty="0">
+                <a:solidFill>
+                  <a:srgbClr val="FF0000"/>
+                </a:solidFill>
+              </a:rPr>
+              <a:t>&gt; 100) or (</a:t>
+            </a:r>
+            <a:r>
+              <a:rPr lang="en-US" sz="1400" dirty="0" err="1">
+                <a:solidFill>
+                  <a:srgbClr val="FF0000"/>
+                </a:solidFill>
+              </a:rPr>
+              <a:t>myGrade</a:t>
+            </a:r>
+            <a:r>
+              <a:rPr lang="en-US" sz="1400" dirty="0">
+                <a:solidFill>
+                  <a:srgbClr val="FF0000"/>
+                </a:solidFill>
+              </a:rPr>
+              <a:t> &lt; 0</a:t>
+            </a:r>
+            <a:r>
+              <a:rPr lang="en-US" sz="1400" dirty="0" smtClean="0">
+                <a:solidFill>
+                  <a:srgbClr val="FF0000"/>
+                </a:solidFill>
+              </a:rPr>
+              <a:t>) )</a:t>
+            </a:r>
+          </a:p>
+          <a:p>
+            <a:endParaRPr lang="en-US" sz="1400" dirty="0">
+              <a:solidFill>
+                <a:srgbClr val="FF0000"/>
+              </a:solidFill>
+            </a:endParaRPr>
+          </a:p>
+          <a:p>
+            <a:r>
+              <a:rPr lang="en-US" sz="1400" dirty="0">
+                <a:solidFill>
+                  <a:srgbClr val="FF0000"/>
+                </a:solidFill>
+              </a:rPr>
+              <a:t/>
+            </a:r>
+            <a:br>
+              <a:rPr lang="en-US" sz="1400" dirty="0">
+                <a:solidFill>
+                  <a:srgbClr val="FF0000"/>
+                </a:solidFill>
+              </a:rPr>
+            </a:br>
+            <a:r>
+              <a:rPr lang="en-US" sz="1400" dirty="0">
+                <a:solidFill>
+                  <a:srgbClr val="FF0000"/>
+                </a:solidFill>
+              </a:rPr>
+              <a:t>print("Grade is </a:t>
+            </a:r>
+            <a:r>
+              <a:rPr lang="en-US" sz="1400" dirty="0" smtClean="0">
+                <a:solidFill>
+                  <a:srgbClr val="FF0000"/>
+                </a:solidFill>
+              </a:rPr>
+              <a:t>valid </a:t>
+            </a:r>
+            <a:r>
+              <a:rPr lang="en-US" sz="1400" dirty="0">
+                <a:solidFill>
+                  <a:srgbClr val="FF0000"/>
+                </a:solidFill>
+              </a:rPr>
+              <a:t>is</a:t>
+            </a:r>
+            <a:r>
+              <a:rPr lang="en-US" sz="1400" dirty="0" smtClean="0">
+                <a:solidFill>
+                  <a:srgbClr val="FF0000"/>
+                </a:solidFill>
+              </a:rPr>
+              <a:t>:", </a:t>
+            </a:r>
+            <a:r>
+              <a:rPr lang="en-US" sz="1400" dirty="0" err="1" smtClean="0">
+                <a:solidFill>
+                  <a:srgbClr val="FF0000"/>
+                </a:solidFill>
+              </a:rPr>
+              <a:t>isValid</a:t>
+            </a:r>
+            <a:r>
+              <a:rPr lang="en-US" sz="1400" dirty="0">
+                <a:solidFill>
+                  <a:srgbClr val="FF0000"/>
+                </a:solidFill>
+              </a:rPr>
+              <a:t>)</a:t>
+            </a:r>
+          </a:p>
+          <a:p>
+            <a:endParaRPr lang="en-US" sz="1400" dirty="0">
+              <a:solidFill>
+                <a:srgbClr val="FF0000"/>
+              </a:solidFill>
+              <a:latin typeface="Arial" panose="020B0604020202020204" pitchFamily="34" charset="0"/>
+              <a:cs typeface="Arial" panose="020B0604020202020204" pitchFamily="34" charset="0"/>
+            </a:endParaRPr>
           </a:p>
         </p:txBody>
       </p:sp>
     </p:spTree>
     <p:extLst>
       <p:ext uri="{BB962C8B-B14F-4D97-AF65-F5344CB8AC3E}">
-        <p14:creationId xmlns:p14="http://schemas.microsoft.com/office/powerpoint/2010/main" val="1666022590"/>
+        <p14:creationId xmlns:p14="http://schemas.microsoft.com/office/powerpoint/2010/main" val="2887082220"/>
       </p:ext>
     </p:extLst>
   </p:cSld>
@@ -3393,7 +5705,7 @@
           <a:p>
             <a:r>
               <a:rPr lang="en-CA" dirty="0" smtClean="0"/>
-              <a:t>List Variable Type</a:t>
+              <a:t>Booleans &amp; Python Control</a:t>
             </a:r>
             <a:endParaRPr lang="en-US" dirty="0"/>
           </a:p>
@@ -3411,17 +5723,389 @@
         </p:nvSpPr>
         <p:spPr/>
         <p:txBody>
-          <a:bodyPr/>
-          <a:lstStyle/>
-          <a:p>
-            <a:endParaRPr lang="en-US"/>
+          <a:bodyPr>
+            <a:normAutofit/>
+          </a:bodyPr>
+          <a:lstStyle/>
+          <a:p>
+            <a:r>
+              <a:rPr lang="en-CA" sz="2400" dirty="0" smtClean="0"/>
+              <a:t>Booleans can be used to control:</a:t>
+            </a:r>
+          </a:p>
+          <a:p>
+            <a:pPr lvl="1"/>
+            <a:r>
+              <a:rPr lang="en-CA" sz="2000" dirty="0" smtClean="0"/>
+              <a:t>IF statements</a:t>
+            </a:r>
+          </a:p>
+          <a:p>
+            <a:pPr lvl="1"/>
+            <a:r>
+              <a:rPr lang="en-CA" sz="2000" dirty="0" smtClean="0"/>
+              <a:t>WHILE loops</a:t>
+            </a:r>
+          </a:p>
+          <a:p>
+            <a:pPr lvl="1"/>
+            <a:endParaRPr lang="en-CA" sz="2000" dirty="0" smtClean="0"/>
+          </a:p>
+          <a:p>
+            <a:r>
+              <a:rPr lang="en-CA" sz="2400" dirty="0" smtClean="0"/>
+              <a:t>Boolean variables can be used </a:t>
+            </a:r>
+            <a:br>
+              <a:rPr lang="en-CA" sz="2400" dirty="0" smtClean="0"/>
+            </a:br>
+            <a:r>
+              <a:rPr lang="en-CA" sz="2400" dirty="0" smtClean="0"/>
+              <a:t>in place of conditional statements</a:t>
+            </a:r>
+          </a:p>
+          <a:p>
+            <a:endParaRPr lang="en-CA" sz="2400" dirty="0"/>
+          </a:p>
+          <a:p>
+            <a:r>
+              <a:rPr lang="en-CA" sz="2400" dirty="0" smtClean="0"/>
+              <a:t>Boolean variables can also be </a:t>
+            </a:r>
+            <a:br>
+              <a:rPr lang="en-CA" sz="2400" dirty="0" smtClean="0"/>
+            </a:br>
+            <a:r>
+              <a:rPr lang="en-CA" sz="2400" dirty="0" smtClean="0"/>
+              <a:t>used in combination with</a:t>
+            </a:r>
+            <a:r>
+              <a:rPr lang="en-US" sz="2400" dirty="0"/>
+              <a:t/>
+            </a:r>
+            <a:br>
+              <a:rPr lang="en-US" sz="2400" dirty="0"/>
+            </a:br>
+            <a:r>
+              <a:rPr lang="en-US" sz="2400" dirty="0" smtClean="0"/>
+              <a:t>conditional statements</a:t>
+            </a:r>
+            <a:endParaRPr lang="en-CA" sz="2400" dirty="0" smtClean="0"/>
+          </a:p>
+        </p:txBody>
+      </p:sp>
+      <p:sp>
+        <p:nvSpPr>
+          <p:cNvPr id="4" name="TextBox 3"/>
+          <p:cNvSpPr txBox="1"/>
+          <p:nvPr/>
+        </p:nvSpPr>
+        <p:spPr>
+          <a:xfrm>
+            <a:off x="5567082" y="1825625"/>
+            <a:ext cx="3209179" cy="3231654"/>
+          </a:xfrm>
+          <a:prstGeom prst="rect">
+            <a:avLst/>
+          </a:prstGeom>
+          <a:noFill/>
+          <a:ln>
+            <a:solidFill>
+              <a:srgbClr val="FF0000"/>
+            </a:solidFill>
+          </a:ln>
+        </p:spPr>
+        <p:txBody>
+          <a:bodyPr wrap="square" rtlCol="0">
+            <a:spAutoFit/>
+          </a:bodyPr>
+          <a:lstStyle/>
+          <a:p>
+            <a:r>
+              <a:rPr lang="en-US" b="1" u="sng" dirty="0" smtClean="0">
+                <a:latin typeface="Arial" panose="020B0604020202020204" pitchFamily="34" charset="0"/>
+                <a:cs typeface="Arial" panose="020B0604020202020204" pitchFamily="34" charset="0"/>
+              </a:rPr>
+              <a:t>Sample Program:</a:t>
+            </a:r>
+          </a:p>
+          <a:p>
+            <a:endParaRPr lang="en-US" sz="1400" dirty="0">
+              <a:solidFill>
+                <a:srgbClr val="FF0000"/>
+              </a:solidFill>
+              <a:latin typeface="Arial" panose="020B0604020202020204" pitchFamily="34" charset="0"/>
+              <a:cs typeface="Arial" panose="020B0604020202020204" pitchFamily="34" charset="0"/>
+            </a:endParaRPr>
+          </a:p>
+          <a:p>
+            <a:r>
+              <a:rPr lang="en-US" sz="1400" dirty="0" err="1">
+                <a:solidFill>
+                  <a:srgbClr val="FF0000"/>
+                </a:solidFill>
+              </a:rPr>
+              <a:t>myGrade</a:t>
+            </a:r>
+            <a:r>
+              <a:rPr lang="en-US" sz="1400" dirty="0">
+                <a:solidFill>
+                  <a:srgbClr val="FF0000"/>
+                </a:solidFill>
+              </a:rPr>
+              <a:t> = 75</a:t>
+            </a:r>
+          </a:p>
+          <a:p>
+            <a:r>
+              <a:rPr lang="en-US" sz="1400" dirty="0" err="1">
+                <a:solidFill>
+                  <a:srgbClr val="FF0000"/>
+                </a:solidFill>
+              </a:rPr>
+              <a:t>didPass</a:t>
+            </a:r>
+            <a:r>
+              <a:rPr lang="en-US" sz="1400" dirty="0">
+                <a:solidFill>
+                  <a:srgbClr val="FF0000"/>
+                </a:solidFill>
+              </a:rPr>
+              <a:t> = (</a:t>
+            </a:r>
+            <a:r>
+              <a:rPr lang="en-US" sz="1400" dirty="0" err="1">
+                <a:solidFill>
+                  <a:srgbClr val="FF0000"/>
+                </a:solidFill>
+              </a:rPr>
+              <a:t>myGrade</a:t>
+            </a:r>
+            <a:r>
+              <a:rPr lang="en-US" sz="1400" dirty="0">
+                <a:solidFill>
+                  <a:srgbClr val="FF0000"/>
+                </a:solidFill>
+              </a:rPr>
+              <a:t> &gt;= 50)</a:t>
+            </a:r>
+          </a:p>
+          <a:p>
+            <a:r>
+              <a:rPr lang="en-US" sz="1400" dirty="0">
+                <a:solidFill>
+                  <a:srgbClr val="FF0000"/>
+                </a:solidFill>
+              </a:rPr>
+              <a:t/>
+            </a:r>
+            <a:br>
+              <a:rPr lang="en-US" sz="1400" dirty="0">
+                <a:solidFill>
+                  <a:srgbClr val="FF0000"/>
+                </a:solidFill>
+              </a:rPr>
+            </a:br>
+            <a:r>
+              <a:rPr lang="en-US" sz="1400" dirty="0">
+                <a:solidFill>
+                  <a:srgbClr val="FF0000"/>
+                </a:solidFill>
+              </a:rPr>
+              <a:t>if (</a:t>
+            </a:r>
+            <a:r>
+              <a:rPr lang="en-US" sz="1400" dirty="0" err="1">
+                <a:solidFill>
+                  <a:srgbClr val="0070C0"/>
+                </a:solidFill>
+              </a:rPr>
+              <a:t>didPass</a:t>
+            </a:r>
+            <a:r>
+              <a:rPr lang="en-US" sz="1400" dirty="0">
+                <a:solidFill>
+                  <a:srgbClr val="FF0000"/>
+                </a:solidFill>
+              </a:rPr>
+              <a:t>) :</a:t>
+            </a:r>
+          </a:p>
+          <a:p>
+            <a:r>
+              <a:rPr lang="en-US" sz="1400" dirty="0" smtClean="0">
+                <a:solidFill>
+                  <a:srgbClr val="FF0000"/>
+                </a:solidFill>
+              </a:rPr>
+              <a:t>    print</a:t>
+            </a:r>
+            <a:r>
+              <a:rPr lang="en-US" sz="1400" dirty="0">
+                <a:solidFill>
+                  <a:srgbClr val="FF0000"/>
+                </a:solidFill>
+              </a:rPr>
+              <a:t>("Great, you passed!")</a:t>
+            </a:r>
+          </a:p>
+          <a:p>
+            <a:r>
+              <a:rPr lang="en-US" sz="1400" dirty="0">
+                <a:solidFill>
+                  <a:srgbClr val="FF0000"/>
+                </a:solidFill>
+              </a:rPr>
+              <a:t>else :</a:t>
+            </a:r>
+          </a:p>
+          <a:p>
+            <a:r>
+              <a:rPr lang="en-US" sz="1400" dirty="0" smtClean="0">
+                <a:solidFill>
+                  <a:srgbClr val="FF0000"/>
+                </a:solidFill>
+              </a:rPr>
+              <a:t>    print</a:t>
+            </a:r>
+            <a:r>
+              <a:rPr lang="en-US" sz="1400" dirty="0">
+                <a:solidFill>
+                  <a:srgbClr val="FF0000"/>
+                </a:solidFill>
+              </a:rPr>
+              <a:t>("Too bad, see you next year.")</a:t>
+            </a:r>
+          </a:p>
+          <a:p>
+            <a:r>
+              <a:rPr lang="en-US" sz="1400" dirty="0">
+                <a:solidFill>
+                  <a:srgbClr val="FF0000"/>
+                </a:solidFill>
+              </a:rPr>
+              <a:t/>
+            </a:r>
+            <a:br>
+              <a:rPr lang="en-US" sz="1400" dirty="0">
+                <a:solidFill>
+                  <a:srgbClr val="FF0000"/>
+                </a:solidFill>
+              </a:rPr>
+            </a:br>
+            <a:r>
+              <a:rPr lang="en-US" sz="1400" dirty="0">
+                <a:solidFill>
+                  <a:srgbClr val="FF0000"/>
+                </a:solidFill>
+              </a:rPr>
+              <a:t>if (</a:t>
+            </a:r>
+            <a:r>
+              <a:rPr lang="en-US" sz="1400" dirty="0" err="1">
+                <a:solidFill>
+                  <a:srgbClr val="FF0000"/>
+                </a:solidFill>
+              </a:rPr>
+              <a:t>didPass</a:t>
+            </a:r>
+            <a:r>
+              <a:rPr lang="en-US" sz="1400" dirty="0">
+                <a:solidFill>
+                  <a:srgbClr val="FF0000"/>
+                </a:solidFill>
+              </a:rPr>
+              <a:t> </a:t>
+            </a:r>
+            <a:r>
+              <a:rPr lang="en-US" sz="1400" dirty="0">
+                <a:solidFill>
+                  <a:srgbClr val="0070C0"/>
+                </a:solidFill>
+              </a:rPr>
+              <a:t>and</a:t>
+            </a:r>
+            <a:r>
+              <a:rPr lang="en-US" sz="1400" dirty="0">
+                <a:solidFill>
+                  <a:srgbClr val="FF0000"/>
+                </a:solidFill>
+              </a:rPr>
+              <a:t> (</a:t>
+            </a:r>
+            <a:r>
+              <a:rPr lang="en-US" sz="1400" dirty="0" err="1">
+                <a:solidFill>
+                  <a:srgbClr val="FF0000"/>
+                </a:solidFill>
+              </a:rPr>
+              <a:t>myGrade</a:t>
+            </a:r>
+            <a:r>
+              <a:rPr lang="en-US" sz="1400" dirty="0">
+                <a:solidFill>
+                  <a:srgbClr val="FF0000"/>
+                </a:solidFill>
+              </a:rPr>
+              <a:t> &gt;= 85)) :</a:t>
+            </a:r>
+          </a:p>
+          <a:p>
+            <a:r>
+              <a:rPr lang="en-US" sz="1400" dirty="0" smtClean="0">
+                <a:solidFill>
+                  <a:srgbClr val="FF0000"/>
+                </a:solidFill>
+              </a:rPr>
+              <a:t>    print</a:t>
+            </a:r>
+            <a:r>
+              <a:rPr lang="en-US" sz="1400" dirty="0">
+                <a:solidFill>
+                  <a:srgbClr val="FF0000"/>
+                </a:solidFill>
+              </a:rPr>
+              <a:t>("You also got </a:t>
+            </a:r>
+            <a:r>
+              <a:rPr lang="en-US" sz="1400" dirty="0" err="1">
+                <a:solidFill>
+                  <a:srgbClr val="FF0000"/>
+                </a:solidFill>
+              </a:rPr>
+              <a:t>honours</a:t>
+            </a:r>
+            <a:r>
+              <a:rPr lang="en-US" sz="1400" dirty="0">
+                <a:solidFill>
+                  <a:srgbClr val="FF0000"/>
+                </a:solidFill>
+              </a:rPr>
+              <a:t>!")</a:t>
+            </a:r>
+          </a:p>
+          <a:p>
+            <a:endParaRPr lang="en-US" sz="1400" dirty="0">
+              <a:solidFill>
+                <a:srgbClr val="FF0000"/>
+              </a:solidFill>
+            </a:endParaRPr>
+          </a:p>
+          <a:p>
+            <a:endParaRPr lang="en-US" sz="1400" dirty="0">
+              <a:solidFill>
+                <a:srgbClr val="FF0000"/>
+              </a:solidFill>
+              <a:latin typeface="Arial" panose="020B0604020202020204" pitchFamily="34" charset="0"/>
+              <a:cs typeface="Arial" panose="020B0604020202020204" pitchFamily="34" charset="0"/>
+            </a:endParaRPr>
           </a:p>
         </p:txBody>
       </p:sp>
     </p:spTree>
     <p:extLst>
       <p:ext uri="{BB962C8B-B14F-4D97-AF65-F5344CB8AC3E}">
-        <p14:creationId xmlns:p14="http://schemas.microsoft.com/office/powerpoint/2010/main" val="3794718031"/>
+        <p14:creationId xmlns:p14="http://schemas.microsoft.com/office/powerpoint/2010/main" val="342507249"/>
       </p:ext>
     </p:extLst>
   </p:cSld>
@@ -3465,7 +6149,7 @@
           <a:p>
             <a:r>
               <a:rPr lang="en-CA" dirty="0" smtClean="0"/>
-              <a:t>List Operators</a:t>
+              <a:t>Loops &amp; Break Statement</a:t>
             </a:r>
             <a:endParaRPr lang="en-US" dirty="0"/>
           </a:p>
@@ -3483,17 +6167,282 @@
         </p:nvSpPr>
         <p:spPr/>
         <p:txBody>
-          <a:bodyPr/>
-          <a:lstStyle/>
-          <a:p>
-            <a:endParaRPr lang="en-US"/>
+          <a:bodyPr>
+            <a:normAutofit/>
+          </a:bodyPr>
+          <a:lstStyle/>
+          <a:p>
+            <a:r>
+              <a:rPr lang="en-CA" sz="2400" dirty="0" smtClean="0"/>
+              <a:t>Sometimes you want to check</a:t>
+            </a:r>
+            <a:br>
+              <a:rPr lang="en-CA" sz="2400" dirty="0" smtClean="0"/>
+            </a:br>
+            <a:r>
+              <a:rPr lang="en-CA" sz="2400" dirty="0" smtClean="0"/>
+              <a:t>a condition near the end of a </a:t>
+            </a:r>
+            <a:br>
+              <a:rPr lang="en-CA" sz="2400" dirty="0" smtClean="0"/>
+            </a:br>
+            <a:r>
+              <a:rPr lang="en-CA" sz="2400" dirty="0" smtClean="0"/>
+              <a:t>WHILE loop</a:t>
+            </a:r>
+          </a:p>
+          <a:p>
+            <a:endParaRPr lang="en-CA" sz="2400" dirty="0"/>
+          </a:p>
+          <a:p>
+            <a:r>
+              <a:rPr lang="en-CA" sz="2400" dirty="0" smtClean="0"/>
+              <a:t>The BREAK statement </a:t>
+            </a:r>
+          </a:p>
+          <a:p>
+            <a:pPr lvl="1"/>
+            <a:r>
+              <a:rPr lang="en-CA" sz="2000" dirty="0" smtClean="0"/>
+              <a:t>Stops the loop early</a:t>
+            </a:r>
+            <a:br>
+              <a:rPr lang="en-CA" sz="2000" dirty="0" smtClean="0"/>
+            </a:br>
+            <a:r>
+              <a:rPr lang="en-CA" sz="2000" dirty="0" smtClean="0"/>
+              <a:t>(i.e. </a:t>
+            </a:r>
+            <a:r>
+              <a:rPr lang="en-CA" sz="2000" i="1" dirty="0" smtClean="0"/>
+              <a:t>Breaks</a:t>
+            </a:r>
+            <a:r>
+              <a:rPr lang="en-CA" sz="2000" dirty="0" smtClean="0"/>
+              <a:t> out of the loop)</a:t>
+            </a:r>
+          </a:p>
+          <a:p>
+            <a:pPr lvl="1"/>
+            <a:r>
+              <a:rPr lang="en-CA" sz="2000" dirty="0" smtClean="0"/>
+              <a:t>Can be used anywhere in the loop</a:t>
+            </a:r>
+          </a:p>
+          <a:p>
+            <a:pPr lvl="1"/>
+            <a:r>
+              <a:rPr lang="en-CA" sz="2000" dirty="0" smtClean="0"/>
+              <a:t>Can be used anytime in the loop</a:t>
+            </a:r>
+            <a:endParaRPr lang="en-US" sz="2000" dirty="0"/>
+          </a:p>
+        </p:txBody>
+      </p:sp>
+      <p:sp>
+        <p:nvSpPr>
+          <p:cNvPr id="4" name="TextBox 3"/>
+          <p:cNvSpPr txBox="1"/>
+          <p:nvPr/>
+        </p:nvSpPr>
+        <p:spPr>
+          <a:xfrm>
+            <a:off x="5567082" y="1825625"/>
+            <a:ext cx="3209179" cy="2308324"/>
+          </a:xfrm>
+          <a:prstGeom prst="rect">
+            <a:avLst/>
+          </a:prstGeom>
+          <a:noFill/>
+          <a:ln>
+            <a:solidFill>
+              <a:srgbClr val="FF0000"/>
+            </a:solidFill>
+          </a:ln>
+        </p:spPr>
+        <p:txBody>
+          <a:bodyPr wrap="square" rtlCol="0">
+            <a:spAutoFit/>
+          </a:bodyPr>
+          <a:lstStyle/>
+          <a:p>
+            <a:r>
+              <a:rPr lang="en-US" b="1" u="sng" dirty="0" smtClean="0">
+                <a:latin typeface="Arial" panose="020B0604020202020204" pitchFamily="34" charset="0"/>
+                <a:cs typeface="Arial" panose="020B0604020202020204" pitchFamily="34" charset="0"/>
+              </a:rPr>
+              <a:t>Sample Program:</a:t>
+            </a:r>
+          </a:p>
+          <a:p>
+            <a:endParaRPr lang="en-US" sz="1400" dirty="0">
+              <a:solidFill>
+                <a:srgbClr val="FF0000"/>
+              </a:solidFill>
+              <a:latin typeface="Arial" panose="020B0604020202020204" pitchFamily="34" charset="0"/>
+              <a:cs typeface="Arial" panose="020B0604020202020204" pitchFamily="34" charset="0"/>
+            </a:endParaRPr>
+          </a:p>
+          <a:p>
+            <a:r>
+              <a:rPr lang="en-US" sz="1400" dirty="0">
+                <a:solidFill>
+                  <a:srgbClr val="FF0000"/>
+                </a:solidFill>
+              </a:rPr>
+              <a:t>count = 1</a:t>
+            </a:r>
+          </a:p>
+          <a:p>
+            <a:r>
+              <a:rPr lang="en-US" sz="1400" dirty="0">
+                <a:solidFill>
+                  <a:srgbClr val="FF0000"/>
+                </a:solidFill>
+              </a:rPr>
+              <a:t>while (</a:t>
+            </a:r>
+            <a:r>
+              <a:rPr lang="en-US" sz="1400" dirty="0">
+                <a:solidFill>
+                  <a:srgbClr val="0070C0"/>
+                </a:solidFill>
+              </a:rPr>
+              <a:t>True</a:t>
+            </a:r>
+            <a:r>
+              <a:rPr lang="en-US" sz="1400" dirty="0">
+                <a:solidFill>
+                  <a:srgbClr val="FF0000"/>
+                </a:solidFill>
+              </a:rPr>
+              <a:t>) :</a:t>
+            </a:r>
+          </a:p>
+          <a:p>
+            <a:r>
+              <a:rPr lang="en-US" sz="1400" dirty="0" smtClean="0">
+                <a:solidFill>
+                  <a:srgbClr val="FF0000"/>
+                </a:solidFill>
+              </a:rPr>
+              <a:t>    print</a:t>
+            </a:r>
+            <a:r>
+              <a:rPr lang="en-US" sz="1400" dirty="0">
+                <a:solidFill>
+                  <a:srgbClr val="FF0000"/>
+                </a:solidFill>
+              </a:rPr>
+              <a:t>("Count </a:t>
+            </a:r>
+            <a:r>
+              <a:rPr lang="en-US" sz="1400" dirty="0" err="1">
+                <a:solidFill>
+                  <a:srgbClr val="FF0000"/>
+                </a:solidFill>
+              </a:rPr>
+              <a:t>is",count</a:t>
+            </a:r>
+            <a:r>
+              <a:rPr lang="en-US" sz="1400" dirty="0">
+                <a:solidFill>
+                  <a:srgbClr val="FF0000"/>
+                </a:solidFill>
+              </a:rPr>
+              <a:t>)</a:t>
+            </a:r>
+          </a:p>
+          <a:p>
+            <a:r>
+              <a:rPr lang="en-US" sz="1400" dirty="0" smtClean="0">
+                <a:solidFill>
+                  <a:srgbClr val="FF0000"/>
+                </a:solidFill>
+              </a:rPr>
+              <a:t>    if </a:t>
+            </a:r>
+            <a:r>
+              <a:rPr lang="en-US" sz="1400" dirty="0">
+                <a:solidFill>
+                  <a:srgbClr val="FF0000"/>
+                </a:solidFill>
+              </a:rPr>
+              <a:t>(count &gt;= 10) :</a:t>
+            </a:r>
+          </a:p>
+          <a:p>
+            <a:r>
+              <a:rPr lang="en-US" sz="1400" dirty="0" smtClean="0">
+                <a:solidFill>
+                  <a:srgbClr val="FF0000"/>
+                </a:solidFill>
+              </a:rPr>
+              <a:t>        </a:t>
+            </a:r>
+            <a:r>
+              <a:rPr lang="en-US" sz="1400" dirty="0" smtClean="0">
+                <a:solidFill>
+                  <a:srgbClr val="0070C0"/>
+                </a:solidFill>
+              </a:rPr>
+              <a:t>break</a:t>
+            </a:r>
+            <a:endParaRPr lang="en-US" sz="1400" dirty="0">
+              <a:solidFill>
+                <a:srgbClr val="0070C0"/>
+              </a:solidFill>
+            </a:endParaRPr>
+          </a:p>
+          <a:p>
+            <a:r>
+              <a:rPr lang="en-US" sz="1400" dirty="0" smtClean="0">
+                <a:solidFill>
+                  <a:srgbClr val="FF0000"/>
+                </a:solidFill>
+              </a:rPr>
+              <a:t>    else </a:t>
+            </a:r>
+            <a:r>
+              <a:rPr lang="en-US" sz="1400" dirty="0">
+                <a:solidFill>
+                  <a:srgbClr val="FF0000"/>
+                </a:solidFill>
+              </a:rPr>
+              <a:t>:</a:t>
+            </a:r>
+          </a:p>
+          <a:p>
+            <a:r>
+              <a:rPr lang="en-US" sz="1400" dirty="0" smtClean="0">
+                <a:solidFill>
+                  <a:srgbClr val="FF0000"/>
+                </a:solidFill>
+              </a:rPr>
+              <a:t>        count </a:t>
+            </a:r>
+            <a:r>
+              <a:rPr lang="en-US" sz="1400" dirty="0">
+                <a:solidFill>
+                  <a:srgbClr val="FF0000"/>
+                </a:solidFill>
+              </a:rPr>
+              <a:t>= count + 1</a:t>
+            </a:r>
+          </a:p>
+          <a:p>
+            <a:endParaRPr lang="en-US" sz="1400" dirty="0">
+              <a:solidFill>
+                <a:srgbClr val="FF0000"/>
+              </a:solidFill>
+            </a:endParaRPr>
           </a:p>
         </p:txBody>
       </p:sp>
     </p:spTree>
     <p:extLst>
       <p:ext uri="{BB962C8B-B14F-4D97-AF65-F5344CB8AC3E}">
-        <p14:creationId xmlns:p14="http://schemas.microsoft.com/office/powerpoint/2010/main" val="3563411616"/>
+        <p14:creationId xmlns:p14="http://schemas.microsoft.com/office/powerpoint/2010/main" val="935304306"/>
       </p:ext>
     </p:extLst>
   </p:cSld>
@@ -3522,7 +6471,7 @@
       </p:grpSpPr>
       <p:sp>
         <p:nvSpPr>
-          <p:cNvPr id="2" name="Title 1"/>
+          <p:cNvPr id="4" name="Title 3"/>
           <p:cNvSpPr>
             <a:spLocks noGrp="1"/>
           </p:cNvSpPr>
@@ -3537,7 +6486,7 @@
           <a:p>
             <a:r>
               <a:rPr lang="en-CA" dirty="0" smtClean="0"/>
-              <a:t>Lists &amp; Python Control</a:t>
+              <a:t>String Data Type</a:t>
             </a:r>
             <a:endParaRPr lang="en-US" dirty="0"/>
           </a:p>
@@ -3545,12 +6494,12 @@
       </p:sp>
       <p:sp>
         <p:nvSpPr>
-          <p:cNvPr id="3" name="Content Placeholder 2"/>
+          <p:cNvPr id="5" name="Text Placeholder 4"/>
           <p:cNvSpPr>
             <a:spLocks noGrp="1"/>
           </p:cNvSpPr>
           <p:nvPr>
-            <p:ph idx="1"/>
+            <p:ph type="body" idx="1"/>
           </p:nvPr>
         </p:nvSpPr>
         <p:spPr/>
@@ -3558,14 +6507,18 @@
           <a:bodyPr/>
           <a:lstStyle/>
           <a:p>
-            <a:endParaRPr lang="en-US"/>
+            <a:r>
+              <a:rPr lang="en-CA" dirty="0" smtClean="0"/>
+              <a:t>Text and character variable values</a:t>
+            </a:r>
+            <a:endParaRPr lang="en-US" dirty="0"/>
           </a:p>
         </p:txBody>
       </p:sp>
     </p:spTree>
     <p:extLst>
       <p:ext uri="{BB962C8B-B14F-4D97-AF65-F5344CB8AC3E}">
-        <p14:creationId xmlns:p14="http://schemas.microsoft.com/office/powerpoint/2010/main" val="948934853"/>
+        <p14:creationId xmlns:p14="http://schemas.microsoft.com/office/powerpoint/2010/main" val="3114637332"/>
       </p:ext>
     </p:extLst>
   </p:cSld>
@@ -3633,6 +6586,903 @@
     </p:spTree>
     <p:extLst>
       <p:ext uri="{BB962C8B-B14F-4D97-AF65-F5344CB8AC3E}">
+        <p14:creationId xmlns:p14="http://schemas.microsoft.com/office/powerpoint/2010/main" val="2395335436"/>
+      </p:ext>
+    </p:extLst>
+  </p:cSld>
+  <p:clrMapOvr>
+    <a:masterClrMapping/>
+  </p:clrMapOvr>
+</p:sld>
+</file>
+
+<file path=ppt/slides/slide18.xml><?xml version="1.0" encoding="utf-8"?>
+<p:sld xmlns:a="http://schemas.openxmlformats.org/drawingml/2006/main" xmlns:r="http://schemas.openxmlformats.org/officeDocument/2006/relationships" xmlns:p="http://schemas.openxmlformats.org/presentationml/2006/main">
+  <p:cSld>
+    <p:spTree>
+      <p:nvGrpSpPr>
+        <p:cNvPr id="1" name=""/>
+        <p:cNvGrpSpPr/>
+        <p:nvPr/>
+      </p:nvGrpSpPr>
+      <p:grpSpPr>
+        <a:xfrm>
+          <a:off x="0" y="0"/>
+          <a:ext cx="0" cy="0"/>
+          <a:chOff x="0" y="0"/>
+          <a:chExt cx="0" cy="0"/>
+        </a:xfrm>
+      </p:grpSpPr>
+      <p:sp>
+        <p:nvSpPr>
+          <p:cNvPr id="2" name="Title 1"/>
+          <p:cNvSpPr>
+            <a:spLocks noGrp="1"/>
+          </p:cNvSpPr>
+          <p:nvPr>
+            <p:ph type="title"/>
+          </p:nvPr>
+        </p:nvSpPr>
+        <p:spPr/>
+        <p:txBody>
+          <a:bodyPr/>
+          <a:lstStyle/>
+          <a:p>
+            <a:r>
+              <a:rPr lang="en-CA" dirty="0" smtClean="0"/>
+              <a:t>String Variable Type</a:t>
+            </a:r>
+            <a:endParaRPr lang="en-US" dirty="0"/>
+          </a:p>
+        </p:txBody>
+      </p:sp>
+      <p:sp>
+        <p:nvSpPr>
+          <p:cNvPr id="3" name="Content Placeholder 2"/>
+          <p:cNvSpPr>
+            <a:spLocks noGrp="1"/>
+          </p:cNvSpPr>
+          <p:nvPr>
+            <p:ph idx="1"/>
+          </p:nvPr>
+        </p:nvSpPr>
+        <p:spPr/>
+        <p:txBody>
+          <a:bodyPr/>
+          <a:lstStyle/>
+          <a:p>
+            <a:r>
+              <a:rPr lang="en-CA" dirty="0" smtClean="0"/>
+              <a:t>While</a:t>
+            </a:r>
+          </a:p>
+          <a:p>
+            <a:r>
+              <a:rPr lang="en-CA" dirty="0" smtClean="0"/>
+              <a:t>break</a:t>
+            </a:r>
+            <a:endParaRPr lang="en-US" dirty="0"/>
+          </a:p>
+        </p:txBody>
+      </p:sp>
+    </p:spTree>
+    <p:extLst>
+      <p:ext uri="{BB962C8B-B14F-4D97-AF65-F5344CB8AC3E}">
+        <p14:creationId xmlns:p14="http://schemas.microsoft.com/office/powerpoint/2010/main" val="805878361"/>
+      </p:ext>
+    </p:extLst>
+  </p:cSld>
+  <p:clrMapOvr>
+    <a:masterClrMapping/>
+  </p:clrMapOvr>
+</p:sld>
+</file>
+
+<file path=ppt/slides/slide19.xml><?xml version="1.0" encoding="utf-8"?>
+<p:sld xmlns:a="http://schemas.openxmlformats.org/drawingml/2006/main" xmlns:r="http://schemas.openxmlformats.org/officeDocument/2006/relationships" xmlns:p="http://schemas.openxmlformats.org/presentationml/2006/main">
+  <p:cSld>
+    <p:spTree>
+      <p:nvGrpSpPr>
+        <p:cNvPr id="1" name=""/>
+        <p:cNvGrpSpPr/>
+        <p:nvPr/>
+      </p:nvGrpSpPr>
+      <p:grpSpPr>
+        <a:xfrm>
+          <a:off x="0" y="0"/>
+          <a:ext cx="0" cy="0"/>
+          <a:chOff x="0" y="0"/>
+          <a:chExt cx="0" cy="0"/>
+        </a:xfrm>
+      </p:grpSpPr>
+      <p:sp>
+        <p:nvSpPr>
+          <p:cNvPr id="2" name="Title 1"/>
+          <p:cNvSpPr>
+            <a:spLocks noGrp="1"/>
+          </p:cNvSpPr>
+          <p:nvPr>
+            <p:ph type="title"/>
+          </p:nvPr>
+        </p:nvSpPr>
+        <p:spPr/>
+        <p:txBody>
+          <a:bodyPr/>
+          <a:lstStyle/>
+          <a:p>
+            <a:r>
+              <a:rPr lang="en-CA" dirty="0" smtClean="0"/>
+              <a:t>Booleans &amp; Python Control</a:t>
+            </a:r>
+            <a:endParaRPr lang="en-US" dirty="0"/>
+          </a:p>
+        </p:txBody>
+      </p:sp>
+      <p:sp>
+        <p:nvSpPr>
+          <p:cNvPr id="3" name="Content Placeholder 2"/>
+          <p:cNvSpPr>
+            <a:spLocks noGrp="1"/>
+          </p:cNvSpPr>
+          <p:nvPr>
+            <p:ph idx="1"/>
+          </p:nvPr>
+        </p:nvSpPr>
+        <p:spPr/>
+        <p:txBody>
+          <a:bodyPr/>
+          <a:lstStyle/>
+          <a:p>
+            <a:endParaRPr lang="en-US"/>
+          </a:p>
+        </p:txBody>
+      </p:sp>
+    </p:spTree>
+    <p:extLst>
+      <p:ext uri="{BB962C8B-B14F-4D97-AF65-F5344CB8AC3E}">
+        <p14:creationId xmlns:p14="http://schemas.microsoft.com/office/powerpoint/2010/main" val="2687704567"/>
+      </p:ext>
+    </p:extLst>
+  </p:cSld>
+  <p:clrMapOvr>
+    <a:masterClrMapping/>
+  </p:clrMapOvr>
+</p:sld>
+</file>
+
+<file path=ppt/slides/slide2.xml><?xml version="1.0" encoding="utf-8"?>
+<p:sld xmlns:a="http://schemas.openxmlformats.org/drawingml/2006/main" xmlns:r="http://schemas.openxmlformats.org/officeDocument/2006/relationships" xmlns:p="http://schemas.openxmlformats.org/presentationml/2006/main">
+  <p:cSld>
+    <p:spTree>
+      <p:nvGrpSpPr>
+        <p:cNvPr id="1" name=""/>
+        <p:cNvGrpSpPr/>
+        <p:nvPr/>
+      </p:nvGrpSpPr>
+      <p:grpSpPr>
+        <a:xfrm>
+          <a:off x="0" y="0"/>
+          <a:ext cx="0" cy="0"/>
+          <a:chOff x="0" y="0"/>
+          <a:chExt cx="0" cy="0"/>
+        </a:xfrm>
+      </p:grpSpPr>
+      <p:sp>
+        <p:nvSpPr>
+          <p:cNvPr id="2" name="Title 1"/>
+          <p:cNvSpPr>
+            <a:spLocks noGrp="1"/>
+          </p:cNvSpPr>
+          <p:nvPr>
+            <p:ph type="title"/>
+          </p:nvPr>
+        </p:nvSpPr>
+        <p:spPr/>
+        <p:txBody>
+          <a:bodyPr/>
+          <a:lstStyle/>
+          <a:p>
+            <a:r>
+              <a:rPr lang="en-CA" dirty="0" smtClean="0"/>
+              <a:t>Python Data Types</a:t>
+            </a:r>
+            <a:endParaRPr lang="en-US" dirty="0"/>
+          </a:p>
+        </p:txBody>
+      </p:sp>
+      <p:sp>
+        <p:nvSpPr>
+          <p:cNvPr id="3" name="Content Placeholder 2"/>
+          <p:cNvSpPr>
+            <a:spLocks noGrp="1"/>
+          </p:cNvSpPr>
+          <p:nvPr>
+            <p:ph idx="1"/>
+          </p:nvPr>
+        </p:nvSpPr>
+        <p:spPr>
+          <a:xfrm>
+            <a:off x="628650" y="1825625"/>
+            <a:ext cx="5436870" cy="4351338"/>
+          </a:xfrm>
+        </p:spPr>
+        <p:txBody>
+          <a:bodyPr>
+            <a:normAutofit fontScale="85000" lnSpcReduction="20000"/>
+          </a:bodyPr>
+          <a:lstStyle/>
+          <a:p>
+            <a:r>
+              <a:rPr lang="en-CA" dirty="0" smtClean="0"/>
+              <a:t>Programs need to deal </a:t>
+            </a:r>
+            <a:r>
+              <a:rPr lang="en-CA" dirty="0"/>
+              <a:t>with more than just simple </a:t>
+            </a:r>
+            <a:r>
+              <a:rPr lang="en-CA" dirty="0" smtClean="0"/>
+              <a:t>numbers to be useful.</a:t>
+            </a:r>
+          </a:p>
+          <a:p>
+            <a:endParaRPr lang="en-CA" dirty="0"/>
+          </a:p>
+          <a:p>
+            <a:r>
+              <a:rPr lang="en-CA" dirty="0"/>
+              <a:t>Python programs can handle a number of </a:t>
+            </a:r>
+            <a:r>
+              <a:rPr lang="en-CA" dirty="0" smtClean="0"/>
+              <a:t>different data types and variables:</a:t>
+            </a:r>
+          </a:p>
+          <a:p>
+            <a:pPr lvl="1"/>
+            <a:r>
+              <a:rPr lang="en-CA" dirty="0" err="1"/>
+              <a:t>i</a:t>
+            </a:r>
+            <a:r>
+              <a:rPr lang="en-CA" dirty="0" err="1" smtClean="0"/>
+              <a:t>nt</a:t>
+            </a:r>
+            <a:r>
+              <a:rPr lang="en-CA" dirty="0" smtClean="0"/>
+              <a:t> 	- For whole numbers</a:t>
+            </a:r>
+          </a:p>
+          <a:p>
+            <a:pPr lvl="1"/>
+            <a:r>
+              <a:rPr lang="en-CA" dirty="0" smtClean="0"/>
+              <a:t>float	- For decimal numbers</a:t>
+            </a:r>
+          </a:p>
+          <a:p>
+            <a:pPr lvl="1"/>
+            <a:r>
+              <a:rPr lang="en-CA" dirty="0" smtClean="0"/>
+              <a:t>bool	- For True / False decisions</a:t>
+            </a:r>
+          </a:p>
+          <a:p>
+            <a:pPr lvl="1"/>
+            <a:r>
+              <a:rPr lang="en-CA" dirty="0" err="1" smtClean="0"/>
+              <a:t>str</a:t>
+            </a:r>
+            <a:r>
+              <a:rPr lang="en-CA" dirty="0" smtClean="0"/>
+              <a:t>	- For text messages</a:t>
+            </a:r>
+          </a:p>
+          <a:p>
+            <a:pPr lvl="1"/>
+            <a:r>
+              <a:rPr lang="en-CA" dirty="0" smtClean="0"/>
+              <a:t>list	- For collections of related items</a:t>
+            </a:r>
+          </a:p>
+          <a:p>
+            <a:pPr marL="457200" lvl="1" indent="0">
+              <a:buNone/>
+            </a:pPr>
+            <a:r>
+              <a:rPr lang="en-CA" dirty="0" smtClean="0"/>
+              <a:t>	</a:t>
+            </a:r>
+          </a:p>
+          <a:p>
+            <a:r>
+              <a:rPr lang="en-CA" dirty="0" smtClean="0"/>
+              <a:t>Try the "type()" commands listed in the sample program on the right</a:t>
+            </a:r>
+            <a:endParaRPr lang="en-US" dirty="0"/>
+          </a:p>
+          <a:p>
+            <a:endParaRPr lang="en-US" dirty="0"/>
+          </a:p>
+        </p:txBody>
+      </p:sp>
+      <p:sp>
+        <p:nvSpPr>
+          <p:cNvPr id="5" name="TextBox 4"/>
+          <p:cNvSpPr txBox="1"/>
+          <p:nvPr/>
+        </p:nvSpPr>
+        <p:spPr>
+          <a:xfrm>
+            <a:off x="6376368" y="2985631"/>
+            <a:ext cx="2431456" cy="2031325"/>
+          </a:xfrm>
+          <a:prstGeom prst="rect">
+            <a:avLst/>
+          </a:prstGeom>
+          <a:noFill/>
+          <a:ln>
+            <a:solidFill>
+              <a:srgbClr val="FF0000"/>
+            </a:solidFill>
+          </a:ln>
+        </p:spPr>
+        <p:txBody>
+          <a:bodyPr wrap="square" rtlCol="0">
+            <a:spAutoFit/>
+          </a:bodyPr>
+          <a:lstStyle/>
+          <a:p>
+            <a:r>
+              <a:rPr lang="en-US" b="1" u="sng" dirty="0" smtClean="0">
+                <a:latin typeface="Arial" panose="020B0604020202020204" pitchFamily="34" charset="0"/>
+                <a:cs typeface="Arial" panose="020B0604020202020204" pitchFamily="34" charset="0"/>
+              </a:rPr>
+              <a:t>Sample Program:</a:t>
+            </a:r>
+          </a:p>
+          <a:p>
+            <a:endParaRPr lang="en-US" sz="1400" dirty="0">
+              <a:solidFill>
+                <a:srgbClr val="FF0000"/>
+              </a:solidFill>
+              <a:latin typeface="Arial" panose="020B0604020202020204" pitchFamily="34" charset="0"/>
+              <a:cs typeface="Arial" panose="020B0604020202020204" pitchFamily="34" charset="0"/>
+            </a:endParaRPr>
+          </a:p>
+          <a:p>
+            <a:r>
+              <a:rPr lang="nb-NO" sz="1600" dirty="0">
+                <a:solidFill>
+                  <a:srgbClr val="FF0000"/>
+                </a:solidFill>
+                <a:latin typeface="Arial" panose="020B0604020202020204" pitchFamily="34" charset="0"/>
+                <a:cs typeface="Arial" panose="020B0604020202020204" pitchFamily="34" charset="0"/>
+              </a:rPr>
+              <a:t>print(type(2))</a:t>
+            </a:r>
+          </a:p>
+          <a:p>
+            <a:r>
+              <a:rPr lang="nb-NO" sz="1600" dirty="0">
+                <a:solidFill>
+                  <a:srgbClr val="FF0000"/>
+                </a:solidFill>
+                <a:latin typeface="Arial" panose="020B0604020202020204" pitchFamily="34" charset="0"/>
+                <a:cs typeface="Arial" panose="020B0604020202020204" pitchFamily="34" charset="0"/>
+              </a:rPr>
+              <a:t>print(type(2.0))</a:t>
+            </a:r>
+          </a:p>
+          <a:p>
+            <a:r>
+              <a:rPr lang="nb-NO" sz="1600" dirty="0">
+                <a:solidFill>
+                  <a:srgbClr val="FF0000"/>
+                </a:solidFill>
+                <a:latin typeface="Arial" panose="020B0604020202020204" pitchFamily="34" charset="0"/>
+                <a:cs typeface="Arial" panose="020B0604020202020204" pitchFamily="34" charset="0"/>
+              </a:rPr>
+              <a:t>print(type(True))</a:t>
+            </a:r>
+          </a:p>
+          <a:p>
+            <a:r>
+              <a:rPr lang="nb-NO" sz="1600" dirty="0">
+                <a:solidFill>
+                  <a:srgbClr val="FF0000"/>
+                </a:solidFill>
+                <a:latin typeface="Arial" panose="020B0604020202020204" pitchFamily="34" charset="0"/>
+                <a:cs typeface="Arial" panose="020B0604020202020204" pitchFamily="34" charset="0"/>
+              </a:rPr>
+              <a:t>print(type("Hello"))</a:t>
+            </a:r>
+          </a:p>
+          <a:p>
+            <a:r>
+              <a:rPr lang="nb-NO" sz="1600" dirty="0">
+                <a:solidFill>
+                  <a:srgbClr val="FF0000"/>
+                </a:solidFill>
+                <a:latin typeface="Arial" panose="020B0604020202020204" pitchFamily="34" charset="0"/>
+                <a:cs typeface="Arial" panose="020B0604020202020204" pitchFamily="34" charset="0"/>
+              </a:rPr>
+              <a:t>print(type([2,3]))</a:t>
+            </a:r>
+          </a:p>
+          <a:p>
+            <a:endParaRPr lang="en-US" sz="1400" dirty="0">
+              <a:solidFill>
+                <a:srgbClr val="FF0000"/>
+              </a:solidFill>
+              <a:latin typeface="Arial" panose="020B0604020202020204" pitchFamily="34" charset="0"/>
+              <a:cs typeface="Arial" panose="020B0604020202020204" pitchFamily="34" charset="0"/>
+            </a:endParaRPr>
+          </a:p>
+        </p:txBody>
+      </p:sp>
+      <p:pic>
+        <p:nvPicPr>
+          <p:cNvPr id="4" name="Picture 3"/>
+          <p:cNvPicPr>
+            <a:picLocks noChangeAspect="1"/>
+          </p:cNvPicPr>
+          <p:nvPr/>
+        </p:nvPicPr>
+        <p:blipFill>
+          <a:blip r:embed="rId2"/>
+          <a:stretch>
+            <a:fillRect/>
+          </a:stretch>
+        </p:blipFill>
+        <p:spPr>
+          <a:xfrm>
+            <a:off x="6376368" y="147970"/>
+            <a:ext cx="2318930" cy="2284319"/>
+          </a:xfrm>
+          <a:prstGeom prst="rect">
+            <a:avLst/>
+          </a:prstGeom>
+        </p:spPr>
+      </p:pic>
+    </p:spTree>
+    <p:extLst>
+      <p:ext uri="{BB962C8B-B14F-4D97-AF65-F5344CB8AC3E}">
+        <p14:creationId xmlns:p14="http://schemas.microsoft.com/office/powerpoint/2010/main" val="1348304585"/>
+      </p:ext>
+    </p:extLst>
+  </p:cSld>
+  <p:clrMapOvr>
+    <a:masterClrMapping/>
+  </p:clrMapOvr>
+  <p:timing>
+    <p:tnLst>
+      <p:par>
+        <p:cTn id="1" dur="indefinite" restart="never" nodeType="tmRoot"/>
+      </p:par>
+    </p:tnLst>
+  </p:timing>
+</p:sld>
+</file>
+
+<file path=ppt/slides/slide20.xml><?xml version="1.0" encoding="utf-8"?>
+<p:sld xmlns:a="http://schemas.openxmlformats.org/drawingml/2006/main" xmlns:r="http://schemas.openxmlformats.org/officeDocument/2006/relationships" xmlns:p="http://schemas.openxmlformats.org/presentationml/2006/main">
+  <p:cSld>
+    <p:spTree>
+      <p:nvGrpSpPr>
+        <p:cNvPr id="1" name=""/>
+        <p:cNvGrpSpPr/>
+        <p:nvPr/>
+      </p:nvGrpSpPr>
+      <p:grpSpPr>
+        <a:xfrm>
+          <a:off x="0" y="0"/>
+          <a:ext cx="0" cy="0"/>
+          <a:chOff x="0" y="0"/>
+          <a:chExt cx="0" cy="0"/>
+        </a:xfrm>
+      </p:grpSpPr>
+      <p:sp>
+        <p:nvSpPr>
+          <p:cNvPr id="2" name="Title 1"/>
+          <p:cNvSpPr>
+            <a:spLocks noGrp="1"/>
+          </p:cNvSpPr>
+          <p:nvPr>
+            <p:ph type="title"/>
+          </p:nvPr>
+        </p:nvSpPr>
+        <p:spPr/>
+        <p:txBody>
+          <a:bodyPr/>
+          <a:lstStyle/>
+          <a:p>
+            <a:r>
+              <a:rPr lang="en-CA" dirty="0" smtClean="0"/>
+              <a:t>String Operators</a:t>
+            </a:r>
+            <a:endParaRPr lang="en-US" dirty="0"/>
+          </a:p>
+        </p:txBody>
+      </p:sp>
+      <p:sp>
+        <p:nvSpPr>
+          <p:cNvPr id="3" name="Content Placeholder 2"/>
+          <p:cNvSpPr>
+            <a:spLocks noGrp="1"/>
+          </p:cNvSpPr>
+          <p:nvPr>
+            <p:ph idx="1"/>
+          </p:nvPr>
+        </p:nvSpPr>
+        <p:spPr/>
+        <p:txBody>
+          <a:bodyPr/>
+          <a:lstStyle/>
+          <a:p>
+            <a:endParaRPr lang="en-US"/>
+          </a:p>
+        </p:txBody>
+      </p:sp>
+    </p:spTree>
+    <p:extLst>
+      <p:ext uri="{BB962C8B-B14F-4D97-AF65-F5344CB8AC3E}">
+        <p14:creationId xmlns:p14="http://schemas.microsoft.com/office/powerpoint/2010/main" val="3870084472"/>
+      </p:ext>
+    </p:extLst>
+  </p:cSld>
+  <p:clrMapOvr>
+    <a:masterClrMapping/>
+  </p:clrMapOvr>
+</p:sld>
+</file>
+
+<file path=ppt/slides/slide21.xml><?xml version="1.0" encoding="utf-8"?>
+<p:sld xmlns:a="http://schemas.openxmlformats.org/drawingml/2006/main" xmlns:r="http://schemas.openxmlformats.org/officeDocument/2006/relationships" xmlns:p="http://schemas.openxmlformats.org/presentationml/2006/main">
+  <p:cSld>
+    <p:spTree>
+      <p:nvGrpSpPr>
+        <p:cNvPr id="1" name=""/>
+        <p:cNvGrpSpPr/>
+        <p:nvPr/>
+      </p:nvGrpSpPr>
+      <p:grpSpPr>
+        <a:xfrm>
+          <a:off x="0" y="0"/>
+          <a:ext cx="0" cy="0"/>
+          <a:chOff x="0" y="0"/>
+          <a:chExt cx="0" cy="0"/>
+        </a:xfrm>
+      </p:grpSpPr>
+      <p:sp>
+        <p:nvSpPr>
+          <p:cNvPr id="2" name="Title 1"/>
+          <p:cNvSpPr>
+            <a:spLocks noGrp="1"/>
+          </p:cNvSpPr>
+          <p:nvPr>
+            <p:ph type="title"/>
+          </p:nvPr>
+        </p:nvSpPr>
+        <p:spPr/>
+        <p:txBody>
+          <a:bodyPr/>
+          <a:lstStyle/>
+          <a:p>
+            <a:r>
+              <a:rPr lang="en-CA" dirty="0" smtClean="0"/>
+              <a:t>Strings &amp; Python Control</a:t>
+            </a:r>
+            <a:endParaRPr lang="en-US" dirty="0"/>
+          </a:p>
+        </p:txBody>
+      </p:sp>
+      <p:sp>
+        <p:nvSpPr>
+          <p:cNvPr id="3" name="Content Placeholder 2"/>
+          <p:cNvSpPr>
+            <a:spLocks noGrp="1"/>
+          </p:cNvSpPr>
+          <p:nvPr>
+            <p:ph idx="1"/>
+          </p:nvPr>
+        </p:nvSpPr>
+        <p:spPr/>
+        <p:txBody>
+          <a:bodyPr/>
+          <a:lstStyle/>
+          <a:p>
+            <a:endParaRPr lang="en-US"/>
+          </a:p>
+        </p:txBody>
+      </p:sp>
+    </p:spTree>
+    <p:extLst>
+      <p:ext uri="{BB962C8B-B14F-4D97-AF65-F5344CB8AC3E}">
+        <p14:creationId xmlns:p14="http://schemas.microsoft.com/office/powerpoint/2010/main" val="1666022590"/>
+      </p:ext>
+    </p:extLst>
+  </p:cSld>
+  <p:clrMapOvr>
+    <a:masterClrMapping/>
+  </p:clrMapOvr>
+</p:sld>
+</file>
+
+<file path=ppt/slides/slide22.xml><?xml version="1.0" encoding="utf-8"?>
+<p:sld xmlns:a="http://schemas.openxmlformats.org/drawingml/2006/main" xmlns:r="http://schemas.openxmlformats.org/officeDocument/2006/relationships" xmlns:p="http://schemas.openxmlformats.org/presentationml/2006/main">
+  <p:cSld>
+    <p:spTree>
+      <p:nvGrpSpPr>
+        <p:cNvPr id="1" name=""/>
+        <p:cNvGrpSpPr/>
+        <p:nvPr/>
+      </p:nvGrpSpPr>
+      <p:grpSpPr>
+        <a:xfrm>
+          <a:off x="0" y="0"/>
+          <a:ext cx="0" cy="0"/>
+          <a:chOff x="0" y="0"/>
+          <a:chExt cx="0" cy="0"/>
+        </a:xfrm>
+      </p:grpSpPr>
+      <p:sp>
+        <p:nvSpPr>
+          <p:cNvPr id="2" name="Title 1"/>
+          <p:cNvSpPr>
+            <a:spLocks noGrp="1"/>
+          </p:cNvSpPr>
+          <p:nvPr>
+            <p:ph type="title"/>
+          </p:nvPr>
+        </p:nvSpPr>
+        <p:spPr/>
+        <p:txBody>
+          <a:bodyPr/>
+          <a:lstStyle/>
+          <a:p>
+            <a:r>
+              <a:rPr lang="en-CA" dirty="0" smtClean="0"/>
+              <a:t>List Variable Type</a:t>
+            </a:r>
+            <a:endParaRPr lang="en-US" dirty="0"/>
+          </a:p>
+        </p:txBody>
+      </p:sp>
+      <p:sp>
+        <p:nvSpPr>
+          <p:cNvPr id="3" name="Content Placeholder 2"/>
+          <p:cNvSpPr>
+            <a:spLocks noGrp="1"/>
+          </p:cNvSpPr>
+          <p:nvPr>
+            <p:ph idx="1"/>
+          </p:nvPr>
+        </p:nvSpPr>
+        <p:spPr/>
+        <p:txBody>
+          <a:bodyPr/>
+          <a:lstStyle/>
+          <a:p>
+            <a:endParaRPr lang="en-US"/>
+          </a:p>
+        </p:txBody>
+      </p:sp>
+    </p:spTree>
+    <p:extLst>
+      <p:ext uri="{BB962C8B-B14F-4D97-AF65-F5344CB8AC3E}">
+        <p14:creationId xmlns:p14="http://schemas.microsoft.com/office/powerpoint/2010/main" val="3794718031"/>
+      </p:ext>
+    </p:extLst>
+  </p:cSld>
+  <p:clrMapOvr>
+    <a:masterClrMapping/>
+  </p:clrMapOvr>
+</p:sld>
+</file>
+
+<file path=ppt/slides/slide23.xml><?xml version="1.0" encoding="utf-8"?>
+<p:sld xmlns:a="http://schemas.openxmlformats.org/drawingml/2006/main" xmlns:r="http://schemas.openxmlformats.org/officeDocument/2006/relationships" xmlns:p="http://schemas.openxmlformats.org/presentationml/2006/main">
+  <p:cSld>
+    <p:spTree>
+      <p:nvGrpSpPr>
+        <p:cNvPr id="1" name=""/>
+        <p:cNvGrpSpPr/>
+        <p:nvPr/>
+      </p:nvGrpSpPr>
+      <p:grpSpPr>
+        <a:xfrm>
+          <a:off x="0" y="0"/>
+          <a:ext cx="0" cy="0"/>
+          <a:chOff x="0" y="0"/>
+          <a:chExt cx="0" cy="0"/>
+        </a:xfrm>
+      </p:grpSpPr>
+      <p:sp>
+        <p:nvSpPr>
+          <p:cNvPr id="2" name="Title 1"/>
+          <p:cNvSpPr>
+            <a:spLocks noGrp="1"/>
+          </p:cNvSpPr>
+          <p:nvPr>
+            <p:ph type="title"/>
+          </p:nvPr>
+        </p:nvSpPr>
+        <p:spPr/>
+        <p:txBody>
+          <a:bodyPr/>
+          <a:lstStyle/>
+          <a:p>
+            <a:r>
+              <a:rPr lang="en-CA" dirty="0" smtClean="0"/>
+              <a:t>List Operators</a:t>
+            </a:r>
+            <a:endParaRPr lang="en-US" dirty="0"/>
+          </a:p>
+        </p:txBody>
+      </p:sp>
+      <p:sp>
+        <p:nvSpPr>
+          <p:cNvPr id="3" name="Content Placeholder 2"/>
+          <p:cNvSpPr>
+            <a:spLocks noGrp="1"/>
+          </p:cNvSpPr>
+          <p:nvPr>
+            <p:ph idx="1"/>
+          </p:nvPr>
+        </p:nvSpPr>
+        <p:spPr/>
+        <p:txBody>
+          <a:bodyPr/>
+          <a:lstStyle/>
+          <a:p>
+            <a:endParaRPr lang="en-US"/>
+          </a:p>
+        </p:txBody>
+      </p:sp>
+    </p:spTree>
+    <p:extLst>
+      <p:ext uri="{BB962C8B-B14F-4D97-AF65-F5344CB8AC3E}">
+        <p14:creationId xmlns:p14="http://schemas.microsoft.com/office/powerpoint/2010/main" val="3563411616"/>
+      </p:ext>
+    </p:extLst>
+  </p:cSld>
+  <p:clrMapOvr>
+    <a:masterClrMapping/>
+  </p:clrMapOvr>
+</p:sld>
+</file>
+
+<file path=ppt/slides/slide24.xml><?xml version="1.0" encoding="utf-8"?>
+<p:sld xmlns:a="http://schemas.openxmlformats.org/drawingml/2006/main" xmlns:r="http://schemas.openxmlformats.org/officeDocument/2006/relationships" xmlns:p="http://schemas.openxmlformats.org/presentationml/2006/main">
+  <p:cSld>
+    <p:spTree>
+      <p:nvGrpSpPr>
+        <p:cNvPr id="1" name=""/>
+        <p:cNvGrpSpPr/>
+        <p:nvPr/>
+      </p:nvGrpSpPr>
+      <p:grpSpPr>
+        <a:xfrm>
+          <a:off x="0" y="0"/>
+          <a:ext cx="0" cy="0"/>
+          <a:chOff x="0" y="0"/>
+          <a:chExt cx="0" cy="0"/>
+        </a:xfrm>
+      </p:grpSpPr>
+      <p:sp>
+        <p:nvSpPr>
+          <p:cNvPr id="2" name="Title 1"/>
+          <p:cNvSpPr>
+            <a:spLocks noGrp="1"/>
+          </p:cNvSpPr>
+          <p:nvPr>
+            <p:ph type="title"/>
+          </p:nvPr>
+        </p:nvSpPr>
+        <p:spPr/>
+        <p:txBody>
+          <a:bodyPr/>
+          <a:lstStyle/>
+          <a:p>
+            <a:r>
+              <a:rPr lang="en-CA" dirty="0" smtClean="0"/>
+              <a:t>Lists &amp; Python Control</a:t>
+            </a:r>
+            <a:endParaRPr lang="en-US" dirty="0"/>
+          </a:p>
+        </p:txBody>
+      </p:sp>
+      <p:sp>
+        <p:nvSpPr>
+          <p:cNvPr id="3" name="Content Placeholder 2"/>
+          <p:cNvSpPr>
+            <a:spLocks noGrp="1"/>
+          </p:cNvSpPr>
+          <p:nvPr>
+            <p:ph idx="1"/>
+          </p:nvPr>
+        </p:nvSpPr>
+        <p:spPr/>
+        <p:txBody>
+          <a:bodyPr/>
+          <a:lstStyle/>
+          <a:p>
+            <a:endParaRPr lang="en-US"/>
+          </a:p>
+        </p:txBody>
+      </p:sp>
+    </p:spTree>
+    <p:extLst>
+      <p:ext uri="{BB962C8B-B14F-4D97-AF65-F5344CB8AC3E}">
+        <p14:creationId xmlns:p14="http://schemas.microsoft.com/office/powerpoint/2010/main" val="948934853"/>
+      </p:ext>
+    </p:extLst>
+  </p:cSld>
+  <p:clrMapOvr>
+    <a:masterClrMapping/>
+  </p:clrMapOvr>
+</p:sld>
+</file>
+
+<file path=ppt/slides/slide25.xml><?xml version="1.0" encoding="utf-8"?>
+<p:sld xmlns:a="http://schemas.openxmlformats.org/drawingml/2006/main" xmlns:r="http://schemas.openxmlformats.org/officeDocument/2006/relationships" xmlns:p="http://schemas.openxmlformats.org/presentationml/2006/main">
+  <p:cSld>
+    <p:spTree>
+      <p:nvGrpSpPr>
+        <p:cNvPr id="1" name=""/>
+        <p:cNvGrpSpPr/>
+        <p:nvPr/>
+      </p:nvGrpSpPr>
+      <p:grpSpPr>
+        <a:xfrm>
+          <a:off x="0" y="0"/>
+          <a:ext cx="0" cy="0"/>
+          <a:chOff x="0" y="0"/>
+          <a:chExt cx="0" cy="0"/>
+        </a:xfrm>
+      </p:grpSpPr>
+      <p:sp>
+        <p:nvSpPr>
+          <p:cNvPr id="2" name="Title 1"/>
+          <p:cNvSpPr>
+            <a:spLocks noGrp="1"/>
+          </p:cNvSpPr>
+          <p:nvPr>
+            <p:ph type="title"/>
+          </p:nvPr>
+        </p:nvSpPr>
+        <p:spPr/>
+        <p:txBody>
+          <a:bodyPr/>
+          <a:lstStyle/>
+          <a:p>
+            <a:endParaRPr lang="en-US"/>
+          </a:p>
+        </p:txBody>
+      </p:sp>
+      <p:sp>
+        <p:nvSpPr>
+          <p:cNvPr id="3" name="Content Placeholder 2"/>
+          <p:cNvSpPr>
+            <a:spLocks noGrp="1"/>
+          </p:cNvSpPr>
+          <p:nvPr>
+            <p:ph idx="1"/>
+          </p:nvPr>
+        </p:nvSpPr>
+        <p:spPr/>
+        <p:txBody>
+          <a:bodyPr/>
+          <a:lstStyle/>
+          <a:p>
+            <a:endParaRPr lang="en-US"/>
+          </a:p>
+        </p:txBody>
+      </p:sp>
+    </p:spTree>
+    <p:extLst>
+      <p:ext uri="{BB962C8B-B14F-4D97-AF65-F5344CB8AC3E}">
         <p14:creationId xmlns:p14="http://schemas.microsoft.com/office/powerpoint/2010/main" val="999406540"/>
       </p:ext>
     </p:extLst>
@@ -3643,7 +7493,7 @@
 </p:sld>
 </file>
 
-<file path=ppt/slides/slide18.xml><?xml version="1.0" encoding="utf-8"?>
+<file path=ppt/slides/slide26.xml><?xml version="1.0" encoding="utf-8"?>
 <p:sld xmlns:a="http://schemas.openxmlformats.org/drawingml/2006/main" xmlns:r="http://schemas.openxmlformats.org/officeDocument/2006/relationships" xmlns:p="http://schemas.openxmlformats.org/presentationml/2006/main">
   <p:cSld>
     <p:spTree>
@@ -4071,7 +7921,7 @@
 </p:sld>
 </file>
 
-<file path=ppt/slides/slide19.xml><?xml version="1.0" encoding="utf-8"?>
+<file path=ppt/slides/slide27.xml><?xml version="1.0" encoding="utf-8"?>
 <p:sld xmlns:a="http://schemas.openxmlformats.org/drawingml/2006/main" xmlns:r="http://schemas.openxmlformats.org/officeDocument/2006/relationships" xmlns:p="http://schemas.openxmlformats.org/presentationml/2006/main">
   <p:cSld>
     <p:spTree>
@@ -4592,324 +8442,7 @@
 </p:sld>
 </file>
 
-<file path=ppt/slides/slide2.xml><?xml version="1.0" encoding="utf-8"?>
-<p:sld xmlns:a="http://schemas.openxmlformats.org/drawingml/2006/main" xmlns:r="http://schemas.openxmlformats.org/officeDocument/2006/relationships" xmlns:p="http://schemas.openxmlformats.org/presentationml/2006/main">
-  <p:cSld>
-    <p:spTree>
-      <p:nvGrpSpPr>
-        <p:cNvPr id="1" name=""/>
-        <p:cNvGrpSpPr/>
-        <p:nvPr/>
-      </p:nvGrpSpPr>
-      <p:grpSpPr>
-        <a:xfrm>
-          <a:off x="0" y="0"/>
-          <a:ext cx="0" cy="0"/>
-          <a:chOff x="0" y="0"/>
-          <a:chExt cx="0" cy="0"/>
-        </a:xfrm>
-      </p:grpSpPr>
-      <p:sp>
-        <p:nvSpPr>
-          <p:cNvPr id="2" name="Title 1"/>
-          <p:cNvSpPr>
-            <a:spLocks noGrp="1"/>
-          </p:cNvSpPr>
-          <p:nvPr>
-            <p:ph type="title"/>
-          </p:nvPr>
-        </p:nvSpPr>
-        <p:spPr/>
-        <p:txBody>
-          <a:bodyPr/>
-          <a:lstStyle/>
-          <a:p>
-            <a:r>
-              <a:rPr lang="en-CA" dirty="0" smtClean="0"/>
-              <a:t>Python Data Types</a:t>
-            </a:r>
-            <a:endParaRPr lang="en-US" dirty="0"/>
-          </a:p>
-        </p:txBody>
-      </p:sp>
-      <p:sp>
-        <p:nvSpPr>
-          <p:cNvPr id="3" name="Content Placeholder 2"/>
-          <p:cNvSpPr>
-            <a:spLocks noGrp="1"/>
-          </p:cNvSpPr>
-          <p:nvPr>
-            <p:ph idx="1"/>
-          </p:nvPr>
-        </p:nvSpPr>
-        <p:spPr>
-          <a:xfrm>
-            <a:off x="628650" y="1825625"/>
-            <a:ext cx="5436870" cy="4351338"/>
-          </a:xfrm>
-        </p:spPr>
-        <p:txBody>
-          <a:bodyPr>
-            <a:normAutofit fontScale="85000" lnSpcReduction="20000"/>
-          </a:bodyPr>
-          <a:lstStyle/>
-          <a:p>
-            <a:r>
-              <a:rPr lang="en-CA" dirty="0" smtClean="0"/>
-              <a:t>Programs need to deal </a:t>
-            </a:r>
-            <a:r>
-              <a:rPr lang="en-CA" dirty="0"/>
-              <a:t>with more than just simple </a:t>
-            </a:r>
-            <a:r>
-              <a:rPr lang="en-CA" dirty="0" smtClean="0"/>
-              <a:t>numbers to be useful.</a:t>
-            </a:r>
-            <a:endParaRPr lang="en-CA" dirty="0" smtClean="0"/>
-          </a:p>
-          <a:p>
-            <a:endParaRPr lang="en-CA" dirty="0"/>
-          </a:p>
-          <a:p>
-            <a:r>
-              <a:rPr lang="en-CA" dirty="0"/>
-              <a:t>Python programs can handle a number of </a:t>
-            </a:r>
-            <a:r>
-              <a:rPr lang="en-CA" dirty="0" smtClean="0"/>
-              <a:t>different data types and variables:</a:t>
-            </a:r>
-          </a:p>
-          <a:p>
-            <a:pPr lvl="1"/>
-            <a:r>
-              <a:rPr lang="en-CA" dirty="0" err="1"/>
-              <a:t>i</a:t>
-            </a:r>
-            <a:r>
-              <a:rPr lang="en-CA" dirty="0" err="1" smtClean="0"/>
-              <a:t>nt</a:t>
-            </a:r>
-            <a:r>
-              <a:rPr lang="en-CA" dirty="0" smtClean="0"/>
-              <a:t> 	- For whole numbers</a:t>
-            </a:r>
-          </a:p>
-          <a:p>
-            <a:pPr lvl="1"/>
-            <a:r>
-              <a:rPr lang="en-CA" dirty="0" smtClean="0"/>
-              <a:t>float	- For decimal numbers</a:t>
-            </a:r>
-          </a:p>
-          <a:p>
-            <a:pPr lvl="1"/>
-            <a:r>
-              <a:rPr lang="en-CA" dirty="0" smtClean="0"/>
-              <a:t>bool	- For True / False decisions</a:t>
-            </a:r>
-          </a:p>
-          <a:p>
-            <a:pPr lvl="1"/>
-            <a:r>
-              <a:rPr lang="en-CA" dirty="0" err="1" smtClean="0"/>
-              <a:t>str</a:t>
-            </a:r>
-            <a:r>
-              <a:rPr lang="en-CA" dirty="0" smtClean="0"/>
-              <a:t>	- For text messages</a:t>
-            </a:r>
-          </a:p>
-          <a:p>
-            <a:pPr lvl="1"/>
-            <a:r>
-              <a:rPr lang="en-CA" dirty="0" smtClean="0"/>
-              <a:t>list	- For collections of related items</a:t>
-            </a:r>
-          </a:p>
-          <a:p>
-            <a:pPr marL="457200" lvl="1" indent="0">
-              <a:buNone/>
-            </a:pPr>
-            <a:r>
-              <a:rPr lang="en-CA" dirty="0" smtClean="0"/>
-              <a:t>	</a:t>
-            </a:r>
-          </a:p>
-          <a:p>
-            <a:r>
-              <a:rPr lang="en-CA" dirty="0" smtClean="0"/>
-              <a:t>Try the "type()" commands listed </a:t>
-            </a:r>
-            <a:r>
-              <a:rPr lang="en-CA" dirty="0" smtClean="0"/>
-              <a:t>in the sample program on </a:t>
-            </a:r>
-            <a:r>
-              <a:rPr lang="en-CA" dirty="0" smtClean="0"/>
-              <a:t>the right</a:t>
-            </a:r>
-            <a:endParaRPr lang="en-US" dirty="0"/>
-          </a:p>
-          <a:p>
-            <a:endParaRPr lang="en-US" dirty="0"/>
-          </a:p>
-        </p:txBody>
-      </p:sp>
-      <p:sp>
-        <p:nvSpPr>
-          <p:cNvPr id="5" name="TextBox 4"/>
-          <p:cNvSpPr txBox="1"/>
-          <p:nvPr/>
-        </p:nvSpPr>
-        <p:spPr>
-          <a:xfrm>
-            <a:off x="6376368" y="2985631"/>
-            <a:ext cx="2431456" cy="2031325"/>
-          </a:xfrm>
-          <a:prstGeom prst="rect">
-            <a:avLst/>
-          </a:prstGeom>
-          <a:noFill/>
-          <a:ln>
-            <a:solidFill>
-              <a:srgbClr val="FF0000"/>
-            </a:solidFill>
-          </a:ln>
-        </p:spPr>
-        <p:txBody>
-          <a:bodyPr wrap="square" rtlCol="0">
-            <a:spAutoFit/>
-          </a:bodyPr>
-          <a:lstStyle/>
-          <a:p>
-            <a:r>
-              <a:rPr lang="en-US" b="1" u="sng" dirty="0" smtClean="0">
-                <a:latin typeface="Arial" panose="020B0604020202020204" pitchFamily="34" charset="0"/>
-                <a:cs typeface="Arial" panose="020B0604020202020204" pitchFamily="34" charset="0"/>
-              </a:rPr>
-              <a:t>Sample Program:</a:t>
-            </a:r>
-          </a:p>
-          <a:p>
-            <a:endParaRPr lang="en-US" sz="1400" dirty="0">
-              <a:solidFill>
-                <a:srgbClr val="FF0000"/>
-              </a:solidFill>
-              <a:latin typeface="Arial" panose="020B0604020202020204" pitchFamily="34" charset="0"/>
-              <a:cs typeface="Arial" panose="020B0604020202020204" pitchFamily="34" charset="0"/>
-            </a:endParaRPr>
-          </a:p>
-          <a:p>
-            <a:r>
-              <a:rPr lang="nb-NO" sz="1600" dirty="0">
-                <a:solidFill>
-                  <a:srgbClr val="FF0000"/>
-                </a:solidFill>
-                <a:latin typeface="Arial" panose="020B0604020202020204" pitchFamily="34" charset="0"/>
-                <a:cs typeface="Arial" panose="020B0604020202020204" pitchFamily="34" charset="0"/>
-              </a:rPr>
-              <a:t>print(type(2))</a:t>
-            </a:r>
-          </a:p>
-          <a:p>
-            <a:r>
-              <a:rPr lang="nb-NO" sz="1600" dirty="0">
-                <a:solidFill>
-                  <a:srgbClr val="FF0000"/>
-                </a:solidFill>
-                <a:latin typeface="Arial" panose="020B0604020202020204" pitchFamily="34" charset="0"/>
-                <a:cs typeface="Arial" panose="020B0604020202020204" pitchFamily="34" charset="0"/>
-              </a:rPr>
-              <a:t>print(type(2.0))</a:t>
-            </a:r>
-          </a:p>
-          <a:p>
-            <a:r>
-              <a:rPr lang="nb-NO" sz="1600" dirty="0">
-                <a:solidFill>
-                  <a:srgbClr val="FF0000"/>
-                </a:solidFill>
-                <a:latin typeface="Arial" panose="020B0604020202020204" pitchFamily="34" charset="0"/>
-                <a:cs typeface="Arial" panose="020B0604020202020204" pitchFamily="34" charset="0"/>
-              </a:rPr>
-              <a:t>print(type(True))</a:t>
-            </a:r>
-          </a:p>
-          <a:p>
-            <a:r>
-              <a:rPr lang="nb-NO" sz="1600" dirty="0">
-                <a:solidFill>
-                  <a:srgbClr val="FF0000"/>
-                </a:solidFill>
-                <a:latin typeface="Arial" panose="020B0604020202020204" pitchFamily="34" charset="0"/>
-                <a:cs typeface="Arial" panose="020B0604020202020204" pitchFamily="34" charset="0"/>
-              </a:rPr>
-              <a:t>print(type("Hello"))</a:t>
-            </a:r>
-          </a:p>
-          <a:p>
-            <a:r>
-              <a:rPr lang="nb-NO" sz="1600" dirty="0">
-                <a:solidFill>
-                  <a:srgbClr val="FF0000"/>
-                </a:solidFill>
-                <a:latin typeface="Arial" panose="020B0604020202020204" pitchFamily="34" charset="0"/>
-                <a:cs typeface="Arial" panose="020B0604020202020204" pitchFamily="34" charset="0"/>
-              </a:rPr>
-              <a:t>print(type([2,3]))</a:t>
-            </a:r>
-          </a:p>
-          <a:p>
-            <a:endParaRPr lang="en-US" sz="1400" dirty="0">
-              <a:solidFill>
-                <a:srgbClr val="FF0000"/>
-              </a:solidFill>
-              <a:latin typeface="Arial" panose="020B0604020202020204" pitchFamily="34" charset="0"/>
-              <a:cs typeface="Arial" panose="020B0604020202020204" pitchFamily="34" charset="0"/>
-            </a:endParaRPr>
-          </a:p>
-        </p:txBody>
-      </p:sp>
-      <p:pic>
-        <p:nvPicPr>
-          <p:cNvPr id="4" name="Picture 3"/>
-          <p:cNvPicPr>
-            <a:picLocks noChangeAspect="1"/>
-          </p:cNvPicPr>
-          <p:nvPr/>
-        </p:nvPicPr>
-        <p:blipFill>
-          <a:blip r:embed="rId2"/>
-          <a:stretch>
-            <a:fillRect/>
-          </a:stretch>
-        </p:blipFill>
-        <p:spPr>
-          <a:xfrm>
-            <a:off x="6376368" y="147970"/>
-            <a:ext cx="2318930" cy="2284319"/>
-          </a:xfrm>
-          <a:prstGeom prst="rect">
-            <a:avLst/>
-          </a:prstGeom>
-        </p:spPr>
-      </p:pic>
-    </p:spTree>
-    <p:extLst>
-      <p:ext uri="{BB962C8B-B14F-4D97-AF65-F5344CB8AC3E}">
-        <p14:creationId xmlns:p14="http://schemas.microsoft.com/office/powerpoint/2010/main" val="1348304585"/>
-      </p:ext>
-    </p:extLst>
-  </p:cSld>
-  <p:clrMapOvr>
-    <a:masterClrMapping/>
-  </p:clrMapOvr>
-</p:sld>
-</file>
-
-<file path=ppt/slides/slide20.xml><?xml version="1.0" encoding="utf-8"?>
+<file path=ppt/slides/slide28.xml><?xml version="1.0" encoding="utf-8"?>
 <p:sld xmlns:a="http://schemas.openxmlformats.org/drawingml/2006/main" xmlns:r="http://schemas.openxmlformats.org/officeDocument/2006/relationships" xmlns:p="http://schemas.openxmlformats.org/presentationml/2006/main">
   <p:cSld>
     <p:spTree>
@@ -5473,7 +9006,7 @@
 </p:sld>
 </file>
 
-<file path=ppt/slides/slide21.xml><?xml version="1.0" encoding="utf-8"?>
+<file path=ppt/slides/slide29.xml><?xml version="1.0" encoding="utf-8"?>
 <p:sld xmlns:a="http://schemas.openxmlformats.org/drawingml/2006/main" xmlns:r="http://schemas.openxmlformats.org/officeDocument/2006/relationships" xmlns:p="http://schemas.openxmlformats.org/presentationml/2006/main">
   <p:cSld>
     <p:spTree>
@@ -5684,7 +9217,83 @@
 </p:sld>
 </file>
 
-<file path=ppt/slides/slide22.xml><?xml version="1.0" encoding="utf-8"?>
+<file path=ppt/slides/slide3.xml><?xml version="1.0" encoding="utf-8"?>
+<p:sld xmlns:a="http://schemas.openxmlformats.org/drawingml/2006/main" xmlns:r="http://schemas.openxmlformats.org/officeDocument/2006/relationships" xmlns:p="http://schemas.openxmlformats.org/presentationml/2006/main">
+  <p:cSld>
+    <p:spTree>
+      <p:nvGrpSpPr>
+        <p:cNvPr id="1" name=""/>
+        <p:cNvGrpSpPr/>
+        <p:nvPr/>
+      </p:nvGrpSpPr>
+      <p:grpSpPr>
+        <a:xfrm>
+          <a:off x="0" y="0"/>
+          <a:ext cx="0" cy="0"/>
+          <a:chOff x="0" y="0"/>
+          <a:chExt cx="0" cy="0"/>
+        </a:xfrm>
+      </p:grpSpPr>
+      <p:sp>
+        <p:nvSpPr>
+          <p:cNvPr id="4" name="Title 3"/>
+          <p:cNvSpPr>
+            <a:spLocks noGrp="1"/>
+          </p:cNvSpPr>
+          <p:nvPr>
+            <p:ph type="title"/>
+          </p:nvPr>
+        </p:nvSpPr>
+        <p:spPr/>
+        <p:txBody>
+          <a:bodyPr/>
+          <a:lstStyle/>
+          <a:p>
+            <a:r>
+              <a:rPr lang="en-CA" dirty="0" smtClean="0"/>
+              <a:t>Float Data Type</a:t>
+            </a:r>
+            <a:endParaRPr lang="en-US" dirty="0"/>
+          </a:p>
+        </p:txBody>
+      </p:sp>
+      <p:sp>
+        <p:nvSpPr>
+          <p:cNvPr id="5" name="Text Placeholder 4"/>
+          <p:cNvSpPr>
+            <a:spLocks noGrp="1"/>
+          </p:cNvSpPr>
+          <p:nvPr>
+            <p:ph type="body" idx="1"/>
+          </p:nvPr>
+        </p:nvSpPr>
+        <p:spPr/>
+        <p:txBody>
+          <a:bodyPr/>
+          <a:lstStyle/>
+          <a:p>
+            <a:r>
+              <a:rPr lang="en-CA" dirty="0" smtClean="0"/>
+              <a:t>Decimal number variable values</a:t>
+            </a:r>
+            <a:endParaRPr lang="en-US" dirty="0"/>
+          </a:p>
+        </p:txBody>
+      </p:sp>
+    </p:spTree>
+    <p:extLst>
+      <p:ext uri="{BB962C8B-B14F-4D97-AF65-F5344CB8AC3E}">
+        <p14:creationId xmlns:p14="http://schemas.microsoft.com/office/powerpoint/2010/main" val="2004649056"/>
+      </p:ext>
+    </p:extLst>
+  </p:cSld>
+  <p:clrMapOvr>
+    <a:masterClrMapping/>
+  </p:clrMapOvr>
+</p:sld>
+</file>
+
+<file path=ppt/slides/slide30.xml><?xml version="1.0" encoding="utf-8"?>
 <p:sld xmlns:a="http://schemas.openxmlformats.org/drawingml/2006/main" xmlns:r="http://schemas.openxmlformats.org/officeDocument/2006/relationships" xmlns:p="http://schemas.openxmlformats.org/presentationml/2006/main">
   <p:cSld>
     <p:spTree>
@@ -6181,7 +9790,7 @@
 </p:sld>
 </file>
 
-<file path=ppt/slides/slide23.xml><?xml version="1.0" encoding="utf-8"?>
+<file path=ppt/slides/slide31.xml><?xml version="1.0" encoding="utf-8"?>
 <p:sld xmlns:a="http://schemas.openxmlformats.org/drawingml/2006/main" xmlns:r="http://schemas.openxmlformats.org/officeDocument/2006/relationships" xmlns:p="http://schemas.openxmlformats.org/presentationml/2006/main">
   <p:cSld>
     <p:spTree>
@@ -6814,7 +10423,7 @@
 </p:sld>
 </file>
 
-<file path=ppt/slides/slide24.xml><?xml version="1.0" encoding="utf-8"?>
+<file path=ppt/slides/slide32.xml><?xml version="1.0" encoding="utf-8"?>
 <p:sld xmlns:a="http://schemas.openxmlformats.org/drawingml/2006/main" xmlns:r="http://schemas.openxmlformats.org/officeDocument/2006/relationships" xmlns:p="http://schemas.openxmlformats.org/presentationml/2006/main">
   <p:cSld>
     <p:spTree>
@@ -7334,7 +10943,7 @@
 </p:sld>
 </file>
 
-<file path=ppt/slides/slide25.xml><?xml version="1.0" encoding="utf-8"?>
+<file path=ppt/slides/slide33.xml><?xml version="1.0" encoding="utf-8"?>
 <p:sld xmlns:a="http://schemas.openxmlformats.org/drawingml/2006/main" xmlns:r="http://schemas.openxmlformats.org/officeDocument/2006/relationships" xmlns:p="http://schemas.openxmlformats.org/presentationml/2006/main">
   <p:cSld>
     <p:spTree>
@@ -7503,7 +11112,7 @@
 </p:sld>
 </file>
 
-<file path=ppt/slides/slide26.xml><?xml version="1.0" encoding="utf-8"?>
+<file path=ppt/slides/slide34.xml><?xml version="1.0" encoding="utf-8"?>
 <p:sld xmlns:a="http://schemas.openxmlformats.org/drawingml/2006/main" xmlns:r="http://schemas.openxmlformats.org/officeDocument/2006/relationships" xmlns:p="http://schemas.openxmlformats.org/presentationml/2006/main">
   <p:cSld>
     <p:spTree>
@@ -8044,7 +11653,7 @@
 </p:sld>
 </file>
 
-<file path=ppt/slides/slide27.xml><?xml version="1.0" encoding="utf-8"?>
+<file path=ppt/slides/slide35.xml><?xml version="1.0" encoding="utf-8"?>
 <p:sld xmlns:a="http://schemas.openxmlformats.org/drawingml/2006/main" xmlns:r="http://schemas.openxmlformats.org/officeDocument/2006/relationships" xmlns:p="http://schemas.openxmlformats.org/presentationml/2006/main">
   <p:cSld>
     <p:spTree>
@@ -8588,7 +12197,7 @@
 </p:sld>
 </file>
 
-<file path=ppt/slides/slide28.xml><?xml version="1.0" encoding="utf-8"?>
+<file path=ppt/slides/slide36.xml><?xml version="1.0" encoding="utf-8"?>
 <p:sld xmlns:a="http://schemas.openxmlformats.org/drawingml/2006/main" xmlns:r="http://schemas.openxmlformats.org/officeDocument/2006/relationships" xmlns:p="http://schemas.openxmlformats.org/presentationml/2006/main">
   <p:cSld>
     <p:spTree>
@@ -8671,7 +12280,7 @@
 </p:sld>
 </file>
 
-<file path=ppt/slides/slide29.xml><?xml version="1.0" encoding="utf-8"?>
+<file path=ppt/slides/slide37.xml><?xml version="1.0" encoding="utf-8"?>
 <p:sld xmlns:a="http://schemas.openxmlformats.org/drawingml/2006/main" xmlns:r="http://schemas.openxmlformats.org/officeDocument/2006/relationships" xmlns:p="http://schemas.openxmlformats.org/presentationml/2006/main">
   <p:cSld>
     <p:spTree>
@@ -8860,7 +12469,7 @@
 </p:sld>
 </file>
 
-<file path=ppt/slides/slide3.xml><?xml version="1.0" encoding="utf-8"?>
+<file path=ppt/slides/slide38.xml><?xml version="1.0" encoding="utf-8"?>
 <p:sld xmlns:a="http://schemas.openxmlformats.org/drawingml/2006/main" xmlns:r="http://schemas.openxmlformats.org/officeDocument/2006/relationships" xmlns:p="http://schemas.openxmlformats.org/presentationml/2006/main">
   <p:cSld>
     <p:spTree>
@@ -8889,14 +12498,16 @@
         </p:nvSpPr>
         <p:spPr/>
         <p:txBody>
-          <a:bodyPr/>
-          <a:lstStyle/>
-          <a:p>
-            <a:r>
-              <a:rPr lang="en-CA" dirty="0" smtClean="0"/>
-              <a:t>Float Variable Type</a:t>
-            </a:r>
-            <a:endParaRPr lang="en-US" dirty="0"/>
+          <a:bodyPr>
+            <a:normAutofit/>
+          </a:bodyPr>
+          <a:lstStyle/>
+          <a:p>
+            <a:r>
+              <a:rPr lang="en-CA" sz="4000" dirty="0" smtClean="0"/>
+              <a:t>Student Questions – Guessing Game</a:t>
+            </a:r>
+            <a:endParaRPr lang="en-US" sz="4000" dirty="0"/>
           </a:p>
         </p:txBody>
       </p:sp>
@@ -8913,347 +12524,109 @@
         <p:spPr/>
         <p:txBody>
           <a:bodyPr>
-            <a:normAutofit fontScale="92500" lnSpcReduction="20000"/>
+            <a:normAutofit lnSpcReduction="10000"/>
           </a:bodyPr>
           <a:lstStyle/>
           <a:p>
+            <a:pPr marL="0" indent="0">
+              <a:buNone/>
+            </a:pPr>
+            <a:r>
+              <a:rPr lang="en-CA" dirty="0" smtClean="0"/>
+              <a:t>Create a game to guess a random number</a:t>
+            </a:r>
+          </a:p>
+          <a:p>
+            <a:pPr marL="0" indent="0">
+              <a:buNone/>
+            </a:pPr>
+            <a:r>
+              <a:rPr lang="en-CA" dirty="0"/>
+              <a:t>	</a:t>
+            </a:r>
+            <a:endParaRPr lang="en-CA" dirty="0" smtClean="0"/>
+          </a:p>
+          <a:p>
+            <a:pPr marL="514350" indent="-514350">
+              <a:buFont typeface="+mj-lt"/>
+              <a:buAutoNum type="arabicPeriod"/>
+            </a:pPr>
+            <a:r>
+              <a:rPr lang="en-CA" dirty="0" smtClean="0"/>
+              <a:t>Basic Game</a:t>
+            </a:r>
+          </a:p>
+          <a:p>
+            <a:pPr lvl="1"/>
+            <a:r>
+              <a:rPr lang="en-CA" dirty="0" smtClean="0"/>
+              <a:t>Guess the number </a:t>
+            </a:r>
+          </a:p>
+          <a:p>
+            <a:pPr lvl="1"/>
+            <a:endParaRPr lang="en-CA" dirty="0" smtClean="0"/>
+          </a:p>
+          <a:p>
+            <a:pPr marL="514350" indent="-514350">
+              <a:buFont typeface="+mj-lt"/>
+              <a:buAutoNum type="arabicPeriod"/>
+            </a:pPr>
+            <a:r>
+              <a:rPr lang="en-CA" dirty="0" smtClean="0"/>
+              <a:t>Medium Game</a:t>
+            </a:r>
+          </a:p>
+          <a:p>
+            <a:pPr lvl="1"/>
+            <a:r>
+              <a:rPr lang="en-CA" dirty="0" smtClean="0"/>
+              <a:t>Guess the number with clues</a:t>
+            </a:r>
+          </a:p>
+          <a:p>
+            <a:pPr lvl="1"/>
+            <a:endParaRPr lang="en-CA" dirty="0" smtClean="0"/>
+          </a:p>
+          <a:p>
+            <a:pPr marL="514350" indent="-514350">
+              <a:buFont typeface="+mj-lt"/>
+              <a:buAutoNum type="arabicPeriod"/>
+            </a:pPr>
+            <a:r>
+              <a:rPr lang="en-CA" dirty="0" smtClean="0"/>
+              <a:t>Enhanced Game</a:t>
+            </a:r>
+          </a:p>
+          <a:p>
+            <a:pPr marL="971550" lvl="2" indent="-514350">
+              <a:spcBef>
+                <a:spcPts val="1000"/>
+              </a:spcBef>
+            </a:pPr>
+            <a:r>
+              <a:rPr lang="en-CA" sz="2400" dirty="0"/>
+              <a:t>Guess the number with </a:t>
+            </a:r>
             <a:r>
               <a:rPr lang="en-CA" sz="2400" dirty="0" smtClean="0"/>
-              <a:t>Computers handle numbers in </a:t>
-            </a:r>
-            <a:br>
-              <a:rPr lang="en-CA" sz="2400" dirty="0" smtClean="0"/>
-            </a:br>
-            <a:r>
-              <a:rPr lang="en-CA" sz="2400" dirty="0" smtClean="0"/>
-              <a:t>different ways.</a:t>
-            </a:r>
-          </a:p>
-          <a:p>
-            <a:pPr lvl="1"/>
-            <a:endParaRPr lang="en-CA" sz="2000" dirty="0"/>
-          </a:p>
-          <a:p>
-            <a:r>
-              <a:rPr lang="en-CA" sz="2400" dirty="0" smtClean="0"/>
-              <a:t>Integer Numbers (type </a:t>
-            </a:r>
-            <a:r>
-              <a:rPr lang="en-CA" sz="2400" dirty="0" err="1" smtClean="0"/>
-              <a:t>int</a:t>
-            </a:r>
-            <a:r>
-              <a:rPr lang="en-CA" sz="2400" dirty="0" smtClean="0"/>
-              <a:t>)</a:t>
-            </a:r>
-          </a:p>
-          <a:p>
-            <a:pPr lvl="1"/>
-            <a:r>
-              <a:rPr lang="en-CA" sz="2000" dirty="0" smtClean="0"/>
-              <a:t>Used for whole numbers</a:t>
-            </a:r>
-          </a:p>
-          <a:p>
-            <a:pPr lvl="1"/>
-            <a:r>
-              <a:rPr lang="en-CA" sz="2000" dirty="0" smtClean="0"/>
-              <a:t>Have a limited size / range</a:t>
-            </a:r>
-          </a:p>
-          <a:p>
-            <a:pPr lvl="2"/>
-            <a:r>
-              <a:rPr lang="en-CA" sz="1600" dirty="0" smtClean="0"/>
-              <a:t>0 to 65,535 or</a:t>
-            </a:r>
-          </a:p>
-          <a:p>
-            <a:pPr lvl="2"/>
-            <a:r>
-              <a:rPr lang="en-CA" sz="1600" dirty="0" smtClean="0"/>
-              <a:t>-32,768 to +32,767</a:t>
-            </a:r>
-          </a:p>
-          <a:p>
-            <a:pPr lvl="1"/>
-            <a:r>
-              <a:rPr lang="en-CA" sz="2000" dirty="0" smtClean="0"/>
-              <a:t>Processing is very fast and efficient</a:t>
-            </a:r>
-            <a:endParaRPr lang="en-CA" sz="2000" dirty="0" smtClean="0"/>
-          </a:p>
-          <a:p>
+              <a:t>clues and Looping</a:t>
+            </a:r>
             <a:endParaRPr lang="en-CA" sz="2400" dirty="0"/>
           </a:p>
           <a:p>
-            <a:r>
-              <a:rPr lang="en-CA" sz="2400" dirty="0" smtClean="0"/>
-              <a:t>Floating Point Numbers (type float)</a:t>
-            </a:r>
-          </a:p>
-          <a:p>
-            <a:pPr lvl="1"/>
-            <a:r>
-              <a:rPr lang="en-CA" sz="2000" dirty="0" smtClean="0"/>
-              <a:t>Used for numbers with decimal points</a:t>
-            </a:r>
-          </a:p>
-          <a:p>
-            <a:pPr lvl="1"/>
-            <a:r>
-              <a:rPr lang="en-CA" sz="2000" dirty="0" smtClean="0"/>
-              <a:t>Have an unlimited size</a:t>
-            </a:r>
-          </a:p>
-          <a:p>
-            <a:pPr lvl="1"/>
-            <a:r>
-              <a:rPr lang="en-CA" sz="2000" dirty="0" smtClean="0"/>
-              <a:t>Processing is slower and less efficient</a:t>
-            </a:r>
-            <a:endParaRPr lang="en-US" sz="2000" dirty="0"/>
-          </a:p>
-        </p:txBody>
-      </p:sp>
-      <p:pic>
-        <p:nvPicPr>
-          <p:cNvPr id="4" name="Picture 3"/>
-          <p:cNvPicPr>
-            <a:picLocks noChangeAspect="1"/>
-          </p:cNvPicPr>
-          <p:nvPr/>
-        </p:nvPicPr>
-        <p:blipFill>
-          <a:blip r:embed="rId2"/>
-          <a:stretch>
-            <a:fillRect/>
-          </a:stretch>
-        </p:blipFill>
-        <p:spPr>
-          <a:xfrm>
-            <a:off x="6023851" y="573463"/>
-            <a:ext cx="2769124" cy="2234452"/>
-          </a:xfrm>
-          <a:prstGeom prst="rect">
-            <a:avLst/>
-          </a:prstGeom>
-        </p:spPr>
-      </p:pic>
-      <p:sp>
-        <p:nvSpPr>
-          <p:cNvPr id="5" name="TextBox 4"/>
-          <p:cNvSpPr txBox="1"/>
-          <p:nvPr/>
-        </p:nvSpPr>
-        <p:spPr>
-          <a:xfrm>
-            <a:off x="5513294" y="3328941"/>
-            <a:ext cx="3455894" cy="2308324"/>
-          </a:xfrm>
-          <a:prstGeom prst="rect">
-            <a:avLst/>
-          </a:prstGeom>
-          <a:noFill/>
-          <a:ln>
-            <a:solidFill>
-              <a:srgbClr val="FF0000"/>
-            </a:solidFill>
-          </a:ln>
-        </p:spPr>
-        <p:txBody>
-          <a:bodyPr wrap="square" rtlCol="0">
-            <a:spAutoFit/>
-          </a:bodyPr>
-          <a:lstStyle/>
-          <a:p>
-            <a:r>
-              <a:rPr lang="en-US" b="1" u="sng" dirty="0" smtClean="0">
-                <a:latin typeface="Arial" panose="020B0604020202020204" pitchFamily="34" charset="0"/>
-                <a:cs typeface="Arial" panose="020B0604020202020204" pitchFamily="34" charset="0"/>
-              </a:rPr>
-              <a:t>Sample Program:</a:t>
-            </a:r>
-          </a:p>
-          <a:p>
-            <a:endParaRPr lang="en-US" sz="1400" dirty="0">
-              <a:solidFill>
-                <a:srgbClr val="FF0000"/>
-              </a:solidFill>
-              <a:latin typeface="Arial" panose="020B0604020202020204" pitchFamily="34" charset="0"/>
-              <a:cs typeface="Arial" panose="020B0604020202020204" pitchFamily="34" charset="0"/>
-            </a:endParaRPr>
-          </a:p>
-          <a:p>
-            <a:r>
-              <a:rPr lang="en-US" sz="1400" dirty="0" err="1">
-                <a:solidFill>
-                  <a:srgbClr val="FF0000"/>
-                </a:solidFill>
-              </a:rPr>
-              <a:t>myAnswer</a:t>
-            </a:r>
-            <a:r>
-              <a:rPr lang="en-US" sz="1400" dirty="0">
-                <a:solidFill>
-                  <a:srgbClr val="FF0000"/>
-                </a:solidFill>
-              </a:rPr>
-              <a:t> = 40*2</a:t>
-            </a:r>
-          </a:p>
-          <a:p>
-            <a:r>
-              <a:rPr lang="en-US" sz="1400" dirty="0">
-                <a:solidFill>
-                  <a:srgbClr val="FF0000"/>
-                </a:solidFill>
-              </a:rPr>
-              <a:t>print("My answer is type:", type(</a:t>
-            </a:r>
-            <a:r>
-              <a:rPr lang="en-US" sz="1400" dirty="0" err="1">
-                <a:solidFill>
-                  <a:srgbClr val="FF0000"/>
-                </a:solidFill>
-              </a:rPr>
-              <a:t>myAnswer</a:t>
-            </a:r>
-            <a:r>
-              <a:rPr lang="en-US" sz="1400" dirty="0">
-                <a:solidFill>
-                  <a:srgbClr val="FF0000"/>
-                </a:solidFill>
-              </a:rPr>
-              <a:t>))</a:t>
-            </a:r>
-          </a:p>
-          <a:p>
-            <a:r>
-              <a:rPr lang="en-US" sz="1400" dirty="0">
-                <a:solidFill>
-                  <a:srgbClr val="FF0000"/>
-                </a:solidFill>
-              </a:rPr>
-              <a:t>print("My answer is value:", </a:t>
-            </a:r>
-            <a:r>
-              <a:rPr lang="en-US" sz="1400" dirty="0" err="1">
-                <a:solidFill>
-                  <a:srgbClr val="FF0000"/>
-                </a:solidFill>
-              </a:rPr>
-              <a:t>myAnswer</a:t>
-            </a:r>
-            <a:r>
-              <a:rPr lang="en-US" sz="1400" dirty="0">
-                <a:solidFill>
-                  <a:srgbClr val="FF0000"/>
-                </a:solidFill>
-              </a:rPr>
-              <a:t>)</a:t>
-            </a:r>
-          </a:p>
-          <a:p>
-            <a:r>
-              <a:rPr lang="en-US" sz="1400" dirty="0">
-                <a:solidFill>
-                  <a:srgbClr val="FF0000"/>
-                </a:solidFill>
-              </a:rPr>
-              <a:t/>
-            </a:r>
-            <a:br>
-              <a:rPr lang="en-US" sz="1400" dirty="0">
-                <a:solidFill>
-                  <a:srgbClr val="FF0000"/>
-                </a:solidFill>
-              </a:rPr>
-            </a:br>
-            <a:r>
-              <a:rPr lang="en-US" sz="1400" dirty="0" err="1">
-                <a:solidFill>
-                  <a:srgbClr val="FF0000"/>
-                </a:solidFill>
-              </a:rPr>
-              <a:t>myAnswer</a:t>
-            </a:r>
-            <a:r>
-              <a:rPr lang="en-US" sz="1400" dirty="0">
-                <a:solidFill>
-                  <a:srgbClr val="FF0000"/>
-                </a:solidFill>
-              </a:rPr>
-              <a:t> = 40/2</a:t>
-            </a:r>
-          </a:p>
-          <a:p>
-            <a:r>
-              <a:rPr lang="en-US" sz="1400" dirty="0">
-                <a:solidFill>
-                  <a:srgbClr val="FF0000"/>
-                </a:solidFill>
-              </a:rPr>
-              <a:t>print("My answer is type:", type(</a:t>
-            </a:r>
-            <a:r>
-              <a:rPr lang="en-US" sz="1400" dirty="0" err="1">
-                <a:solidFill>
-                  <a:srgbClr val="FF0000"/>
-                </a:solidFill>
-              </a:rPr>
-              <a:t>myAnswer</a:t>
-            </a:r>
-            <a:r>
-              <a:rPr lang="en-US" sz="1400" dirty="0">
-                <a:solidFill>
-                  <a:srgbClr val="FF0000"/>
-                </a:solidFill>
-              </a:rPr>
-              <a:t>))</a:t>
-            </a:r>
-          </a:p>
-          <a:p>
-            <a:r>
-              <a:rPr lang="en-US" sz="1400" dirty="0">
-                <a:solidFill>
-                  <a:srgbClr val="FF0000"/>
-                </a:solidFill>
-              </a:rPr>
-              <a:t>print("My answer is value:", </a:t>
-            </a:r>
-            <a:r>
-              <a:rPr lang="en-US" sz="1400" dirty="0" err="1">
-                <a:solidFill>
-                  <a:srgbClr val="FF0000"/>
-                </a:solidFill>
-              </a:rPr>
-              <a:t>myAnswer</a:t>
-            </a:r>
-            <a:r>
-              <a:rPr lang="en-US" sz="1400" dirty="0">
-                <a:solidFill>
-                  <a:srgbClr val="FF0000"/>
-                </a:solidFill>
-              </a:rPr>
-              <a:t>)</a:t>
-            </a:r>
-          </a:p>
-          <a:p>
-            <a:endParaRPr lang="en-US" sz="1400" dirty="0">
-              <a:solidFill>
-                <a:srgbClr val="FF0000"/>
-              </a:solidFill>
-              <a:latin typeface="Arial" panose="020B0604020202020204" pitchFamily="34" charset="0"/>
-              <a:cs typeface="Arial" panose="020B0604020202020204" pitchFamily="34" charset="0"/>
-            </a:endParaRPr>
+            <a:pPr marL="514350" indent="-514350">
+              <a:buFont typeface="+mj-lt"/>
+              <a:buAutoNum type="arabicPeriod"/>
+            </a:pPr>
+            <a:endParaRPr lang="en-US" dirty="0"/>
           </a:p>
         </p:txBody>
       </p:sp>
     </p:spTree>
     <p:extLst>
       <p:ext uri="{BB962C8B-B14F-4D97-AF65-F5344CB8AC3E}">
-        <p14:creationId xmlns:p14="http://schemas.microsoft.com/office/powerpoint/2010/main" val="898840001"/>
+        <p14:creationId xmlns:p14="http://schemas.microsoft.com/office/powerpoint/2010/main" val="3640000423"/>
       </p:ext>
     </p:extLst>
   </p:cSld>
@@ -9263,7 +12636,7 @@
 </p:sld>
 </file>
 
-<file path=ppt/slides/slide30.xml><?xml version="1.0" encoding="utf-8"?>
+<file path=ppt/slides/slide39.xml><?xml version="1.0" encoding="utf-8"?>
 <p:sld xmlns:a="http://schemas.openxmlformats.org/drawingml/2006/main" xmlns:r="http://schemas.openxmlformats.org/officeDocument/2006/relationships" xmlns:p="http://schemas.openxmlformats.org/presentationml/2006/main">
   <p:cSld>
     <p:spTree>
@@ -9282,173 +12655,6 @@
       </p:grpSpPr>
       <p:sp>
         <p:nvSpPr>
-          <p:cNvPr id="2" name="Title 1"/>
-          <p:cNvSpPr>
-            <a:spLocks noGrp="1"/>
-          </p:cNvSpPr>
-          <p:nvPr>
-            <p:ph type="title"/>
-          </p:nvPr>
-        </p:nvSpPr>
-        <p:spPr/>
-        <p:txBody>
-          <a:bodyPr>
-            <a:normAutofit/>
-          </a:bodyPr>
-          <a:lstStyle/>
-          <a:p>
-            <a:r>
-              <a:rPr lang="en-CA" sz="4000" dirty="0" smtClean="0"/>
-              <a:t>Student Questions – Guessing Game</a:t>
-            </a:r>
-            <a:endParaRPr lang="en-US" sz="4000" dirty="0"/>
-          </a:p>
-        </p:txBody>
-      </p:sp>
-      <p:sp>
-        <p:nvSpPr>
-          <p:cNvPr id="3" name="Content Placeholder 2"/>
-          <p:cNvSpPr>
-            <a:spLocks noGrp="1"/>
-          </p:cNvSpPr>
-          <p:nvPr>
-            <p:ph idx="1"/>
-          </p:nvPr>
-        </p:nvSpPr>
-        <p:spPr/>
-        <p:txBody>
-          <a:bodyPr>
-            <a:normAutofit lnSpcReduction="10000"/>
-          </a:bodyPr>
-          <a:lstStyle/>
-          <a:p>
-            <a:pPr marL="0" indent="0">
-              <a:buNone/>
-            </a:pPr>
-            <a:r>
-              <a:rPr lang="en-CA" dirty="0" smtClean="0"/>
-              <a:t>Create a game to guess a random number</a:t>
-            </a:r>
-          </a:p>
-          <a:p>
-            <a:pPr marL="0" indent="0">
-              <a:buNone/>
-            </a:pPr>
-            <a:r>
-              <a:rPr lang="en-CA" dirty="0"/>
-              <a:t>	</a:t>
-            </a:r>
-            <a:endParaRPr lang="en-CA" dirty="0" smtClean="0"/>
-          </a:p>
-          <a:p>
-            <a:pPr marL="514350" indent="-514350">
-              <a:buFont typeface="+mj-lt"/>
-              <a:buAutoNum type="arabicPeriod"/>
-            </a:pPr>
-            <a:r>
-              <a:rPr lang="en-CA" dirty="0" smtClean="0"/>
-              <a:t>Basic Game</a:t>
-            </a:r>
-          </a:p>
-          <a:p>
-            <a:pPr lvl="1"/>
-            <a:r>
-              <a:rPr lang="en-CA" dirty="0" smtClean="0"/>
-              <a:t>Guess the number </a:t>
-            </a:r>
-          </a:p>
-          <a:p>
-            <a:pPr lvl="1"/>
-            <a:endParaRPr lang="en-CA" dirty="0" smtClean="0"/>
-          </a:p>
-          <a:p>
-            <a:pPr marL="514350" indent="-514350">
-              <a:buFont typeface="+mj-lt"/>
-              <a:buAutoNum type="arabicPeriod"/>
-            </a:pPr>
-            <a:r>
-              <a:rPr lang="en-CA" dirty="0" smtClean="0"/>
-              <a:t>Medium Game</a:t>
-            </a:r>
-          </a:p>
-          <a:p>
-            <a:pPr lvl="1"/>
-            <a:r>
-              <a:rPr lang="en-CA" dirty="0" smtClean="0"/>
-              <a:t>Guess the number with clues</a:t>
-            </a:r>
-          </a:p>
-          <a:p>
-            <a:pPr lvl="1"/>
-            <a:endParaRPr lang="en-CA" dirty="0" smtClean="0"/>
-          </a:p>
-          <a:p>
-            <a:pPr marL="514350" indent="-514350">
-              <a:buFont typeface="+mj-lt"/>
-              <a:buAutoNum type="arabicPeriod"/>
-            </a:pPr>
-            <a:r>
-              <a:rPr lang="en-CA" dirty="0" smtClean="0"/>
-              <a:t>Enhanced Game</a:t>
-            </a:r>
-          </a:p>
-          <a:p>
-            <a:pPr marL="971550" lvl="2" indent="-514350">
-              <a:spcBef>
-                <a:spcPts val="1000"/>
-              </a:spcBef>
-            </a:pPr>
-            <a:r>
-              <a:rPr lang="en-CA" sz="2400" dirty="0"/>
-              <a:t>Guess the number with </a:t>
-            </a:r>
-            <a:r>
-              <a:rPr lang="en-CA" sz="2400" dirty="0" smtClean="0"/>
-              <a:t>clues and Looping</a:t>
-            </a:r>
-            <a:endParaRPr lang="en-CA" sz="2400" dirty="0"/>
-          </a:p>
-          <a:p>
-            <a:pPr marL="514350" indent="-514350">
-              <a:buFont typeface="+mj-lt"/>
-              <a:buAutoNum type="arabicPeriod"/>
-            </a:pPr>
-            <a:endParaRPr lang="en-US" dirty="0"/>
-          </a:p>
-        </p:txBody>
-      </p:sp>
-    </p:spTree>
-    <p:extLst>
-      <p:ext uri="{BB962C8B-B14F-4D97-AF65-F5344CB8AC3E}">
-        <p14:creationId xmlns:p14="http://schemas.microsoft.com/office/powerpoint/2010/main" val="3640000423"/>
-      </p:ext>
-    </p:extLst>
-  </p:cSld>
-  <p:clrMapOvr>
-    <a:masterClrMapping/>
-  </p:clrMapOvr>
-</p:sld>
-</file>
-
-<file path=ppt/slides/slide31.xml><?xml version="1.0" encoding="utf-8"?>
-<p:sld xmlns:a="http://schemas.openxmlformats.org/drawingml/2006/main" xmlns:r="http://schemas.openxmlformats.org/officeDocument/2006/relationships" xmlns:p="http://schemas.openxmlformats.org/presentationml/2006/main">
-  <p:cSld>
-    <p:spTree>
-      <p:nvGrpSpPr>
-        <p:cNvPr id="1" name=""/>
-        <p:cNvGrpSpPr/>
-        <p:nvPr/>
-      </p:nvGrpSpPr>
-      <p:grpSpPr>
-        <a:xfrm>
-          <a:off x="0" y="0"/>
-          <a:ext cx="0" cy="0"/>
-          <a:chOff x="0" y="0"/>
-          <a:chExt cx="0" cy="0"/>
-        </a:xfrm>
-      </p:grpSpPr>
-      <p:sp>
-        <p:nvSpPr>
           <p:cNvPr id="4" name="Title 3"/>
           <p:cNvSpPr>
             <a:spLocks noGrp="1"/>
@@ -9493,294 +12699,6 @@
     <p:extLst>
       <p:ext uri="{BB962C8B-B14F-4D97-AF65-F5344CB8AC3E}">
         <p14:creationId xmlns:p14="http://schemas.microsoft.com/office/powerpoint/2010/main" val="2375883348"/>
-      </p:ext>
-    </p:extLst>
-  </p:cSld>
-  <p:clrMapOvr>
-    <a:masterClrMapping/>
-  </p:clrMapOvr>
-</p:sld>
-</file>
-
-<file path=ppt/slides/slide32.xml><?xml version="1.0" encoding="utf-8"?>
-<p:sld xmlns:a="http://schemas.openxmlformats.org/drawingml/2006/main" xmlns:r="http://schemas.openxmlformats.org/officeDocument/2006/relationships" xmlns:p="http://schemas.openxmlformats.org/presentationml/2006/main">
-  <p:cSld>
-    <p:spTree>
-      <p:nvGrpSpPr>
-        <p:cNvPr id="1" name=""/>
-        <p:cNvGrpSpPr/>
-        <p:nvPr/>
-      </p:nvGrpSpPr>
-      <p:grpSpPr>
-        <a:xfrm>
-          <a:off x="0" y="0"/>
-          <a:ext cx="0" cy="0"/>
-          <a:chOff x="0" y="0"/>
-          <a:chExt cx="0" cy="0"/>
-        </a:xfrm>
-      </p:grpSpPr>
-      <p:sp>
-        <p:nvSpPr>
-          <p:cNvPr id="2" name="Title 1"/>
-          <p:cNvSpPr>
-            <a:spLocks noGrp="1"/>
-          </p:cNvSpPr>
-          <p:nvPr>
-            <p:ph type="title"/>
-          </p:nvPr>
-        </p:nvSpPr>
-        <p:spPr/>
-        <p:txBody>
-          <a:bodyPr/>
-          <a:lstStyle/>
-          <a:p>
-            <a:r>
-              <a:rPr lang="en-CA" dirty="0" smtClean="0"/>
-              <a:t>Use Of Comments For Debugging</a:t>
-            </a:r>
-            <a:endParaRPr lang="en-US" dirty="0"/>
-          </a:p>
-        </p:txBody>
-      </p:sp>
-      <p:sp>
-        <p:nvSpPr>
-          <p:cNvPr id="3" name="Content Placeholder 2"/>
-          <p:cNvSpPr>
-            <a:spLocks noGrp="1"/>
-          </p:cNvSpPr>
-          <p:nvPr>
-            <p:ph idx="1"/>
-          </p:nvPr>
-        </p:nvSpPr>
-        <p:spPr/>
-        <p:txBody>
-          <a:bodyPr/>
-          <a:lstStyle/>
-          <a:p>
-            <a:endParaRPr lang="en-US"/>
-          </a:p>
-        </p:txBody>
-      </p:sp>
-    </p:spTree>
-    <p:extLst>
-      <p:ext uri="{BB962C8B-B14F-4D97-AF65-F5344CB8AC3E}">
-        <p14:creationId xmlns:p14="http://schemas.microsoft.com/office/powerpoint/2010/main" val="1307072331"/>
-      </p:ext>
-    </p:extLst>
-  </p:cSld>
-  <p:clrMapOvr>
-    <a:masterClrMapping/>
-  </p:clrMapOvr>
-</p:sld>
-</file>
-
-<file path=ppt/slides/slide33.xml><?xml version="1.0" encoding="utf-8"?>
-<p:sld xmlns:a="http://schemas.openxmlformats.org/drawingml/2006/main" xmlns:r="http://schemas.openxmlformats.org/officeDocument/2006/relationships" xmlns:p="http://schemas.openxmlformats.org/presentationml/2006/main">
-  <p:cSld>
-    <p:spTree>
-      <p:nvGrpSpPr>
-        <p:cNvPr id="1" name=""/>
-        <p:cNvGrpSpPr/>
-        <p:nvPr/>
-      </p:nvGrpSpPr>
-      <p:grpSpPr>
-        <a:xfrm>
-          <a:off x="0" y="0"/>
-          <a:ext cx="0" cy="0"/>
-          <a:chOff x="0" y="0"/>
-          <a:chExt cx="0" cy="0"/>
-        </a:xfrm>
-      </p:grpSpPr>
-      <p:sp>
-        <p:nvSpPr>
-          <p:cNvPr id="2" name="Title 1"/>
-          <p:cNvSpPr>
-            <a:spLocks noGrp="1"/>
-          </p:cNvSpPr>
-          <p:nvPr>
-            <p:ph type="title"/>
-          </p:nvPr>
-        </p:nvSpPr>
-        <p:spPr/>
-        <p:txBody>
-          <a:bodyPr/>
-          <a:lstStyle/>
-          <a:p>
-            <a:r>
-              <a:rPr lang="en-CA" dirty="0" smtClean="0"/>
-              <a:t>Use Of Print For Debugging</a:t>
-            </a:r>
-            <a:endParaRPr lang="en-US" dirty="0"/>
-          </a:p>
-        </p:txBody>
-      </p:sp>
-      <p:sp>
-        <p:nvSpPr>
-          <p:cNvPr id="3" name="Content Placeholder 2"/>
-          <p:cNvSpPr>
-            <a:spLocks noGrp="1"/>
-          </p:cNvSpPr>
-          <p:nvPr>
-            <p:ph idx="1"/>
-          </p:nvPr>
-        </p:nvSpPr>
-        <p:spPr/>
-        <p:txBody>
-          <a:bodyPr/>
-          <a:lstStyle/>
-          <a:p>
-            <a:endParaRPr lang="en-US"/>
-          </a:p>
-        </p:txBody>
-      </p:sp>
-    </p:spTree>
-    <p:extLst>
-      <p:ext uri="{BB962C8B-B14F-4D97-AF65-F5344CB8AC3E}">
-        <p14:creationId xmlns:p14="http://schemas.microsoft.com/office/powerpoint/2010/main" val="2969170581"/>
-      </p:ext>
-    </p:extLst>
-  </p:cSld>
-  <p:clrMapOvr>
-    <a:masterClrMapping/>
-  </p:clrMapOvr>
-</p:sld>
-</file>
-
-<file path=ppt/slides/slide34.xml><?xml version="1.0" encoding="utf-8"?>
-<p:sld xmlns:a="http://schemas.openxmlformats.org/drawingml/2006/main" xmlns:r="http://schemas.openxmlformats.org/officeDocument/2006/relationships" xmlns:p="http://schemas.openxmlformats.org/presentationml/2006/main">
-  <p:cSld>
-    <p:spTree>
-      <p:nvGrpSpPr>
-        <p:cNvPr id="1" name=""/>
-        <p:cNvGrpSpPr/>
-        <p:nvPr/>
-      </p:nvGrpSpPr>
-      <p:grpSpPr>
-        <a:xfrm>
-          <a:off x="0" y="0"/>
-          <a:ext cx="0" cy="0"/>
-          <a:chOff x="0" y="0"/>
-          <a:chExt cx="0" cy="0"/>
-        </a:xfrm>
-      </p:grpSpPr>
-      <p:sp>
-        <p:nvSpPr>
-          <p:cNvPr id="2" name="Title 1"/>
-          <p:cNvSpPr>
-            <a:spLocks noGrp="1"/>
-          </p:cNvSpPr>
-          <p:nvPr>
-            <p:ph type="title"/>
-          </p:nvPr>
-        </p:nvSpPr>
-        <p:spPr/>
-        <p:txBody>
-          <a:bodyPr/>
-          <a:lstStyle/>
-          <a:p>
-            <a:r>
-              <a:rPr lang="en-CA" dirty="0" smtClean="0"/>
-              <a:t>Counted Loop</a:t>
-            </a:r>
-            <a:endParaRPr lang="en-US" dirty="0"/>
-          </a:p>
-        </p:txBody>
-      </p:sp>
-      <p:sp>
-        <p:nvSpPr>
-          <p:cNvPr id="3" name="Content Placeholder 2"/>
-          <p:cNvSpPr>
-            <a:spLocks noGrp="1"/>
-          </p:cNvSpPr>
-          <p:nvPr>
-            <p:ph idx="1"/>
-          </p:nvPr>
-        </p:nvSpPr>
-        <p:spPr/>
-        <p:txBody>
-          <a:bodyPr/>
-          <a:lstStyle/>
-          <a:p>
-            <a:endParaRPr lang="en-US"/>
-          </a:p>
-        </p:txBody>
-      </p:sp>
-    </p:spTree>
-    <p:extLst>
-      <p:ext uri="{BB962C8B-B14F-4D97-AF65-F5344CB8AC3E}">
-        <p14:creationId xmlns:p14="http://schemas.microsoft.com/office/powerpoint/2010/main" val="1979795657"/>
-      </p:ext>
-    </p:extLst>
-  </p:cSld>
-  <p:clrMapOvr>
-    <a:masterClrMapping/>
-  </p:clrMapOvr>
-</p:sld>
-</file>
-
-<file path=ppt/slides/slide35.xml><?xml version="1.0" encoding="utf-8"?>
-<p:sld xmlns:a="http://schemas.openxmlformats.org/drawingml/2006/main" xmlns:r="http://schemas.openxmlformats.org/officeDocument/2006/relationships" xmlns:p="http://schemas.openxmlformats.org/presentationml/2006/main">
-  <p:cSld>
-    <p:spTree>
-      <p:nvGrpSpPr>
-        <p:cNvPr id="1" name=""/>
-        <p:cNvGrpSpPr/>
-        <p:nvPr/>
-      </p:nvGrpSpPr>
-      <p:grpSpPr>
-        <a:xfrm>
-          <a:off x="0" y="0"/>
-          <a:ext cx="0" cy="0"/>
-          <a:chOff x="0" y="0"/>
-          <a:chExt cx="0" cy="0"/>
-        </a:xfrm>
-      </p:grpSpPr>
-      <p:sp>
-        <p:nvSpPr>
-          <p:cNvPr id="2" name="Title 1"/>
-          <p:cNvSpPr>
-            <a:spLocks noGrp="1"/>
-          </p:cNvSpPr>
-          <p:nvPr>
-            <p:ph type="title"/>
-          </p:nvPr>
-        </p:nvSpPr>
-        <p:spPr/>
-        <p:txBody>
-          <a:bodyPr/>
-          <a:lstStyle/>
-          <a:p>
-            <a:r>
-              <a:rPr lang="en-CA" dirty="0" smtClean="0"/>
-              <a:t>Breaking A Loop Early</a:t>
-            </a:r>
-            <a:endParaRPr lang="en-US" dirty="0"/>
-          </a:p>
-        </p:txBody>
-      </p:sp>
-      <p:sp>
-        <p:nvSpPr>
-          <p:cNvPr id="3" name="Content Placeholder 2"/>
-          <p:cNvSpPr>
-            <a:spLocks noGrp="1"/>
-          </p:cNvSpPr>
-          <p:nvPr>
-            <p:ph idx="1"/>
-          </p:nvPr>
-        </p:nvSpPr>
-        <p:spPr/>
-        <p:txBody>
-          <a:bodyPr/>
-          <a:lstStyle/>
-          <a:p>
-            <a:endParaRPr lang="en-US"/>
-          </a:p>
-        </p:txBody>
-      </p:sp>
-    </p:spTree>
-    <p:extLst>
-      <p:ext uri="{BB962C8B-B14F-4D97-AF65-F5344CB8AC3E}">
-        <p14:creationId xmlns:p14="http://schemas.microsoft.com/office/powerpoint/2010/main" val="4226837260"/>
       </p:ext>
     </p:extLst>
   </p:cSld>
@@ -9824,19 +12742,7 @@
           <a:p>
             <a:r>
               <a:rPr lang="en-CA" dirty="0" smtClean="0"/>
-              <a:t>Float </a:t>
-            </a:r>
-            <a:r>
-              <a:rPr lang="en-CA" dirty="0" smtClean="0"/>
-              <a:t>&amp; </a:t>
-            </a:r>
-            <a:r>
-              <a:rPr lang="en-CA" dirty="0" err="1" smtClean="0"/>
-              <a:t>Int</a:t>
-            </a:r>
-            <a:r>
-              <a:rPr lang="en-CA" dirty="0" smtClean="0"/>
-              <a:t> Operators</a:t>
+              <a:t>Float Variable Type</a:t>
             </a:r>
             <a:endParaRPr lang="en-US" dirty="0"/>
           </a:p>
@@ -9855,22 +12761,30 @@
         <p:spPr/>
         <p:txBody>
           <a:bodyPr>
-            <a:normAutofit/>
+            <a:normAutofit fontScale="92500" lnSpcReduction="20000"/>
           </a:bodyPr>
           <a:lstStyle/>
           <a:p>
             <a:r>
               <a:rPr lang="en-CA" sz="2400" dirty="0" smtClean="0"/>
-              <a:t>Sometimes it is necessary to convert floats and integers</a:t>
-            </a:r>
-          </a:p>
-          <a:p>
-            <a:endParaRPr lang="en-CA" sz="2400" dirty="0"/>
-          </a:p>
-          <a:p>
-            <a:r>
+              <a:t>Computers handle numbers in </a:t>
+            </a:r>
+            <a:br>
               <a:rPr lang="en-CA" sz="2400" dirty="0" smtClean="0"/>
-              <a:t>Operator "</a:t>
+            </a:br>
+            <a:r>
+              <a:rPr lang="en-CA" sz="2400" dirty="0" smtClean="0"/>
+              <a:t>different ways.</a:t>
+            </a:r>
+          </a:p>
+          <a:p>
+            <a:pPr lvl="1"/>
+            <a:endParaRPr lang="en-CA" sz="2000" dirty="0"/>
+          </a:p>
+          <a:p>
+            <a:r>
+              <a:rPr lang="en-CA" sz="2400" dirty="0" smtClean="0"/>
+              <a:t>Integer Numbers (type </a:t>
             </a:r>
             <a:r>
               <a:rPr lang="en-CA" sz="2400" dirty="0" err="1" smtClean="0"/>
@@ -9878,29 +12792,42 @@
             </a:r>
             <a:r>
               <a:rPr lang="en-CA" sz="2400" dirty="0" smtClean="0"/>
-              <a:t>()"</a:t>
+              <a:t>)</a:t>
             </a:r>
           </a:p>
           <a:p>
             <a:pPr lvl="1"/>
             <a:r>
               <a:rPr lang="en-CA" sz="2000" dirty="0" smtClean="0"/>
-              <a:t>Converts the value to type integer</a:t>
+              <a:t>Used for whole numbers</a:t>
             </a:r>
           </a:p>
           <a:p>
             <a:pPr lvl="1"/>
             <a:r>
               <a:rPr lang="en-CA" sz="2000" dirty="0" smtClean="0"/>
-              <a:t>Rounds the value if </a:t>
-            </a:r>
-            <a:r>
-              <a:rPr lang="en-CA" sz="2000" dirty="0" err="1" smtClean="0"/>
-              <a:t>necesary</a:t>
-            </a:r>
+              <a:t>Have a limited size / range</a:t>
+            </a:r>
+          </a:p>
+          <a:p>
+            <a:pPr lvl="2"/>
+            <a:r>
+              <a:rPr lang="en-CA" sz="1600" dirty="0" smtClean="0"/>
+              <a:t>0 to 65,535 or</a:t>
+            </a:r>
+          </a:p>
+          <a:p>
+            <a:pPr lvl="2"/>
+            <a:r>
+              <a:rPr lang="en-CA" sz="1600" dirty="0" smtClean="0"/>
+              <a:t>-32,768 to +32,767</a:t>
+            </a:r>
+          </a:p>
+          <a:p>
+            <a:pPr lvl="1"/>
             <a:r>
               <a:rPr lang="en-CA" sz="2000" dirty="0" smtClean="0"/>
-              <a:t> </a:t>
+              <a:t>Processing is very fast and efficient</a:t>
             </a:r>
           </a:p>
           <a:p>
@@ -9909,35 +12836,67 @@
           <a:p>
             <a:r>
               <a:rPr lang="en-CA" sz="2400" dirty="0" smtClean="0"/>
-              <a:t>Operator "float()"</a:t>
+              <a:t>Floating Point Numbers (type float)</a:t>
             </a:r>
           </a:p>
           <a:p>
             <a:pPr lvl="1"/>
             <a:r>
               <a:rPr lang="en-CA" sz="2000" dirty="0" smtClean="0"/>
-              <a:t>Converts the value to a floating point</a:t>
+              <a:t>Used for numbers with decimal points</a:t>
             </a:r>
           </a:p>
           <a:p>
             <a:pPr lvl="1"/>
             <a:r>
               <a:rPr lang="en-CA" sz="2000" dirty="0" smtClean="0"/>
-              <a:t>Does not change the value</a:t>
-            </a:r>
-          </a:p>
-        </p:txBody>
-      </p:sp>
-      <p:sp>
-        <p:nvSpPr>
-          <p:cNvPr id="4" name="TextBox 3"/>
+              <a:t>Have an unlimited size</a:t>
+            </a:r>
+          </a:p>
+          <a:p>
+            <a:pPr lvl="1"/>
+            <a:r>
+              <a:rPr lang="en-CA" sz="2000" dirty="0" smtClean="0"/>
+              <a:t>Processing is slower and less efficient</a:t>
+            </a:r>
+            <a:endParaRPr lang="en-US" sz="2000" dirty="0"/>
+          </a:p>
+        </p:txBody>
+      </p:sp>
+      <p:pic>
+        <p:nvPicPr>
+          <p:cNvPr id="4" name="Picture 3"/>
+          <p:cNvPicPr>
+            <a:picLocks noChangeAspect="1"/>
+          </p:cNvPicPr>
+          <p:nvPr/>
+        </p:nvPicPr>
+        <p:blipFill>
+          <a:blip r:embed="rId2"/>
+          <a:stretch>
+            <a:fillRect/>
+          </a:stretch>
+        </p:blipFill>
+        <p:spPr>
+          <a:xfrm>
+            <a:off x="6023851" y="573463"/>
+            <a:ext cx="2769124" cy="2234452"/>
+          </a:xfrm>
+          <a:prstGeom prst="rect">
+            <a:avLst/>
+          </a:prstGeom>
+        </p:spPr>
+      </p:pic>
+      <p:sp>
+        <p:nvSpPr>
+          <p:cNvPr id="5" name="TextBox 4"/>
           <p:cNvSpPr txBox="1"/>
           <p:nvPr/>
         </p:nvSpPr>
         <p:spPr>
           <a:xfrm>
-            <a:off x="5715000" y="2643141"/>
-            <a:ext cx="3281082" cy="2585323"/>
+            <a:off x="5513294" y="3328941"/>
+            <a:ext cx="3455894" cy="2308324"/>
           </a:xfrm>
           <a:prstGeom prst="rect">
             <a:avLst/>
@@ -9979,25 +12938,25 @@
                   <a:srgbClr val="FF0000"/>
                 </a:solidFill>
               </a:rPr>
-              <a:t>myFloat</a:t>
-            </a:r>
-            <a:r>
-              <a:rPr lang="en-US" sz="1400" dirty="0">
-                <a:solidFill>
-                  <a:srgbClr val="FF0000"/>
-                </a:solidFill>
-              </a:rPr>
-              <a:t> = 5/2</a:t>
-            </a:r>
-          </a:p>
-          <a:p>
-            <a:r>
-              <a:rPr lang="en-US" sz="1400" dirty="0">
-                <a:solidFill>
-                  <a:srgbClr val="FF0000"/>
-                </a:solidFill>
-              </a:rPr>
-              <a:t>print("My Float is:",</a:t>
+              <a:t>myAnswer</a:t>
+            </a:r>
+            <a:r>
+              <a:rPr lang="en-US" sz="1400" dirty="0">
+                <a:solidFill>
+                  <a:srgbClr val="FF0000"/>
+                </a:solidFill>
+              </a:rPr>
+              <a:t> = 40*2</a:t>
+            </a:r>
+          </a:p>
+          <a:p>
+            <a:r>
+              <a:rPr lang="en-US" sz="1400" dirty="0">
+                <a:solidFill>
+                  <a:srgbClr val="FF0000"/>
+                </a:solidFill>
+              </a:rPr>
+              <a:t>print("My answer is type:", type(</a:t>
             </a:r>
             <a:r>
               <a:rPr lang="en-US" sz="1400" dirty="0" err="1">
@@ -10005,7 +12964,33 @@
                   <a:srgbClr val="FF0000"/>
                 </a:solidFill>
               </a:rPr>
-              <a:t>myFloat</a:t>
+              <a:t>myAnswer</a:t>
+            </a:r>
+            <a:r>
+              <a:rPr lang="en-US" sz="1400" dirty="0">
+                <a:solidFill>
+                  <a:srgbClr val="FF0000"/>
+                </a:solidFill>
+              </a:rPr>
+              <a:t>))</a:t>
+            </a:r>
+          </a:p>
+          <a:p>
+            <a:r>
+              <a:rPr lang="en-US" sz="1400" dirty="0">
+                <a:solidFill>
+                  <a:srgbClr val="FF0000"/>
+                </a:solidFill>
+              </a:rPr>
+              <a:t>print("My answer is value:", </a:t>
+            </a:r>
+            <a:r>
+              <a:rPr lang="en-US" sz="1400" dirty="0" err="1">
+                <a:solidFill>
+                  <a:srgbClr val="FF0000"/>
+                </a:solidFill>
+              </a:rPr>
+              <a:t>myAnswer</a:t>
             </a:r>
             <a:r>
               <a:rPr lang="en-US" sz="1400" dirty="0">
@@ -10038,15 +13023,25 @@
                   <a:srgbClr val="FF0000"/>
                 </a:solidFill>
               </a:rPr>
-              <a:t>myInt</a:t>
-            </a:r>
-            <a:r>
-              <a:rPr lang="en-US" sz="1400" dirty="0">
-                <a:solidFill>
-                  <a:srgbClr val="FF0000"/>
-                </a:solidFill>
-              </a:rPr>
-              <a:t> = </a:t>
+              <a:t>myAnswer</a:t>
+            </a:r>
+            <a:r>
+              <a:rPr lang="en-US" sz="1400" dirty="0">
+                <a:solidFill>
+                  <a:srgbClr val="FF0000"/>
+                </a:solidFill>
+              </a:rPr>
+              <a:t> = 40/2</a:t>
+            </a:r>
+          </a:p>
+          <a:p>
+            <a:r>
+              <a:rPr lang="en-US" sz="1400" dirty="0">
+                <a:solidFill>
+                  <a:srgbClr val="FF0000"/>
+                </a:solidFill>
+              </a:rPr>
+              <a:t>print("My answer is type:", type(</a:t>
             </a:r>
             <a:r>
               <a:rPr lang="en-US" sz="1400" dirty="0" err="1">
@@ -10054,15 +13049,25 @@
                   <a:srgbClr val="FF0000"/>
                 </a:solidFill>
               </a:rPr>
-              <a:t>int</a:t>
-            </a:r>
-            <a:r>
-              <a:rPr lang="en-US" sz="1400" dirty="0">
-                <a:solidFill>
-                  <a:srgbClr val="FF0000"/>
-                </a:solidFill>
-              </a:rPr>
-              <a:t>(</a:t>
+              <a:t>myAnswer</a:t>
+            </a:r>
+            <a:r>
+              <a:rPr lang="en-US" sz="1400" dirty="0">
+                <a:solidFill>
+                  <a:srgbClr val="FF0000"/>
+                </a:solidFill>
+              </a:rPr>
+              <a:t>))</a:t>
+            </a:r>
+          </a:p>
+          <a:p>
+            <a:r>
+              <a:rPr lang="en-US" sz="1400" dirty="0">
+                <a:solidFill>
+                  <a:srgbClr val="FF0000"/>
+                </a:solidFill>
+              </a:rPr>
+              <a:t>print("My answer is value:", </a:t>
             </a:r>
             <a:r>
               <a:rPr lang="en-US" sz="1400" dirty="0" err="1">
@@ -10070,116 +13075,7 @@
                   <a:srgbClr val="FF0000"/>
                 </a:solidFill>
               </a:rPr>
-              <a:t>myFloat</a:t>
-            </a:r>
-            <a:r>
-              <a:rPr lang="en-US" sz="1400" dirty="0">
-                <a:solidFill>
-                  <a:srgbClr val="FF0000"/>
-                </a:solidFill>
-              </a:rPr>
-              <a:t>)</a:t>
-            </a:r>
-          </a:p>
-          <a:p>
-            <a:r>
-              <a:rPr lang="en-US" sz="1400" dirty="0">
-                <a:solidFill>
-                  <a:srgbClr val="FF0000"/>
-                </a:solidFill>
-              </a:rPr>
-              <a:t>print("My </a:t>
-            </a:r>
-            <a:r>
-              <a:rPr lang="en-US" sz="1400" dirty="0" err="1">
-                <a:solidFill>
-                  <a:srgbClr val="FF0000"/>
-                </a:solidFill>
-              </a:rPr>
-              <a:t>Int</a:t>
-            </a:r>
-            <a:r>
-              <a:rPr lang="en-US" sz="1400" dirty="0">
-                <a:solidFill>
-                  <a:srgbClr val="FF0000"/>
-                </a:solidFill>
-              </a:rPr>
-              <a:t> is:",</a:t>
-            </a:r>
-            <a:r>
-              <a:rPr lang="en-US" sz="1400" dirty="0" err="1">
-                <a:solidFill>
-                  <a:srgbClr val="FF0000"/>
-                </a:solidFill>
-              </a:rPr>
-              <a:t>myInt</a:t>
-            </a:r>
-            <a:r>
-              <a:rPr lang="en-US" sz="1400" dirty="0">
-                <a:solidFill>
-                  <a:srgbClr val="FF0000"/>
-                </a:solidFill>
-              </a:rPr>
-              <a:t>)</a:t>
-            </a:r>
-          </a:p>
-          <a:p>
-            <a:r>
-              <a:rPr lang="en-US" sz="1400" dirty="0">
-                <a:solidFill>
-                  <a:srgbClr val="FF0000"/>
-                </a:solidFill>
-              </a:rPr>
-              <a:t/>
-            </a:r>
-            <a:br>
-              <a:rPr lang="en-US" sz="1400" dirty="0">
-                <a:solidFill>
-                  <a:srgbClr val="FF0000"/>
-                </a:solidFill>
-              </a:rPr>
-            </a:br>
-            <a:r>
-              <a:rPr lang="en-US" sz="1400" dirty="0">
-                <a:solidFill>
-                  <a:srgbClr val="FF0000"/>
-                </a:solidFill>
-              </a:rPr>
-              <a:t>myFloat2 = float(</a:t>
-            </a:r>
-            <a:r>
-              <a:rPr lang="en-US" sz="1400" dirty="0" err="1">
-                <a:solidFill>
-                  <a:srgbClr val="FF0000"/>
-                </a:solidFill>
-              </a:rPr>
-              <a:t>myInt</a:t>
-            </a:r>
-            <a:r>
-              <a:rPr lang="en-US" sz="1400" dirty="0">
-                <a:solidFill>
-                  <a:srgbClr val="FF0000"/>
-                </a:solidFill>
-              </a:rPr>
-              <a:t>)</a:t>
-            </a:r>
-          </a:p>
-          <a:p>
-            <a:r>
-              <a:rPr lang="en-US" sz="1400" dirty="0">
-                <a:solidFill>
-                  <a:srgbClr val="FF0000"/>
-                </a:solidFill>
-              </a:rPr>
-              <a:t>print("My Float2 is:",</a:t>
-            </a:r>
-            <a:r>
-              <a:rPr lang="en-US" sz="1400" dirty="0" err="1">
-                <a:solidFill>
-                  <a:srgbClr val="FF0000"/>
-                </a:solidFill>
-              </a:rPr>
-              <a:t>myFloat</a:t>
+              <a:t>myAnswer</a:t>
             </a:r>
             <a:r>
               <a:rPr lang="en-US" sz="1400" dirty="0">
@@ -10204,7 +13100,302 @@
     </p:spTree>
     <p:extLst>
       <p:ext uri="{BB962C8B-B14F-4D97-AF65-F5344CB8AC3E}">
-        <p14:creationId xmlns:p14="http://schemas.microsoft.com/office/powerpoint/2010/main" val="348555099"/>
+        <p14:creationId xmlns:p14="http://schemas.microsoft.com/office/powerpoint/2010/main" val="898840001"/>
+      </p:ext>
+    </p:extLst>
+  </p:cSld>
+  <p:clrMapOvr>
+    <a:masterClrMapping/>
+  </p:clrMapOvr>
+  <p:timing>
+    <p:tnLst>
+      <p:par>
+        <p:cTn id="1" dur="indefinite" restart="never" nodeType="tmRoot"/>
+      </p:par>
+    </p:tnLst>
+  </p:timing>
+</p:sld>
+</file>
+
+<file path=ppt/slides/slide40.xml><?xml version="1.0" encoding="utf-8"?>
+<p:sld xmlns:a="http://schemas.openxmlformats.org/drawingml/2006/main" xmlns:r="http://schemas.openxmlformats.org/officeDocument/2006/relationships" xmlns:p="http://schemas.openxmlformats.org/presentationml/2006/main">
+  <p:cSld>
+    <p:spTree>
+      <p:nvGrpSpPr>
+        <p:cNvPr id="1" name=""/>
+        <p:cNvGrpSpPr/>
+        <p:nvPr/>
+      </p:nvGrpSpPr>
+      <p:grpSpPr>
+        <a:xfrm>
+          <a:off x="0" y="0"/>
+          <a:ext cx="0" cy="0"/>
+          <a:chOff x="0" y="0"/>
+          <a:chExt cx="0" cy="0"/>
+        </a:xfrm>
+      </p:grpSpPr>
+      <p:sp>
+        <p:nvSpPr>
+          <p:cNvPr id="2" name="Title 1"/>
+          <p:cNvSpPr>
+            <a:spLocks noGrp="1"/>
+          </p:cNvSpPr>
+          <p:nvPr>
+            <p:ph type="title"/>
+          </p:nvPr>
+        </p:nvSpPr>
+        <p:spPr/>
+        <p:txBody>
+          <a:bodyPr/>
+          <a:lstStyle/>
+          <a:p>
+            <a:r>
+              <a:rPr lang="en-CA" dirty="0" smtClean="0"/>
+              <a:t>Use Of Comments For Debugging</a:t>
+            </a:r>
+            <a:endParaRPr lang="en-US" dirty="0"/>
+          </a:p>
+        </p:txBody>
+      </p:sp>
+      <p:sp>
+        <p:nvSpPr>
+          <p:cNvPr id="3" name="Content Placeholder 2"/>
+          <p:cNvSpPr>
+            <a:spLocks noGrp="1"/>
+          </p:cNvSpPr>
+          <p:nvPr>
+            <p:ph idx="1"/>
+          </p:nvPr>
+        </p:nvSpPr>
+        <p:spPr/>
+        <p:txBody>
+          <a:bodyPr/>
+          <a:lstStyle/>
+          <a:p>
+            <a:endParaRPr lang="en-US"/>
+          </a:p>
+        </p:txBody>
+      </p:sp>
+    </p:spTree>
+    <p:extLst>
+      <p:ext uri="{BB962C8B-B14F-4D97-AF65-F5344CB8AC3E}">
+        <p14:creationId xmlns:p14="http://schemas.microsoft.com/office/powerpoint/2010/main" val="1307072331"/>
+      </p:ext>
+    </p:extLst>
+  </p:cSld>
+  <p:clrMapOvr>
+    <a:masterClrMapping/>
+  </p:clrMapOvr>
+</p:sld>
+</file>
+
+<file path=ppt/slides/slide41.xml><?xml version="1.0" encoding="utf-8"?>
+<p:sld xmlns:a="http://schemas.openxmlformats.org/drawingml/2006/main" xmlns:r="http://schemas.openxmlformats.org/officeDocument/2006/relationships" xmlns:p="http://schemas.openxmlformats.org/presentationml/2006/main">
+  <p:cSld>
+    <p:spTree>
+      <p:nvGrpSpPr>
+        <p:cNvPr id="1" name=""/>
+        <p:cNvGrpSpPr/>
+        <p:nvPr/>
+      </p:nvGrpSpPr>
+      <p:grpSpPr>
+        <a:xfrm>
+          <a:off x="0" y="0"/>
+          <a:ext cx="0" cy="0"/>
+          <a:chOff x="0" y="0"/>
+          <a:chExt cx="0" cy="0"/>
+        </a:xfrm>
+      </p:grpSpPr>
+      <p:sp>
+        <p:nvSpPr>
+          <p:cNvPr id="2" name="Title 1"/>
+          <p:cNvSpPr>
+            <a:spLocks noGrp="1"/>
+          </p:cNvSpPr>
+          <p:nvPr>
+            <p:ph type="title"/>
+          </p:nvPr>
+        </p:nvSpPr>
+        <p:spPr/>
+        <p:txBody>
+          <a:bodyPr/>
+          <a:lstStyle/>
+          <a:p>
+            <a:r>
+              <a:rPr lang="en-CA" dirty="0" smtClean="0"/>
+              <a:t>Use Of Print For Debugging</a:t>
+            </a:r>
+            <a:endParaRPr lang="en-US" dirty="0"/>
+          </a:p>
+        </p:txBody>
+      </p:sp>
+      <p:sp>
+        <p:nvSpPr>
+          <p:cNvPr id="3" name="Content Placeholder 2"/>
+          <p:cNvSpPr>
+            <a:spLocks noGrp="1"/>
+          </p:cNvSpPr>
+          <p:nvPr>
+            <p:ph idx="1"/>
+          </p:nvPr>
+        </p:nvSpPr>
+        <p:spPr/>
+        <p:txBody>
+          <a:bodyPr/>
+          <a:lstStyle/>
+          <a:p>
+            <a:endParaRPr lang="en-US"/>
+          </a:p>
+        </p:txBody>
+      </p:sp>
+    </p:spTree>
+    <p:extLst>
+      <p:ext uri="{BB962C8B-B14F-4D97-AF65-F5344CB8AC3E}">
+        <p14:creationId xmlns:p14="http://schemas.microsoft.com/office/powerpoint/2010/main" val="2969170581"/>
+      </p:ext>
+    </p:extLst>
+  </p:cSld>
+  <p:clrMapOvr>
+    <a:masterClrMapping/>
+  </p:clrMapOvr>
+</p:sld>
+</file>
+
+<file path=ppt/slides/slide42.xml><?xml version="1.0" encoding="utf-8"?>
+<p:sld xmlns:a="http://schemas.openxmlformats.org/drawingml/2006/main" xmlns:r="http://schemas.openxmlformats.org/officeDocument/2006/relationships" xmlns:p="http://schemas.openxmlformats.org/presentationml/2006/main">
+  <p:cSld>
+    <p:spTree>
+      <p:nvGrpSpPr>
+        <p:cNvPr id="1" name=""/>
+        <p:cNvGrpSpPr/>
+        <p:nvPr/>
+      </p:nvGrpSpPr>
+      <p:grpSpPr>
+        <a:xfrm>
+          <a:off x="0" y="0"/>
+          <a:ext cx="0" cy="0"/>
+          <a:chOff x="0" y="0"/>
+          <a:chExt cx="0" cy="0"/>
+        </a:xfrm>
+      </p:grpSpPr>
+      <p:sp>
+        <p:nvSpPr>
+          <p:cNvPr id="2" name="Title 1"/>
+          <p:cNvSpPr>
+            <a:spLocks noGrp="1"/>
+          </p:cNvSpPr>
+          <p:nvPr>
+            <p:ph type="title"/>
+          </p:nvPr>
+        </p:nvSpPr>
+        <p:spPr/>
+        <p:txBody>
+          <a:bodyPr/>
+          <a:lstStyle/>
+          <a:p>
+            <a:r>
+              <a:rPr lang="en-CA" dirty="0" smtClean="0"/>
+              <a:t>Counted Loop</a:t>
+            </a:r>
+            <a:endParaRPr lang="en-US" dirty="0"/>
+          </a:p>
+        </p:txBody>
+      </p:sp>
+      <p:sp>
+        <p:nvSpPr>
+          <p:cNvPr id="3" name="Content Placeholder 2"/>
+          <p:cNvSpPr>
+            <a:spLocks noGrp="1"/>
+          </p:cNvSpPr>
+          <p:nvPr>
+            <p:ph idx="1"/>
+          </p:nvPr>
+        </p:nvSpPr>
+        <p:spPr/>
+        <p:txBody>
+          <a:bodyPr/>
+          <a:lstStyle/>
+          <a:p>
+            <a:endParaRPr lang="en-US"/>
+          </a:p>
+        </p:txBody>
+      </p:sp>
+    </p:spTree>
+    <p:extLst>
+      <p:ext uri="{BB962C8B-B14F-4D97-AF65-F5344CB8AC3E}">
+        <p14:creationId xmlns:p14="http://schemas.microsoft.com/office/powerpoint/2010/main" val="1979795657"/>
+      </p:ext>
+    </p:extLst>
+  </p:cSld>
+  <p:clrMapOvr>
+    <a:masterClrMapping/>
+  </p:clrMapOvr>
+</p:sld>
+</file>
+
+<file path=ppt/slides/slide43.xml><?xml version="1.0" encoding="utf-8"?>
+<p:sld xmlns:a="http://schemas.openxmlformats.org/drawingml/2006/main" xmlns:r="http://schemas.openxmlformats.org/officeDocument/2006/relationships" xmlns:p="http://schemas.openxmlformats.org/presentationml/2006/main">
+  <p:cSld>
+    <p:spTree>
+      <p:nvGrpSpPr>
+        <p:cNvPr id="1" name=""/>
+        <p:cNvGrpSpPr/>
+        <p:nvPr/>
+      </p:nvGrpSpPr>
+      <p:grpSpPr>
+        <a:xfrm>
+          <a:off x="0" y="0"/>
+          <a:ext cx="0" cy="0"/>
+          <a:chOff x="0" y="0"/>
+          <a:chExt cx="0" cy="0"/>
+        </a:xfrm>
+      </p:grpSpPr>
+      <p:sp>
+        <p:nvSpPr>
+          <p:cNvPr id="2" name="Title 1"/>
+          <p:cNvSpPr>
+            <a:spLocks noGrp="1"/>
+          </p:cNvSpPr>
+          <p:nvPr>
+            <p:ph type="title"/>
+          </p:nvPr>
+        </p:nvSpPr>
+        <p:spPr/>
+        <p:txBody>
+          <a:bodyPr/>
+          <a:lstStyle/>
+          <a:p>
+            <a:r>
+              <a:rPr lang="en-CA" dirty="0" smtClean="0"/>
+              <a:t>Breaking A Loop Early</a:t>
+            </a:r>
+            <a:endParaRPr lang="en-US" dirty="0"/>
+          </a:p>
+        </p:txBody>
+      </p:sp>
+      <p:sp>
+        <p:nvSpPr>
+          <p:cNvPr id="3" name="Content Placeholder 2"/>
+          <p:cNvSpPr>
+            <a:spLocks noGrp="1"/>
+          </p:cNvSpPr>
+          <p:nvPr>
+            <p:ph idx="1"/>
+          </p:nvPr>
+        </p:nvSpPr>
+        <p:spPr/>
+        <p:txBody>
+          <a:bodyPr/>
+          <a:lstStyle/>
+          <a:p>
+            <a:endParaRPr lang="en-US"/>
+          </a:p>
+        </p:txBody>
+      </p:sp>
+    </p:spTree>
+    <p:extLst>
+      <p:ext uri="{BB962C8B-B14F-4D97-AF65-F5344CB8AC3E}">
+        <p14:creationId xmlns:p14="http://schemas.microsoft.com/office/powerpoint/2010/main" val="4226837260"/>
       </p:ext>
     </p:extLst>
   </p:cSld>
@@ -10248,7 +13439,15 @@
           <a:p>
             <a:r>
               <a:rPr lang="en-CA" dirty="0" smtClean="0"/>
-              <a:t>Modulus Operator "%"</a:t>
+              <a:t>Float &amp; </a:t>
+            </a:r>
+            <a:r>
+              <a:rPr lang="en-CA" dirty="0" err="1" smtClean="0"/>
+              <a:t>Int</a:t>
+            </a:r>
+            <a:r>
+              <a:rPr lang="en-CA" dirty="0" smtClean="0"/>
+              <a:t> Operators</a:t>
             </a:r>
             <a:endParaRPr lang="en-US" dirty="0"/>
           </a:p>
@@ -10273,21 +13472,46 @@
           <a:p>
             <a:r>
               <a:rPr lang="en-CA" sz="2400" dirty="0" smtClean="0"/>
-              <a:t>Division using integers gives an answer in two parts:</a:t>
+              <a:t>Sometimes it is necessary to convert floats and integers</a:t>
+            </a:r>
+          </a:p>
+          <a:p>
+            <a:endParaRPr lang="en-CA" sz="2400" dirty="0"/>
+          </a:p>
+          <a:p>
+            <a:r>
+              <a:rPr lang="en-CA" sz="2400" dirty="0" smtClean="0"/>
+              <a:t>Operator "</a:t>
+            </a:r>
+            <a:r>
+              <a:rPr lang="en-CA" sz="2400" dirty="0" err="1" smtClean="0"/>
+              <a:t>int</a:t>
+            </a:r>
+            <a:r>
+              <a:rPr lang="en-CA" sz="2400" dirty="0" smtClean="0"/>
+              <a:t>()"</a:t>
             </a:r>
           </a:p>
           <a:p>
             <a:pPr lvl="1"/>
             <a:r>
               <a:rPr lang="en-CA" sz="2000" dirty="0" smtClean="0"/>
-              <a:t>Quotient – The result</a:t>
+              <a:t>Converts the value to type integer</a:t>
             </a:r>
           </a:p>
           <a:p>
             <a:pPr lvl="1"/>
             <a:r>
               <a:rPr lang="en-CA" sz="2000" dirty="0" smtClean="0"/>
-              <a:t>Remainder – What is left over </a:t>
+              <a:t>Rounds the value if </a:t>
+            </a:r>
+            <a:r>
+              <a:rPr lang="en-CA" sz="2000" dirty="0" err="1" smtClean="0"/>
+              <a:t>necesary</a:t>
+            </a:r>
+            <a:r>
+              <a:rPr lang="en-CA" sz="2000" dirty="0" smtClean="0"/>
+              <a:t> </a:t>
             </a:r>
           </a:p>
           <a:p>
@@ -10296,28 +13520,22 @@
           <a:p>
             <a:r>
               <a:rPr lang="en-CA" sz="2400" dirty="0" smtClean="0"/>
-              <a:t>The "%" operator is special in programming</a:t>
+              <a:t>Operator "float()"</a:t>
             </a:r>
           </a:p>
           <a:p>
             <a:pPr lvl="1"/>
             <a:r>
               <a:rPr lang="en-CA" sz="2000" dirty="0" smtClean="0"/>
-              <a:t>It does division and returns the remainder </a:t>
+              <a:t>Converts the value to a floating point</a:t>
             </a:r>
           </a:p>
           <a:p>
             <a:pPr lvl="1"/>
             <a:r>
               <a:rPr lang="en-CA" sz="2000" dirty="0" smtClean="0"/>
-              <a:t>Note: The remainder can be a float</a:t>
-            </a:r>
-          </a:p>
-          <a:p>
-            <a:pPr marL="457200" lvl="1" indent="0">
-              <a:buNone/>
-            </a:pPr>
-            <a:endParaRPr lang="en-US" sz="2000" dirty="0"/>
+              <a:t>Does not change the value</a:t>
+            </a:r>
           </a:p>
         </p:txBody>
       </p:sp>
@@ -10329,8 +13547,8 @@
         </p:nvSpPr>
         <p:spPr>
           <a:xfrm>
-            <a:off x="2689412" y="4784377"/>
-            <a:ext cx="3765176" cy="1661993"/>
+            <a:off x="5715000" y="2643141"/>
+            <a:ext cx="3281082" cy="2585323"/>
           </a:xfrm>
           <a:prstGeom prst="rect">
             <a:avLst/>
@@ -10372,7 +13590,66 @@
                   <a:srgbClr val="FF0000"/>
                 </a:solidFill>
               </a:rPr>
-              <a:t>myQuotient</a:t>
+              <a:t>myFloat</a:t>
+            </a:r>
+            <a:r>
+              <a:rPr lang="en-US" sz="1400" dirty="0">
+                <a:solidFill>
+                  <a:srgbClr val="FF0000"/>
+                </a:solidFill>
+              </a:rPr>
+              <a:t> = 5/2</a:t>
+            </a:r>
+          </a:p>
+          <a:p>
+            <a:r>
+              <a:rPr lang="en-US" sz="1400" dirty="0">
+                <a:solidFill>
+                  <a:srgbClr val="FF0000"/>
+                </a:solidFill>
+              </a:rPr>
+              <a:t>print("My Float is:",</a:t>
+            </a:r>
+            <a:r>
+              <a:rPr lang="en-US" sz="1400" dirty="0" err="1">
+                <a:solidFill>
+                  <a:srgbClr val="FF0000"/>
+                </a:solidFill>
+              </a:rPr>
+              <a:t>myFloat</a:t>
+            </a:r>
+            <a:r>
+              <a:rPr lang="en-US" sz="1400" dirty="0">
+                <a:solidFill>
+                  <a:srgbClr val="FF0000"/>
+                </a:solidFill>
+              </a:rPr>
+              <a:t>)</a:t>
+            </a:r>
+          </a:p>
+          <a:p>
+            <a:r>
+              <a:rPr lang="en-US" sz="1400" dirty="0">
+                <a:solidFill>
+                  <a:srgbClr val="FF0000"/>
+                </a:solidFill>
+              </a:rPr>
+              <a:t/>
+            </a:r>
+            <a:br>
+              <a:rPr lang="en-US" sz="1400" dirty="0">
+                <a:solidFill>
+                  <a:srgbClr val="FF0000"/>
+                </a:solidFill>
+              </a:rPr>
+            </a:br>
+            <a:r>
+              <a:rPr lang="en-US" sz="1400" dirty="0" err="1">
+                <a:solidFill>
+                  <a:srgbClr val="FF0000"/>
+                </a:solidFill>
+              </a:rPr>
+              <a:t>myInt</a:t>
             </a:r>
             <a:r>
               <a:rPr lang="en-US" sz="1400" dirty="0">
@@ -10396,35 +13673,33 @@
                   <a:srgbClr val="FF0000"/>
                 </a:solidFill>
               </a:rPr>
-              <a:t>(10/3)</a:t>
-            </a:r>
-          </a:p>
-          <a:p>
+              <a:t>(</a:t>
+            </a:r>
             <a:r>
               <a:rPr lang="en-US" sz="1400" dirty="0" err="1">
                 <a:solidFill>
                   <a:srgbClr val="FF0000"/>
                 </a:solidFill>
               </a:rPr>
-              <a:t>myRemainder</a:t>
-            </a:r>
-            <a:r>
-              <a:rPr lang="en-US" sz="1400" dirty="0">
-                <a:solidFill>
-                  <a:srgbClr val="FF0000"/>
-                </a:solidFill>
-              </a:rPr>
-              <a:t> = 10%3</a:t>
-            </a:r>
-          </a:p>
-          <a:p>
-            <a:r>
-              <a:rPr lang="en-US" sz="1400" dirty="0">
-                <a:solidFill>
-                  <a:srgbClr val="FF0000"/>
-                </a:solidFill>
-              </a:rPr>
-              <a:t>print("For 10/3 the quotient is:",</a:t>
+              <a:t>myFloat</a:t>
+            </a:r>
+            <a:r>
+              <a:rPr lang="en-US" sz="1400" dirty="0">
+                <a:solidFill>
+                  <a:srgbClr val="FF0000"/>
+                </a:solidFill>
+              </a:rPr>
+              <a:t>)</a:t>
+            </a:r>
+          </a:p>
+          <a:p>
+            <a:r>
+              <a:rPr lang="en-US" sz="1400" dirty="0">
+                <a:solidFill>
+                  <a:srgbClr val="FF0000"/>
+                </a:solidFill>
+              </a:rPr>
+              <a:t>print("My </a:t>
             </a:r>
             <a:r>
               <a:rPr lang="en-US" sz="1400" dirty="0" err="1">
@@ -10432,7 +13707,23 @@
                   <a:srgbClr val="FF0000"/>
                 </a:solidFill>
               </a:rPr>
-              <a:t>myQuotient</a:t>
+              <a:t>Int</a:t>
+            </a:r>
+            <a:r>
+              <a:rPr lang="en-US" sz="1400" dirty="0">
+                <a:solidFill>
+                  <a:srgbClr val="FF0000"/>
+                </a:solidFill>
+              </a:rPr>
+              <a:t> is:",</a:t>
+            </a:r>
+            <a:r>
+              <a:rPr lang="en-US" sz="1400" dirty="0" err="1">
+                <a:solidFill>
+                  <a:srgbClr val="FF0000"/>
+                </a:solidFill>
+              </a:rPr>
+              <a:t>myInt</a:t>
             </a:r>
             <a:r>
               <a:rPr lang="en-US" sz="1400" dirty="0">
@@ -10450,7 +13741,22 @@
                   <a:srgbClr val="FF0000"/>
                 </a:solidFill>
               </a:rPr>
-              <a:t>print("For 10/3 the remainder is:",</a:t>
+              <a:t/>
+            </a:r>
+            <a:br>
+              <a:rPr lang="en-US" sz="1400" dirty="0">
+                <a:solidFill>
+                  <a:srgbClr val="FF0000"/>
+                </a:solidFill>
+              </a:rPr>
+            </a:br>
+            <a:r>
+              <a:rPr lang="en-US" sz="1400" dirty="0">
+                <a:solidFill>
+                  <a:srgbClr val="FF0000"/>
+                </a:solidFill>
+              </a:rPr>
+              <a:t>myFloat2 = float(</a:t>
             </a:r>
             <a:r>
               <a:rPr lang="en-US" sz="1400" dirty="0" err="1">
@@ -10458,7 +13764,7 @@
                   <a:srgbClr val="FF0000"/>
                 </a:solidFill>
               </a:rPr>
-              <a:t>myRemainder</a:t>
+              <a:t>myInt</a:t>
             </a:r>
             <a:r>
               <a:rPr lang="en-US" sz="1400" dirty="0">
@@ -10470,7 +13776,33 @@
             </a:r>
           </a:p>
           <a:p>
-            <a:endParaRPr lang="en-CA" sz="1400" dirty="0" smtClean="0">
+            <a:r>
+              <a:rPr lang="en-US" sz="1400" dirty="0">
+                <a:solidFill>
+                  <a:srgbClr val="FF0000"/>
+                </a:solidFill>
+              </a:rPr>
+              <a:t>print("My Float2 is:",</a:t>
+            </a:r>
+            <a:r>
+              <a:rPr lang="en-US" sz="1400" dirty="0" err="1">
+                <a:solidFill>
+                  <a:srgbClr val="FF0000"/>
+                </a:solidFill>
+              </a:rPr>
+              <a:t>myFloat</a:t>
+            </a:r>
+            <a:r>
+              <a:rPr lang="en-US" sz="1400" dirty="0">
+                <a:solidFill>
+                  <a:srgbClr val="FF0000"/>
+                </a:solidFill>
+              </a:rPr>
+              <a:t>)</a:t>
+            </a:r>
+          </a:p>
+          <a:p>
+            <a:endParaRPr lang="en-US" sz="1400" dirty="0">
               <a:solidFill>
                 <a:srgbClr val="FF0000"/>
               </a:solidFill>
@@ -10483,13 +13815,20 @@
     </p:spTree>
     <p:extLst>
       <p:ext uri="{BB962C8B-B14F-4D97-AF65-F5344CB8AC3E}">
-        <p14:creationId xmlns:p14="http://schemas.microsoft.com/office/powerpoint/2010/main" val="3762870856"/>
+        <p14:creationId xmlns:p14="http://schemas.microsoft.com/office/powerpoint/2010/main" val="348555099"/>
       </p:ext>
     </p:extLst>
   </p:cSld>
   <p:clrMapOvr>
     <a:masterClrMapping/>
   </p:clrMapOvr>
+  <p:timing>
+    <p:tnLst>
+      <p:par>
+        <p:cTn id="1" dur="indefinite" restart="never" nodeType="tmRoot"/>
+      </p:par>
+    </p:tnLst>
+  </p:timing>
 </p:sld>
 </file>
 
@@ -10527,7 +13866,7 @@
           <a:p>
             <a:r>
               <a:rPr lang="en-CA" dirty="0" smtClean="0"/>
-              <a:t>Floats &amp; Python Control</a:t>
+              <a:t>Modulus Operator "%"</a:t>
             </a:r>
             <a:endParaRPr lang="en-US" dirty="0"/>
           </a:p>
@@ -10552,41 +13891,50 @@
           <a:p>
             <a:r>
               <a:rPr lang="en-CA" sz="2400" dirty="0" smtClean="0"/>
-              <a:t>Program control works the same way for floats and integers</a:t>
+              <a:t>Division using integers gives an answer in two parts:</a:t>
             </a:r>
           </a:p>
           <a:p>
             <a:pPr lvl="1"/>
             <a:r>
               <a:rPr lang="en-CA" sz="2000" dirty="0" smtClean="0"/>
-              <a:t>IF statements work the same</a:t>
+              <a:t>Quotient – The result</a:t>
             </a:r>
           </a:p>
           <a:p>
             <a:pPr lvl="1"/>
             <a:r>
               <a:rPr lang="en-CA" sz="2000" dirty="0" smtClean="0"/>
-              <a:t>WHILE loops work the same</a:t>
+              <a:t>Remainder – What is left over </a:t>
+            </a:r>
+          </a:p>
+          <a:p>
+            <a:endParaRPr lang="en-CA" sz="2400" dirty="0"/>
+          </a:p>
+          <a:p>
+            <a:r>
+              <a:rPr lang="en-CA" sz="2400" dirty="0" smtClean="0"/>
+              <a:t>The "%" operator is special in programming</a:t>
+            </a:r>
+          </a:p>
+          <a:p>
+            <a:pPr lvl="1"/>
+            <a:r>
+              <a:rPr lang="en-CA" sz="2000" dirty="0" smtClean="0"/>
+              <a:t>It does division and returns the remainder </a:t>
+            </a:r>
+          </a:p>
+          <a:p>
+            <a:pPr lvl="1"/>
+            <a:r>
+              <a:rPr lang="en-CA" sz="2000" dirty="0" smtClean="0"/>
+              <a:t>Note: The remainder can be a float</a:t>
             </a:r>
           </a:p>
           <a:p>
             <a:pPr marL="457200" lvl="1" indent="0">
               <a:buNone/>
             </a:pPr>
-            <a:endParaRPr lang="en-CA" sz="1800" dirty="0"/>
-          </a:p>
-          <a:p>
-            <a:r>
-              <a:rPr lang="en-CA" sz="2400" dirty="0" smtClean="0"/>
-              <a:t>Conditional statements may use a mix of floats and integers</a:t>
-            </a:r>
-          </a:p>
-          <a:p>
-            <a:pPr lvl="1"/>
-            <a:r>
-              <a:rPr lang="en-CA" sz="2000" dirty="0" smtClean="0"/>
-              <a:t>However, results may sometimes be unexpected</a:t>
-            </a:r>
             <a:endParaRPr lang="en-US" sz="2000" dirty="0"/>
           </a:p>
         </p:txBody>
@@ -10599,7 +13947,7 @@
         </p:nvSpPr>
         <p:spPr>
           <a:xfrm>
-            <a:off x="2487706" y="4407859"/>
+            <a:off x="2689412" y="4784377"/>
             <a:ext cx="3765176" cy="1661993"/>
           </a:xfrm>
           <a:prstGeom prst="rect">
@@ -10637,58 +13985,106 @@
           </a:p>
           <a:p>
             <a:r>
-              <a:rPr lang="en-US" sz="1400" dirty="0">
-                <a:solidFill>
-                  <a:srgbClr val="FF0000"/>
-                </a:solidFill>
-              </a:rPr>
-              <a:t>if (1 == 1.0):</a:t>
-            </a:r>
-          </a:p>
-          <a:p>
-            <a:r>
-              <a:rPr lang="en-US" sz="1400" dirty="0" smtClean="0">
-                <a:solidFill>
-                  <a:srgbClr val="FF0000"/>
-                </a:solidFill>
-              </a:rPr>
-              <a:t>    print</a:t>
-            </a:r>
-            <a:r>
-              <a:rPr lang="en-US" sz="1400" dirty="0">
-                <a:solidFill>
-                  <a:srgbClr val="FF0000"/>
-                </a:solidFill>
-              </a:rPr>
-              <a:t>("They are equal!")</a:t>
-            </a:r>
-          </a:p>
-          <a:p>
-            <a:r>
-              <a:rPr lang="en-US" sz="1400" dirty="0">
-                <a:solidFill>
-                  <a:srgbClr val="FF0000"/>
-                </a:solidFill>
-              </a:rPr>
-              <a:t>else:</a:t>
-            </a:r>
-          </a:p>
-          <a:p>
-            <a:r>
-              <a:rPr lang="en-US" sz="1400" dirty="0" smtClean="0">
-                <a:solidFill>
-                  <a:srgbClr val="FF0000"/>
-                </a:solidFill>
-              </a:rPr>
-              <a:t>    print</a:t>
-            </a:r>
-            <a:r>
-              <a:rPr lang="en-US" sz="1400" dirty="0">
-                <a:solidFill>
-                  <a:srgbClr val="FF0000"/>
-                </a:solidFill>
-              </a:rPr>
-              <a:t>("They are different!")</a:t>
+              <a:rPr lang="en-US" sz="1400" dirty="0" err="1">
+                <a:solidFill>
+                  <a:srgbClr val="FF0000"/>
+                </a:solidFill>
+              </a:rPr>
+              <a:t>myQuotient</a:t>
+            </a:r>
+            <a:r>
+              <a:rPr lang="en-US" sz="1400" dirty="0">
+                <a:solidFill>
+                  <a:srgbClr val="FF0000"/>
+                </a:solidFill>
+              </a:rPr>
+              <a:t> = </a:t>
+            </a:r>
+            <a:r>
+              <a:rPr lang="en-US" sz="1400" dirty="0" err="1">
+                <a:solidFill>
+                  <a:srgbClr val="FF0000"/>
+                </a:solidFill>
+              </a:rPr>
+              <a:t>int</a:t>
+            </a:r>
+            <a:r>
+              <a:rPr lang="en-US" sz="1400" dirty="0">
+                <a:solidFill>
+                  <a:srgbClr val="FF0000"/>
+                </a:solidFill>
+              </a:rPr>
+              <a:t>(10/3)</a:t>
+            </a:r>
+          </a:p>
+          <a:p>
+            <a:r>
+              <a:rPr lang="en-US" sz="1400" dirty="0" err="1">
+                <a:solidFill>
+                  <a:srgbClr val="FF0000"/>
+                </a:solidFill>
+              </a:rPr>
+              <a:t>myRemainder</a:t>
+            </a:r>
+            <a:r>
+              <a:rPr lang="en-US" sz="1400" dirty="0">
+                <a:solidFill>
+                  <a:srgbClr val="FF0000"/>
+                </a:solidFill>
+              </a:rPr>
+              <a:t> = 10%3</a:t>
+            </a:r>
+          </a:p>
+          <a:p>
+            <a:r>
+              <a:rPr lang="en-US" sz="1400" dirty="0">
+                <a:solidFill>
+                  <a:srgbClr val="FF0000"/>
+                </a:solidFill>
+              </a:rPr>
+              <a:t>print("For 10/3 the quotient is:",</a:t>
+            </a:r>
+            <a:r>
+              <a:rPr lang="en-US" sz="1400" dirty="0" err="1">
+                <a:solidFill>
+                  <a:srgbClr val="FF0000"/>
+                </a:solidFill>
+              </a:rPr>
+              <a:t>myQuotient</a:t>
+            </a:r>
+            <a:r>
+              <a:rPr lang="en-US" sz="1400" dirty="0">
+                <a:solidFill>
+                  <a:srgbClr val="FF0000"/>
+                </a:solidFill>
+              </a:rPr>
+              <a:t>)</a:t>
+            </a:r>
+          </a:p>
+          <a:p>
+            <a:r>
+              <a:rPr lang="en-US" sz="1400" dirty="0">
+                <a:solidFill>
+                  <a:srgbClr val="FF0000"/>
+                </a:solidFill>
+              </a:rPr>
+              <a:t>print("For 10/3 the remainder is:",</a:t>
+            </a:r>
+            <a:r>
+              <a:rPr lang="en-US" sz="1400" dirty="0" err="1">
+                <a:solidFill>
+                  <a:srgbClr val="FF0000"/>
+                </a:solidFill>
+              </a:rPr>
+              <a:t>myRemainder</a:t>
+            </a:r>
+            <a:r>
+              <a:rPr lang="en-US" sz="1400" dirty="0">
+                <a:solidFill>
+                  <a:srgbClr val="FF0000"/>
+                </a:solidFill>
+              </a:rPr>
+              <a:t>)</a:t>
             </a:r>
           </a:p>
           <a:p>
@@ -10705,13 +14101,20 @@
     </p:spTree>
     <p:extLst>
       <p:ext uri="{BB962C8B-B14F-4D97-AF65-F5344CB8AC3E}">
-        <p14:creationId xmlns:p14="http://schemas.microsoft.com/office/powerpoint/2010/main" val="1254035524"/>
+        <p14:creationId xmlns:p14="http://schemas.microsoft.com/office/powerpoint/2010/main" val="3762870856"/>
       </p:ext>
     </p:extLst>
   </p:cSld>
   <p:clrMapOvr>
     <a:masterClrMapping/>
   </p:clrMapOvr>
+  <p:timing>
+    <p:tnLst>
+      <p:par>
+        <p:cTn id="1" dur="indefinite" restart="never" nodeType="tmRoot"/>
+      </p:par>
+    </p:tnLst>
+  </p:timing>
 </p:sld>
 </file>
 
@@ -10747,7 +14150,11 @@
           <a:bodyPr/>
           <a:lstStyle/>
           <a:p>
-            <a:endParaRPr lang="en-US"/>
+            <a:r>
+              <a:rPr lang="en-CA" dirty="0" smtClean="0"/>
+              <a:t>Floats &amp; Python Control</a:t>
+            </a:r>
+            <a:endParaRPr lang="en-US" dirty="0"/>
           </a:p>
         </p:txBody>
       </p:sp>
@@ -10763,23 +14170,180 @@
         </p:nvSpPr>
         <p:spPr/>
         <p:txBody>
-          <a:bodyPr/>
-          <a:lstStyle/>
-          <a:p>
-            <a:endParaRPr lang="en-US"/>
+          <a:bodyPr>
+            <a:normAutofit/>
+          </a:bodyPr>
+          <a:lstStyle/>
+          <a:p>
+            <a:r>
+              <a:rPr lang="en-CA" sz="2400" dirty="0" smtClean="0"/>
+              <a:t>Program control works the same way for floats and integers</a:t>
+            </a:r>
+          </a:p>
+          <a:p>
+            <a:pPr lvl="1"/>
+            <a:r>
+              <a:rPr lang="en-CA" sz="2000" dirty="0" smtClean="0"/>
+              <a:t>IF statements work the same</a:t>
+            </a:r>
+          </a:p>
+          <a:p>
+            <a:pPr lvl="1"/>
+            <a:r>
+              <a:rPr lang="en-CA" sz="2000" dirty="0" smtClean="0"/>
+              <a:t>WHILE loops work the same</a:t>
+            </a:r>
+          </a:p>
+          <a:p>
+            <a:pPr marL="457200" lvl="1" indent="0">
+              <a:buNone/>
+            </a:pPr>
+            <a:endParaRPr lang="en-CA" sz="1800" dirty="0"/>
+          </a:p>
+          <a:p>
+            <a:r>
+              <a:rPr lang="en-CA" sz="2400" dirty="0" smtClean="0"/>
+              <a:t>Conditional statements may use a mix of floats and integers</a:t>
+            </a:r>
+          </a:p>
+          <a:p>
+            <a:pPr lvl="1"/>
+            <a:r>
+              <a:rPr lang="en-CA" sz="2000" dirty="0" smtClean="0"/>
+              <a:t>However, results may sometimes be unexpected</a:t>
+            </a:r>
+            <a:endParaRPr lang="en-US" sz="2000" dirty="0"/>
+          </a:p>
+        </p:txBody>
+      </p:sp>
+      <p:sp>
+        <p:nvSpPr>
+          <p:cNvPr id="4" name="TextBox 3"/>
+          <p:cNvSpPr txBox="1"/>
+          <p:nvPr/>
+        </p:nvSpPr>
+        <p:spPr>
+          <a:xfrm>
+            <a:off x="2487706" y="4407859"/>
+            <a:ext cx="3765176" cy="1661993"/>
+          </a:xfrm>
+          <a:prstGeom prst="rect">
+            <a:avLst/>
+          </a:prstGeom>
+          <a:noFill/>
+          <a:ln>
+            <a:solidFill>
+              <a:srgbClr val="FF0000"/>
+            </a:solidFill>
+          </a:ln>
+        </p:spPr>
+        <p:txBody>
+          <a:bodyPr wrap="square" rtlCol="0">
+            <a:spAutoFit/>
+          </a:bodyPr>
+          <a:lstStyle/>
+          <a:p>
+            <a:r>
+              <a:rPr lang="en-US" b="1" u="sng" dirty="0" smtClean="0">
+                <a:latin typeface="Arial" panose="020B0604020202020204" pitchFamily="34" charset="0"/>
+                <a:cs typeface="Arial" panose="020B0604020202020204" pitchFamily="34" charset="0"/>
+              </a:rPr>
+              <a:t>Sample Program:</a:t>
+            </a:r>
+          </a:p>
+          <a:p>
+            <a:endParaRPr lang="en-US" sz="1400" dirty="0">
+              <a:solidFill>
+                <a:srgbClr val="FF0000"/>
+              </a:solidFill>
+              <a:latin typeface="Arial" panose="020B0604020202020204" pitchFamily="34" charset="0"/>
+              <a:cs typeface="Arial" panose="020B0604020202020204" pitchFamily="34" charset="0"/>
+            </a:endParaRPr>
+          </a:p>
+          <a:p>
+            <a:r>
+              <a:rPr lang="en-US" sz="1400" dirty="0">
+                <a:solidFill>
+                  <a:srgbClr val="FF0000"/>
+                </a:solidFill>
+              </a:rPr>
+              <a:t>if (1 == 1.0):</a:t>
+            </a:r>
+          </a:p>
+          <a:p>
+            <a:r>
+              <a:rPr lang="en-US" sz="1400" dirty="0" smtClean="0">
+                <a:solidFill>
+                  <a:srgbClr val="FF0000"/>
+                </a:solidFill>
+              </a:rPr>
+              <a:t>    print</a:t>
+            </a:r>
+            <a:r>
+              <a:rPr lang="en-US" sz="1400" dirty="0">
+                <a:solidFill>
+                  <a:srgbClr val="FF0000"/>
+                </a:solidFill>
+              </a:rPr>
+              <a:t>("They are equal!")</a:t>
+            </a:r>
+          </a:p>
+          <a:p>
+            <a:r>
+              <a:rPr lang="en-US" sz="1400" dirty="0">
+                <a:solidFill>
+                  <a:srgbClr val="FF0000"/>
+                </a:solidFill>
+              </a:rPr>
+              <a:t>else:</a:t>
+            </a:r>
+          </a:p>
+          <a:p>
+            <a:r>
+              <a:rPr lang="en-US" sz="1400" dirty="0" smtClean="0">
+                <a:solidFill>
+                  <a:srgbClr val="FF0000"/>
+                </a:solidFill>
+              </a:rPr>
+              <a:t>    print</a:t>
+            </a:r>
+            <a:r>
+              <a:rPr lang="en-US" sz="1400" dirty="0">
+                <a:solidFill>
+                  <a:srgbClr val="FF0000"/>
+                </a:solidFill>
+              </a:rPr>
+              <a:t>("They are different!")</a:t>
+            </a:r>
+          </a:p>
+          <a:p>
+            <a:endParaRPr lang="en-CA" sz="1400" dirty="0" smtClean="0">
+              <a:solidFill>
+                <a:srgbClr val="FF0000"/>
+              </a:solidFill>
+              <a:latin typeface="Arial" panose="020B0604020202020204" pitchFamily="34" charset="0"/>
+              <a:cs typeface="Arial" panose="020B0604020202020204" pitchFamily="34" charset="0"/>
+            </a:endParaRPr>
           </a:p>
         </p:txBody>
       </p:sp>
     </p:spTree>
     <p:extLst>
       <p:ext uri="{BB962C8B-B14F-4D97-AF65-F5344CB8AC3E}">
-        <p14:creationId xmlns:p14="http://schemas.microsoft.com/office/powerpoint/2010/main" val="2311347158"/>
+        <p14:creationId xmlns:p14="http://schemas.microsoft.com/office/powerpoint/2010/main" val="1254035524"/>
       </p:ext>
     </p:extLst>
   </p:cSld>
   <p:clrMapOvr>
     <a:masterClrMapping/>
   </p:clrMapOvr>
+  <p:timing>
+    <p:tnLst>
+      <p:par>
+        <p:cTn id="1" dur="indefinite" restart="never" nodeType="tmRoot"/>
+      </p:par>
+    </p:tnLst>
+  </p:timing>
 </p:sld>
 </file>
 
@@ -10802,7 +14366,7 @@
       </p:grpSpPr>
       <p:sp>
         <p:nvSpPr>
-          <p:cNvPr id="2" name="Title 1"/>
+          <p:cNvPr id="4" name="Title 3"/>
           <p:cNvSpPr>
             <a:spLocks noGrp="1"/>
           </p:cNvSpPr>
@@ -10817,7 +14381,7 @@
           <a:p>
             <a:r>
               <a:rPr lang="en-CA" dirty="0" smtClean="0"/>
-              <a:t>Boolean Variable Type</a:t>
+              <a:t>Boolean Data Type</a:t>
             </a:r>
             <a:endParaRPr lang="en-US" dirty="0"/>
           </a:p>
@@ -10825,12 +14389,12 @@
       </p:sp>
       <p:sp>
         <p:nvSpPr>
-          <p:cNvPr id="3" name="Content Placeholder 2"/>
+          <p:cNvPr id="5" name="Text Placeholder 4"/>
           <p:cNvSpPr>
             <a:spLocks noGrp="1"/>
           </p:cNvSpPr>
           <p:nvPr>
-            <p:ph idx="1"/>
+            <p:ph type="body" idx="1"/>
           </p:nvPr>
         </p:nvSpPr>
         <p:spPr/>
@@ -10838,14 +14402,18 @@
           <a:bodyPr/>
           <a:lstStyle/>
           <a:p>
-            <a:endParaRPr lang="en-US"/>
+            <a:r>
+              <a:rPr lang="en-CA" dirty="0" smtClean="0"/>
+              <a:t>True / False variable values</a:t>
+            </a:r>
+            <a:endParaRPr lang="en-US" dirty="0"/>
           </a:p>
         </p:txBody>
       </p:sp>
     </p:spTree>
     <p:extLst>
       <p:ext uri="{BB962C8B-B14F-4D97-AF65-F5344CB8AC3E}">
-        <p14:creationId xmlns:p14="http://schemas.microsoft.com/office/powerpoint/2010/main" val="91220847"/>
+        <p14:creationId xmlns:p14="http://schemas.microsoft.com/office/powerpoint/2010/main" val="3597158627"/>
       </p:ext>
     </p:extLst>
   </p:cSld>
@@ -10889,7 +14457,7 @@
           <a:p>
             <a:r>
               <a:rPr lang="en-CA" dirty="0" smtClean="0"/>
-              <a:t>Boolean Operators</a:t>
+              <a:t>Boolean Variable Type</a:t>
             </a:r>
             <a:endParaRPr lang="en-US" dirty="0"/>
           </a:p>
@@ -10907,17 +14475,376 @@
         </p:nvSpPr>
         <p:spPr/>
         <p:txBody>
-          <a:bodyPr/>
-          <a:lstStyle/>
-          <a:p>
-            <a:endParaRPr lang="en-US"/>
+          <a:bodyPr>
+            <a:normAutofit/>
+          </a:bodyPr>
+          <a:lstStyle/>
+          <a:p>
+            <a:r>
+              <a:rPr lang="en-CA" sz="2400" dirty="0" smtClean="0"/>
+              <a:t>Stores the result of a logical statement (condition)</a:t>
+            </a:r>
+          </a:p>
+          <a:p>
+            <a:pPr lvl="1"/>
+            <a:r>
+              <a:rPr lang="en-CA" sz="2000" dirty="0" smtClean="0"/>
+              <a:t>A statement that returns a </a:t>
+            </a:r>
+            <a:r>
+              <a:rPr lang="en-CA" sz="2000" dirty="0" smtClean="0">
+                <a:solidFill>
+                  <a:srgbClr val="0070C0"/>
+                </a:solidFill>
+              </a:rPr>
+              <a:t>True</a:t>
+            </a:r>
+            <a:r>
+              <a:rPr lang="en-CA" sz="2000" dirty="0" smtClean="0"/>
+              <a:t> or </a:t>
+            </a:r>
+            <a:r>
+              <a:rPr lang="en-CA" sz="2000" dirty="0" smtClean="0">
+                <a:solidFill>
+                  <a:srgbClr val="0070C0"/>
+                </a:solidFill>
+              </a:rPr>
+              <a:t>False</a:t>
+            </a:r>
+            <a:r>
+              <a:rPr lang="en-CA" sz="2000" dirty="0" smtClean="0"/>
+              <a:t> answer</a:t>
+            </a:r>
+          </a:p>
+          <a:p>
+            <a:pPr lvl="1"/>
+            <a:r>
+              <a:rPr lang="en-CA" sz="2000" dirty="0" smtClean="0"/>
+              <a:t>A Boolean variable has a value of </a:t>
+            </a:r>
+            <a:r>
+              <a:rPr lang="en-CA" sz="2000" dirty="0" smtClean="0">
+                <a:solidFill>
+                  <a:srgbClr val="0070C0"/>
+                </a:solidFill>
+              </a:rPr>
+              <a:t>True</a:t>
+            </a:r>
+            <a:r>
+              <a:rPr lang="en-CA" sz="2000" dirty="0" smtClean="0"/>
+              <a:t> or </a:t>
+            </a:r>
+            <a:r>
+              <a:rPr lang="en-CA" sz="2000" dirty="0" smtClean="0">
+                <a:solidFill>
+                  <a:srgbClr val="0070C0"/>
+                </a:solidFill>
+              </a:rPr>
+              <a:t>False</a:t>
+            </a:r>
+            <a:r>
+              <a:rPr lang="en-CA" sz="2000" dirty="0" smtClean="0"/>
+              <a:t> only</a:t>
+            </a:r>
+          </a:p>
+          <a:p>
+            <a:endParaRPr lang="en-CA" sz="2400" dirty="0"/>
+          </a:p>
+          <a:p>
+            <a:r>
+              <a:rPr lang="en-CA" sz="2400" dirty="0" smtClean="0"/>
+              <a:t>Logical Statements Include:</a:t>
+            </a:r>
+          </a:p>
+          <a:p>
+            <a:pPr lvl="1"/>
+            <a:r>
+              <a:rPr lang="en-CA" sz="2000" dirty="0" smtClean="0"/>
+              <a:t>Equality ( == or != )</a:t>
+            </a:r>
+          </a:p>
+          <a:p>
+            <a:pPr lvl="1"/>
+            <a:r>
+              <a:rPr lang="en-CA" sz="2000" dirty="0" smtClean="0"/>
+              <a:t>Comparison ( &gt;, &lt;, &gt;=, &lt;=)</a:t>
+            </a:r>
+          </a:p>
+          <a:p>
+            <a:pPr lvl="1"/>
+            <a:r>
+              <a:rPr lang="en-CA" sz="2000" dirty="0" smtClean="0"/>
+              <a:t>Logical Operators ( and, or, </a:t>
+            </a:r>
+            <a:r>
+              <a:rPr lang="en-CA" sz="2000" dirty="0" err="1" smtClean="0"/>
+              <a:t>xor</a:t>
+            </a:r>
+            <a:r>
+              <a:rPr lang="en-CA" sz="2000" dirty="0" smtClean="0"/>
+              <a:t>, not)</a:t>
+            </a:r>
+          </a:p>
+          <a:p>
+            <a:pPr lvl="1"/>
+            <a:endParaRPr lang="en-CA" sz="2000" dirty="0"/>
+          </a:p>
+          <a:p>
+            <a:r>
+              <a:rPr lang="en-CA" sz="2400" dirty="0" smtClean="0"/>
+              <a:t>Boolean Variables are used to control </a:t>
+            </a:r>
+          </a:p>
+          <a:p>
+            <a:pPr lvl="1"/>
+            <a:r>
+              <a:rPr lang="en-CA" sz="2000" dirty="0" smtClean="0"/>
+              <a:t>IF statements and WHILE loops</a:t>
+            </a:r>
+          </a:p>
+          <a:p>
+            <a:pPr lvl="1"/>
+            <a:endParaRPr lang="en-US" sz="2000" dirty="0"/>
+          </a:p>
+        </p:txBody>
+      </p:sp>
+      <p:pic>
+        <p:nvPicPr>
+          <p:cNvPr id="1026" name="Picture 2" descr="Image result for boolean variable"/>
+          <p:cNvPicPr>
+            <a:picLocks noChangeAspect="1" noChangeArrowheads="1"/>
+          </p:cNvPicPr>
+          <p:nvPr/>
+        </p:nvPicPr>
+        <p:blipFill>
+          <a:blip r:embed="rId2">
+            <a:extLst>
+              <a:ext uri="{28A0092B-C50C-407E-A947-70E740481C1C}">
+                <a14:useLocalDpi xmlns:a14="http://schemas.microsoft.com/office/drawing/2010/main" val="0"/>
+              </a:ext>
+            </a:extLst>
+          </a:blip>
+          <a:srcRect/>
+          <a:stretch>
+            <a:fillRect/>
+          </a:stretch>
+        </p:blipFill>
+        <p:spPr bwMode="auto">
+          <a:xfrm>
+            <a:off x="6371890" y="216601"/>
+            <a:ext cx="1957890" cy="1474088"/>
+          </a:xfrm>
+          <a:prstGeom prst="rect">
+            <a:avLst/>
+          </a:prstGeom>
+          <a:noFill/>
+          <a:extLst>
+            <a:ext uri="{909E8E84-426E-40DD-AFC4-6F175D3DCCD1}">
+              <a14:hiddenFill xmlns:a14="http://schemas.microsoft.com/office/drawing/2010/main">
+                <a:solidFill>
+                  <a:srgbClr val="FFFFFF"/>
+                </a:solidFill>
+              </a14:hiddenFill>
+            </a:ext>
+          </a:extLst>
+        </p:spPr>
+      </p:pic>
+      <p:sp>
+        <p:nvSpPr>
+          <p:cNvPr id="5" name="TextBox 4"/>
+          <p:cNvSpPr txBox="1"/>
+          <p:nvPr/>
+        </p:nvSpPr>
+        <p:spPr>
+          <a:xfrm>
+            <a:off x="5925409" y="3254487"/>
+            <a:ext cx="2850851" cy="1877437"/>
+          </a:xfrm>
+          <a:prstGeom prst="rect">
+            <a:avLst/>
+          </a:prstGeom>
+          <a:noFill/>
+          <a:ln>
+            <a:solidFill>
+              <a:srgbClr val="FF0000"/>
+            </a:solidFill>
+          </a:ln>
+        </p:spPr>
+        <p:txBody>
+          <a:bodyPr wrap="square" rtlCol="0">
+            <a:spAutoFit/>
+          </a:bodyPr>
+          <a:lstStyle/>
+          <a:p>
+            <a:r>
+              <a:rPr lang="en-US" b="1" u="sng" dirty="0" smtClean="0">
+                <a:latin typeface="Arial" panose="020B0604020202020204" pitchFamily="34" charset="0"/>
+                <a:cs typeface="Arial" panose="020B0604020202020204" pitchFamily="34" charset="0"/>
+              </a:rPr>
+              <a:t>Sample Program:</a:t>
+            </a:r>
+          </a:p>
+          <a:p>
+            <a:endParaRPr lang="en-US" sz="1400" dirty="0">
+              <a:solidFill>
+                <a:srgbClr val="FF0000"/>
+              </a:solidFill>
+              <a:latin typeface="Arial" panose="020B0604020202020204" pitchFamily="34" charset="0"/>
+              <a:cs typeface="Arial" panose="020B0604020202020204" pitchFamily="34" charset="0"/>
+            </a:endParaRPr>
+          </a:p>
+          <a:p>
+            <a:r>
+              <a:rPr lang="en-CA" sz="1400" dirty="0" err="1" smtClean="0">
+                <a:solidFill>
+                  <a:srgbClr val="FF0000"/>
+                </a:solidFill>
+              </a:rPr>
+              <a:t>myGrade</a:t>
+            </a:r>
+            <a:r>
+              <a:rPr lang="en-CA" sz="1400" dirty="0" smtClean="0">
+                <a:solidFill>
+                  <a:srgbClr val="FF0000"/>
+                </a:solidFill>
+              </a:rPr>
+              <a:t> = 75</a:t>
+            </a:r>
+          </a:p>
+          <a:p>
+            <a:endParaRPr lang="en-US" sz="1400" dirty="0" smtClean="0">
+              <a:solidFill>
+                <a:srgbClr val="FF0000"/>
+              </a:solidFill>
+            </a:endParaRPr>
+          </a:p>
+          <a:p>
+            <a:r>
+              <a:rPr lang="en-US" sz="1400" dirty="0" err="1" smtClean="0">
+                <a:solidFill>
+                  <a:srgbClr val="FF0000"/>
+                </a:solidFill>
+              </a:rPr>
+              <a:t>didPass</a:t>
+            </a:r>
+            <a:r>
+              <a:rPr lang="en-US" sz="1400" dirty="0" smtClean="0">
+                <a:solidFill>
+                  <a:srgbClr val="FF0000"/>
+                </a:solidFill>
+              </a:rPr>
+              <a:t> </a:t>
+            </a:r>
+            <a:r>
+              <a:rPr lang="en-US" sz="1400" dirty="0">
+                <a:solidFill>
+                  <a:srgbClr val="FF0000"/>
+                </a:solidFill>
+              </a:rPr>
+              <a:t>= </a:t>
+            </a:r>
+            <a:r>
+              <a:rPr lang="en-US" sz="1400" dirty="0" smtClean="0">
+                <a:solidFill>
+                  <a:srgbClr val="FF0000"/>
+                </a:solidFill>
+              </a:rPr>
+              <a:t>(</a:t>
+            </a:r>
+            <a:r>
+              <a:rPr lang="en-US" sz="1400" dirty="0" err="1" smtClean="0">
+                <a:solidFill>
+                  <a:srgbClr val="FF0000"/>
+                </a:solidFill>
+              </a:rPr>
+              <a:t>myGrade</a:t>
+            </a:r>
+            <a:r>
+              <a:rPr lang="en-US" sz="1400" dirty="0" smtClean="0">
+                <a:solidFill>
+                  <a:srgbClr val="FF0000"/>
+                </a:solidFill>
+              </a:rPr>
+              <a:t> &gt;= 50)</a:t>
+            </a:r>
+          </a:p>
+          <a:p>
+            <a:endParaRPr lang="en-US" sz="1400" dirty="0">
+              <a:solidFill>
+                <a:srgbClr val="FF0000"/>
+              </a:solidFill>
+            </a:endParaRPr>
+          </a:p>
+          <a:p>
+            <a:r>
+              <a:rPr lang="en-US" sz="1400" dirty="0">
+                <a:solidFill>
+                  <a:srgbClr val="FF0000"/>
+                </a:solidFill>
+              </a:rPr>
+              <a:t>print</a:t>
+            </a:r>
+            <a:r>
+              <a:rPr lang="en-US" sz="1400" dirty="0" smtClean="0">
+                <a:solidFill>
+                  <a:srgbClr val="FF0000"/>
+                </a:solidFill>
+              </a:rPr>
+              <a:t>("I passed </a:t>
+            </a:r>
+            <a:r>
+              <a:rPr lang="en-US" sz="1400" dirty="0">
+                <a:solidFill>
+                  <a:srgbClr val="FF0000"/>
+                </a:solidFill>
+              </a:rPr>
+              <a:t>is</a:t>
+            </a:r>
+            <a:r>
+              <a:rPr lang="en-US" sz="1400" dirty="0" smtClean="0">
+                <a:solidFill>
+                  <a:srgbClr val="FF0000"/>
+                </a:solidFill>
+              </a:rPr>
+              <a:t>:",</a:t>
+            </a:r>
+            <a:r>
+              <a:rPr lang="en-US" sz="1400" dirty="0" err="1" smtClean="0">
+                <a:solidFill>
+                  <a:srgbClr val="FF0000"/>
+                </a:solidFill>
+              </a:rPr>
+              <a:t>didPass</a:t>
+            </a:r>
+            <a:r>
+              <a:rPr lang="en-US" sz="1400" dirty="0" smtClean="0">
+                <a:solidFill>
+                  <a:srgbClr val="FF0000"/>
+                </a:solidFill>
+              </a:rPr>
+              <a:t>)</a:t>
+            </a:r>
+            <a:endParaRPr lang="en-US" sz="1400" dirty="0">
+              <a:solidFill>
+                <a:srgbClr val="FF0000"/>
+              </a:solidFill>
+            </a:endParaRPr>
+          </a:p>
+          <a:p>
+            <a:endParaRPr lang="en-US" sz="1400" dirty="0">
+              <a:solidFill>
+                <a:srgbClr val="FF0000"/>
+              </a:solidFill>
+              <a:latin typeface="Arial" panose="020B0604020202020204" pitchFamily="34" charset="0"/>
+              <a:cs typeface="Arial" panose="020B0604020202020204" pitchFamily="34" charset="0"/>
+            </a:endParaRPr>
           </a:p>
         </p:txBody>
       </p:sp>
     </p:spTree>
     <p:extLst>
       <p:ext uri="{BB962C8B-B14F-4D97-AF65-F5344CB8AC3E}">
-        <p14:creationId xmlns:p14="http://schemas.microsoft.com/office/powerpoint/2010/main" val="3027253941"/>
+        <p14:creationId xmlns:p14="http://schemas.microsoft.com/office/powerpoint/2010/main" val="91220847"/>
       </p:ext>
     </p:extLst>
   </p:cSld>
